--- a/files/week1/2025-26 Intern Project Status Template.pptx
+++ b/files/week1/2025-26 Intern Project Status Template.pptx
@@ -44,8 +44,8 @@
         </p:nvSpPr>
         <p:spPr>
           <a:xfrm>
-            <a:off x="533520" y="764280"/>
-            <a:ext cx="6704640" cy="3771360"/>
+            <a:off x="0" y="764280"/>
+            <a:ext cx="0" cy="0"/>
           </a:xfrm>
           <a:prstGeom prst="rect">
             <a:avLst/>
@@ -60,10 +60,11 @@
             <a:noAutofit/>
           </a:bodyPr>
           <a:p>
-            <a:r>
-              <a:rPr b="0" lang="en-US" sz="1800" strike="noStrike" u="none">
-                <a:solidFill>
-                  <a:schemeClr val="dk1"/>
+            <a:pPr algn="ctr"/>
+            <a:r>
+              <a:rPr b="0" lang="en-US" sz="4400" strike="noStrike" u="none">
+                <a:solidFill>
+                  <a:srgbClr val="000000"/>
                 </a:solidFill>
                 <a:effectLst/>
                 <a:uFillTx/>
@@ -71,9 +72,9 @@
               </a:rPr>
               <a:t>Click to move the slide</a:t>
             </a:r>
-            <a:endParaRPr b="0" lang="en-US" sz="1800" strike="noStrike" u="none">
-              <a:solidFill>
-                <a:schemeClr val="dk1"/>
+            <a:endParaRPr b="0" lang="en-US" sz="4400" strike="noStrike" u="none">
+              <a:solidFill>
+                <a:srgbClr val="000000"/>
               </a:solidFill>
               <a:effectLst/>
               <a:uFillTx/>
@@ -364,7 +365,7 @@
             <a:pPr indent="0" algn="r">
               <a:buNone/>
             </a:pPr>
-            <a:fld id="{3D21D077-A606-44F3-8877-FA8753729EC9}" type="slidenum">
+            <a:fld id="{1A5E0D01-7188-467B-9D20-8A52F05D71BF}" type="slidenum">
               <a:rPr b="0" lang="en-US" sz="1400" strike="noStrike" u="none">
                 <a:solidFill>
                   <a:srgbClr val="000000"/>
@@ -422,7 +423,7 @@
         <p:spPr>
           <a:xfrm>
             <a:off x="685800" y="1143000"/>
-            <a:ext cx="5486040" cy="3085920"/>
+            <a:ext cx="5485680" cy="3085560"/>
           </a:xfrm>
           <a:prstGeom prst="rect">
             <a:avLst/>
@@ -445,7 +446,7 @@
         <p:spPr>
           <a:xfrm>
             <a:off x="685800" y="4400640"/>
-            <a:ext cx="5486040" cy="3600000"/>
+            <a:ext cx="5485680" cy="3599640"/>
           </a:xfrm>
           <a:prstGeom prst="rect">
             <a:avLst/>
@@ -487,7 +488,7 @@
         <p:spPr>
           <a:xfrm>
             <a:off x="3884760" y="8685360"/>
-            <a:ext cx="2971440" cy="458280"/>
+            <a:ext cx="2971080" cy="457920"/>
           </a:xfrm>
           <a:prstGeom prst="rect">
             <a:avLst/>
@@ -507,6 +508,9 @@
                 <a:spcPct val="100000"/>
               </a:lnSpc>
               <a:buNone/>
+              <a:tabLst>
+                <a:tab algn="l" pos="0"/>
+              </a:tabLst>
               <a:defRPr b="0" lang="en-ID" sz="1200" strike="noStrike" u="none">
                 <a:solidFill>
                   <a:srgbClr val="000000"/>
@@ -523,8 +527,11 @@
                 <a:spcPct val="100000"/>
               </a:lnSpc>
               <a:buNone/>
-            </a:pPr>
-            <a:fld id="{BA9C2B4A-EA1F-4BBB-AE19-876A672E7823}" type="slidenum">
+              <a:tabLst>
+                <a:tab algn="l" pos="0"/>
+              </a:tabLst>
+            </a:pPr>
+            <a:fld id="{3FD389F1-6A85-4295-BF93-9D949BC93891}" type="slidenum">
               <a:rPr b="0" lang="en-ID" sz="1200" strike="noStrike" u="none">
                 <a:solidFill>
                   <a:srgbClr val="000000"/>
@@ -552,6 +559,2545 @@
 </file>
 
 <file path=ppt/slideLayouts/slideLayout1.xml><?xml version="1.0" encoding="utf-8"?>
+<p:sldLayout xmlns:a="http://schemas.openxmlformats.org/drawingml/2006/main" xmlns:p="http://schemas.openxmlformats.org/presentationml/2006/main" xmlns:r="http://schemas.openxmlformats.org/officeDocument/2006/relationships" xmlns:p14="http://schemas.microsoft.com/office/powerpoint/2010/main" xmlns:p15="http://schemas.microsoft.com/office/powerpoint/2012/main" xmlns:mc="http://schemas.openxmlformats.org/markup-compatibility/2006" type="blank" preserve="1">
+  <p:cSld name="Blank">
+    <p:bg>
+      <p:bgPr>
+        <a:solidFill>
+          <a:srgbClr val="ffffff"/>
+        </a:solidFill>
+      </p:bgPr>
+    </p:bg>
+    <p:spTree>
+      <p:nvGrpSpPr>
+        <p:cNvPr id="1" name=""/>
+        <p:cNvGrpSpPr/>
+        <p:nvPr/>
+      </p:nvGrpSpPr>
+      <p:grpSpPr>
+        <a:xfrm>
+          <a:off x="0" y="0"/>
+          <a:ext cx="0" cy="0"/>
+          <a:chOff x="0" y="0"/>
+          <a:chExt cx="0" cy="0"/>
+        </a:xfrm>
+      </p:grpSpPr>
+      <p:sp>
+        <p:nvSpPr>
+          <p:cNvPr id="0" name="PlaceHolder 1"/>
+          <p:cNvSpPr>
+            <a:spLocks noGrp="1"/>
+          </p:cNvSpPr>
+          <p:nvPr>
+            <p:ph type="dt" idx="1"/>
+          </p:nvPr>
+        </p:nvSpPr>
+        <p:spPr>
+          <a:xfrm>
+            <a:off x="838080" y="6356520"/>
+            <a:ext cx="2742480" cy="364320"/>
+          </a:xfrm>
+          <a:prstGeom prst="rect">
+            <a:avLst/>
+          </a:prstGeom>
+          <a:noFill/>
+          <a:ln w="0">
+            <a:noFill/>
+          </a:ln>
+        </p:spPr>
+        <p:txBody>
+          <a:bodyPr lIns="91440" rIns="91440" tIns="45720" bIns="45720" anchor="ctr">
+            <a:noAutofit/>
+          </a:bodyPr>
+          <a:lstStyle>
+            <a:lvl1pPr indent="0" defTabSz="914400">
+              <a:lnSpc>
+                <a:spcPct val="100000"/>
+              </a:lnSpc>
+              <a:buNone/>
+              <a:tabLst>
+                <a:tab algn="l" pos="0"/>
+              </a:tabLst>
+              <a:defRPr b="0" lang="en-US" sz="1200" strike="noStrike" u="none">
+                <a:solidFill>
+                  <a:schemeClr val="dk1">
+                    <a:tint val="75000"/>
+                  </a:schemeClr>
+                </a:solidFill>
+                <a:effectLst/>
+                <a:uFillTx/>
+                <a:latin typeface="Arial"/>
+                <a:ea typeface="Arial"/>
+              </a:defRPr>
+            </a:lvl1pPr>
+          </a:lstStyle>
+          <a:p>
+            <a:pPr indent="0" defTabSz="914400">
+              <a:lnSpc>
+                <a:spcPct val="100000"/>
+              </a:lnSpc>
+              <a:buNone/>
+              <a:tabLst>
+                <a:tab algn="l" pos="0"/>
+              </a:tabLst>
+            </a:pPr>
+            <a:r>
+              <a:rPr b="0" lang="en-US" sz="1200" strike="noStrike" u="none">
+                <a:solidFill>
+                  <a:schemeClr val="dk1">
+                    <a:tint val="75000"/>
+                  </a:schemeClr>
+                </a:solidFill>
+                <a:effectLst/>
+                <a:uFillTx/>
+                <a:latin typeface="Arial"/>
+                <a:ea typeface="Arial"/>
+              </a:rPr>
+              <a:t>&lt;date/time&gt;</a:t>
+            </a:r>
+            <a:endParaRPr b="0" lang="en-US" sz="1200" strike="noStrike" u="none">
+              <a:solidFill>
+                <a:srgbClr val="000000"/>
+              </a:solidFill>
+              <a:effectLst/>
+              <a:uFillTx/>
+              <a:latin typeface="Times New Roman"/>
+            </a:endParaRPr>
+          </a:p>
+        </p:txBody>
+      </p:sp>
+      <p:sp>
+        <p:nvSpPr>
+          <p:cNvPr id="1" name="PlaceHolder 2"/>
+          <p:cNvSpPr>
+            <a:spLocks noGrp="1"/>
+          </p:cNvSpPr>
+          <p:nvPr>
+            <p:ph type="ftr" idx="2"/>
+          </p:nvPr>
+        </p:nvSpPr>
+        <p:spPr>
+          <a:xfrm>
+            <a:off x="4038480" y="6356520"/>
+            <a:ext cx="4114080" cy="364320"/>
+          </a:xfrm>
+          <a:prstGeom prst="rect">
+            <a:avLst/>
+          </a:prstGeom>
+          <a:noFill/>
+          <a:ln w="0">
+            <a:noFill/>
+          </a:ln>
+        </p:spPr>
+        <p:txBody>
+          <a:bodyPr lIns="91440" rIns="91440" tIns="45720" bIns="45720" anchor="ctr">
+            <a:noAutofit/>
+          </a:bodyPr>
+          <a:lstStyle>
+            <a:lvl1pPr indent="0" algn="ctr">
+              <a:lnSpc>
+                <a:spcPct val="100000"/>
+              </a:lnSpc>
+              <a:buNone/>
+              <a:tabLst>
+                <a:tab algn="l" pos="0"/>
+              </a:tabLst>
+              <a:defRPr b="0" lang="en-US" sz="1400" strike="noStrike" u="none">
+                <a:solidFill>
+                  <a:srgbClr val="000000"/>
+                </a:solidFill>
+                <a:effectLst/>
+                <a:uFillTx/>
+                <a:latin typeface="Times New Roman"/>
+              </a:defRPr>
+            </a:lvl1pPr>
+          </a:lstStyle>
+          <a:p>
+            <a:pPr indent="0" algn="ctr">
+              <a:lnSpc>
+                <a:spcPct val="100000"/>
+              </a:lnSpc>
+              <a:buNone/>
+              <a:tabLst>
+                <a:tab algn="l" pos="0"/>
+              </a:tabLst>
+            </a:pPr>
+            <a:r>
+              <a:rPr b="0" lang="en-US" sz="1400" strike="noStrike" u="none">
+                <a:solidFill>
+                  <a:srgbClr val="000000"/>
+                </a:solidFill>
+                <a:effectLst/>
+                <a:uFillTx/>
+                <a:latin typeface="Times New Roman"/>
+              </a:rPr>
+              <a:t>&lt;footer&gt;</a:t>
+            </a:r>
+            <a:endParaRPr b="0" lang="en-US" sz="1400" strike="noStrike" u="none">
+              <a:solidFill>
+                <a:srgbClr val="000000"/>
+              </a:solidFill>
+              <a:effectLst/>
+              <a:uFillTx/>
+              <a:latin typeface="Times New Roman"/>
+            </a:endParaRPr>
+          </a:p>
+        </p:txBody>
+      </p:sp>
+      <p:sp>
+        <p:nvSpPr>
+          <p:cNvPr id="2" name="PlaceHolder 3"/>
+          <p:cNvSpPr>
+            <a:spLocks noGrp="1"/>
+          </p:cNvSpPr>
+          <p:nvPr>
+            <p:ph type="sldNum" idx="3"/>
+          </p:nvPr>
+        </p:nvSpPr>
+        <p:spPr>
+          <a:xfrm>
+            <a:off x="8610480" y="6356520"/>
+            <a:ext cx="2742480" cy="364320"/>
+          </a:xfrm>
+          <a:prstGeom prst="rect">
+            <a:avLst/>
+          </a:prstGeom>
+          <a:noFill/>
+          <a:ln w="0">
+            <a:noFill/>
+          </a:ln>
+        </p:spPr>
+        <p:txBody>
+          <a:bodyPr lIns="91440" rIns="91440" tIns="45720" bIns="45720" anchor="ctr">
+            <a:noAutofit/>
+          </a:bodyPr>
+          <a:lstStyle>
+            <a:lvl1pPr indent="0" algn="r" defTabSz="914400">
+              <a:lnSpc>
+                <a:spcPct val="100000"/>
+              </a:lnSpc>
+              <a:buNone/>
+              <a:tabLst>
+                <a:tab algn="l" pos="0"/>
+              </a:tabLst>
+              <a:defRPr b="0" lang="en-US" sz="1200" strike="noStrike" u="none">
+                <a:solidFill>
+                  <a:schemeClr val="dk1">
+                    <a:tint val="75000"/>
+                  </a:schemeClr>
+                </a:solidFill>
+                <a:effectLst/>
+                <a:uFillTx/>
+                <a:latin typeface="Arial"/>
+                <a:ea typeface="Arial"/>
+              </a:defRPr>
+            </a:lvl1pPr>
+          </a:lstStyle>
+          <a:p>
+            <a:pPr indent="0" algn="r" defTabSz="914400">
+              <a:lnSpc>
+                <a:spcPct val="100000"/>
+              </a:lnSpc>
+              <a:buNone/>
+              <a:tabLst>
+                <a:tab algn="l" pos="0"/>
+              </a:tabLst>
+            </a:pPr>
+            <a:fld id="{7E05582A-1217-493F-BBCA-85C9039B28E8}" type="slidenum">
+              <a:rPr b="0" lang="en-US" sz="1200" strike="noStrike" u="none">
+                <a:solidFill>
+                  <a:schemeClr val="dk1">
+                    <a:tint val="75000"/>
+                  </a:schemeClr>
+                </a:solidFill>
+                <a:effectLst/>
+                <a:uFillTx/>
+                <a:latin typeface="Arial"/>
+                <a:ea typeface="Arial"/>
+              </a:rPr>
+              <a:t>&lt;number&gt;</a:t>
+            </a:fld>
+            <a:endParaRPr b="0" lang="en-US" sz="1200" strike="noStrike" u="none">
+              <a:solidFill>
+                <a:srgbClr val="000000"/>
+              </a:solidFill>
+              <a:effectLst/>
+              <a:uFillTx/>
+              <a:latin typeface="Times New Roman"/>
+            </a:endParaRPr>
+          </a:p>
+        </p:txBody>
+      </p:sp>
+    </p:spTree>
+  </p:cSld>
+</p:sldLayout>
+</file>
+
+<file path=ppt/slideLayouts/slideLayout10.xml><?xml version="1.0" encoding="utf-8"?>
+<p:sldLayout xmlns:a="http://schemas.openxmlformats.org/drawingml/2006/main" xmlns:p="http://schemas.openxmlformats.org/presentationml/2006/main" xmlns:r="http://schemas.openxmlformats.org/officeDocument/2006/relationships" xmlns:p14="http://schemas.microsoft.com/office/powerpoint/2010/main" xmlns:p15="http://schemas.microsoft.com/office/powerpoint/2012/main" xmlns:mc="http://schemas.openxmlformats.org/markup-compatibility/2006" type="blank" preserve="1">
+  <p:cSld name="Comparison">
+    <p:bg>
+      <p:bgPr>
+        <a:solidFill>
+          <a:srgbClr val="ffffff"/>
+        </a:solidFill>
+      </p:bgPr>
+    </p:bg>
+    <p:spTree>
+      <p:nvGrpSpPr>
+        <p:cNvPr id="1" name=""/>
+        <p:cNvGrpSpPr/>
+        <p:nvPr/>
+      </p:nvGrpSpPr>
+      <p:grpSpPr>
+        <a:xfrm>
+          <a:off x="0" y="0"/>
+          <a:ext cx="0" cy="0"/>
+          <a:chOff x="0" y="0"/>
+          <a:chExt cx="0" cy="0"/>
+        </a:xfrm>
+      </p:grpSpPr>
+      <p:sp>
+        <p:nvSpPr>
+          <p:cNvPr id="45" name="PlaceHolder 1"/>
+          <p:cNvSpPr>
+            <a:spLocks noGrp="1"/>
+          </p:cNvSpPr>
+          <p:nvPr>
+            <p:ph type="title"/>
+          </p:nvPr>
+        </p:nvSpPr>
+        <p:spPr>
+          <a:xfrm>
+            <a:off x="839880" y="365040"/>
+            <a:ext cx="10514880" cy="1324800"/>
+          </a:xfrm>
+          <a:prstGeom prst="rect">
+            <a:avLst/>
+          </a:prstGeom>
+          <a:noFill/>
+          <a:ln w="0">
+            <a:noFill/>
+          </a:ln>
+        </p:spPr>
+        <p:txBody>
+          <a:bodyPr lIns="91440" rIns="91440" tIns="45720" bIns="45720" anchor="ctr">
+            <a:noAutofit/>
+          </a:bodyPr>
+          <a:p>
+            <a:pPr indent="0" defTabSz="914400">
+              <a:lnSpc>
+                <a:spcPct val="90000"/>
+              </a:lnSpc>
+              <a:buNone/>
+              <a:tabLst>
+                <a:tab algn="l" pos="0"/>
+              </a:tabLst>
+            </a:pPr>
+            <a:r>
+              <a:rPr b="0" lang="en-US" sz="4400" strike="noStrike" u="none">
+                <a:solidFill>
+                  <a:schemeClr val="dk1"/>
+                </a:solidFill>
+                <a:effectLst/>
+                <a:uFillTx/>
+                <a:latin typeface="Arial"/>
+                <a:ea typeface="Arial"/>
+              </a:rPr>
+              <a:t>Click to edit Master title style</a:t>
+            </a:r>
+            <a:endParaRPr b="0" lang="en-US" sz="4400" strike="noStrike" u="none">
+              <a:solidFill>
+                <a:srgbClr val="000000"/>
+              </a:solidFill>
+              <a:effectLst/>
+              <a:uFillTx/>
+              <a:latin typeface="Arial"/>
+            </a:endParaRPr>
+          </a:p>
+        </p:txBody>
+      </p:sp>
+      <p:sp>
+        <p:nvSpPr>
+          <p:cNvPr id="46" name="PlaceHolder 2"/>
+          <p:cNvSpPr>
+            <a:spLocks noGrp="1"/>
+          </p:cNvSpPr>
+          <p:nvPr>
+            <p:ph type="body"/>
+          </p:nvPr>
+        </p:nvSpPr>
+        <p:spPr>
+          <a:xfrm>
+            <a:off x="839880" y="1681200"/>
+            <a:ext cx="5157000" cy="823320"/>
+          </a:xfrm>
+          <a:prstGeom prst="rect">
+            <a:avLst/>
+          </a:prstGeom>
+          <a:noFill/>
+          <a:ln w="0">
+            <a:noFill/>
+          </a:ln>
+        </p:spPr>
+        <p:txBody>
+          <a:bodyPr lIns="91440" rIns="91440" tIns="45720" bIns="45720" anchor="b">
+            <a:noAutofit/>
+          </a:bodyPr>
+          <a:p>
+            <a:pPr indent="0" defTabSz="914400">
+              <a:lnSpc>
+                <a:spcPct val="90000"/>
+              </a:lnSpc>
+              <a:spcBef>
+                <a:spcPts val="1001"/>
+              </a:spcBef>
+              <a:buNone/>
+              <a:tabLst>
+                <a:tab algn="l" pos="0"/>
+              </a:tabLst>
+            </a:pPr>
+            <a:r>
+              <a:rPr b="1" lang="en-US" sz="2400" strike="noStrike" u="none">
+                <a:solidFill>
+                  <a:schemeClr val="dk1"/>
+                </a:solidFill>
+                <a:effectLst/>
+                <a:uFillTx/>
+                <a:latin typeface="Arial"/>
+                <a:ea typeface="Arial"/>
+              </a:rPr>
+              <a:t>Click to edit Master text styles</a:t>
+            </a:r>
+            <a:endParaRPr b="0" lang="en-US" sz="2400" strike="noStrike" u="none">
+              <a:solidFill>
+                <a:srgbClr val="000000"/>
+              </a:solidFill>
+              <a:effectLst/>
+              <a:uFillTx/>
+              <a:latin typeface="Arial"/>
+            </a:endParaRPr>
+          </a:p>
+        </p:txBody>
+      </p:sp>
+      <p:sp>
+        <p:nvSpPr>
+          <p:cNvPr id="47" name="PlaceHolder 3"/>
+          <p:cNvSpPr>
+            <a:spLocks noGrp="1"/>
+          </p:cNvSpPr>
+          <p:nvPr>
+            <p:ph type="body"/>
+          </p:nvPr>
+        </p:nvSpPr>
+        <p:spPr>
+          <a:xfrm>
+            <a:off x="839880" y="2505240"/>
+            <a:ext cx="5157000" cy="3683880"/>
+          </a:xfrm>
+          <a:prstGeom prst="rect">
+            <a:avLst/>
+          </a:prstGeom>
+          <a:noFill/>
+          <a:ln w="0">
+            <a:noFill/>
+          </a:ln>
+        </p:spPr>
+        <p:txBody>
+          <a:bodyPr lIns="91440" rIns="91440" tIns="45720" bIns="45720" anchor="t">
+            <a:noAutofit/>
+          </a:bodyPr>
+          <a:p>
+            <a:pPr marL="228600" indent="-228600" defTabSz="914400">
+              <a:lnSpc>
+                <a:spcPct val="90000"/>
+              </a:lnSpc>
+              <a:spcBef>
+                <a:spcPts val="1001"/>
+              </a:spcBef>
+              <a:buClr>
+                <a:srgbClr val="000000"/>
+              </a:buClr>
+              <a:buFont typeface="Arial"/>
+              <a:buChar char="•"/>
+            </a:pPr>
+            <a:r>
+              <a:rPr b="0" lang="en-US" sz="2800" strike="noStrike" u="none">
+                <a:solidFill>
+                  <a:schemeClr val="dk1"/>
+                </a:solidFill>
+                <a:effectLst/>
+                <a:uFillTx/>
+                <a:latin typeface="Arial"/>
+                <a:ea typeface="Arial"/>
+              </a:rPr>
+              <a:t>Click to edit Master text styles</a:t>
+            </a:r>
+            <a:endParaRPr b="0" lang="en-US" sz="2800" strike="noStrike" u="none">
+              <a:solidFill>
+                <a:srgbClr val="000000"/>
+              </a:solidFill>
+              <a:effectLst/>
+              <a:uFillTx/>
+              <a:latin typeface="Arial"/>
+            </a:endParaRPr>
+          </a:p>
+          <a:p>
+            <a:pPr lvl="1" marL="685800" indent="-228600" defTabSz="914400">
+              <a:lnSpc>
+                <a:spcPct val="90000"/>
+              </a:lnSpc>
+              <a:spcBef>
+                <a:spcPts val="499"/>
+              </a:spcBef>
+              <a:buClr>
+                <a:srgbClr val="000000"/>
+              </a:buClr>
+              <a:buFont typeface="Arial"/>
+              <a:buChar char="•"/>
+            </a:pPr>
+            <a:r>
+              <a:rPr b="0" lang="en-US" sz="2400" strike="noStrike" u="none">
+                <a:solidFill>
+                  <a:schemeClr val="dk1"/>
+                </a:solidFill>
+                <a:effectLst/>
+                <a:uFillTx/>
+                <a:latin typeface="Arial"/>
+                <a:ea typeface="Arial"/>
+              </a:rPr>
+              <a:t>Second level</a:t>
+            </a:r>
+            <a:endParaRPr b="0" lang="en-US" sz="2400" strike="noStrike" u="none">
+              <a:solidFill>
+                <a:srgbClr val="000000"/>
+              </a:solidFill>
+              <a:effectLst/>
+              <a:uFillTx/>
+              <a:latin typeface="Arial"/>
+            </a:endParaRPr>
+          </a:p>
+          <a:p>
+            <a:pPr lvl="2" marL="1143000" indent="-228600" defTabSz="914400">
+              <a:lnSpc>
+                <a:spcPct val="90000"/>
+              </a:lnSpc>
+              <a:spcBef>
+                <a:spcPts val="499"/>
+              </a:spcBef>
+              <a:buClr>
+                <a:srgbClr val="000000"/>
+              </a:buClr>
+              <a:buFont typeface="Arial"/>
+              <a:buChar char="•"/>
+            </a:pPr>
+            <a:r>
+              <a:rPr b="0" lang="en-US" sz="2000" strike="noStrike" u="none">
+                <a:solidFill>
+                  <a:schemeClr val="dk1"/>
+                </a:solidFill>
+                <a:effectLst/>
+                <a:uFillTx/>
+                <a:latin typeface="Arial"/>
+                <a:ea typeface="Arial"/>
+              </a:rPr>
+              <a:t>Third level</a:t>
+            </a:r>
+            <a:endParaRPr b="0" lang="en-US" sz="2000" strike="noStrike" u="none">
+              <a:solidFill>
+                <a:srgbClr val="000000"/>
+              </a:solidFill>
+              <a:effectLst/>
+              <a:uFillTx/>
+              <a:latin typeface="Arial"/>
+            </a:endParaRPr>
+          </a:p>
+          <a:p>
+            <a:pPr lvl="3" marL="1600200" indent="-228600" defTabSz="914400">
+              <a:lnSpc>
+                <a:spcPct val="90000"/>
+              </a:lnSpc>
+              <a:spcBef>
+                <a:spcPts val="499"/>
+              </a:spcBef>
+              <a:buClr>
+                <a:srgbClr val="000000"/>
+              </a:buClr>
+              <a:buFont typeface="Arial"/>
+              <a:buChar char="•"/>
+            </a:pPr>
+            <a:r>
+              <a:rPr b="0" lang="en-US" sz="1800" strike="noStrike" u="none">
+                <a:solidFill>
+                  <a:schemeClr val="dk1"/>
+                </a:solidFill>
+                <a:effectLst/>
+                <a:uFillTx/>
+                <a:latin typeface="Arial"/>
+                <a:ea typeface="Arial"/>
+              </a:rPr>
+              <a:t>Fourth level</a:t>
+            </a:r>
+            <a:endParaRPr b="0" lang="en-US" sz="1800" strike="noStrike" u="none">
+              <a:solidFill>
+                <a:srgbClr val="000000"/>
+              </a:solidFill>
+              <a:effectLst/>
+              <a:uFillTx/>
+              <a:latin typeface="Arial"/>
+            </a:endParaRPr>
+          </a:p>
+          <a:p>
+            <a:pPr lvl="4" marL="2057400" indent="-228600" defTabSz="914400">
+              <a:lnSpc>
+                <a:spcPct val="90000"/>
+              </a:lnSpc>
+              <a:spcBef>
+                <a:spcPts val="499"/>
+              </a:spcBef>
+              <a:buClr>
+                <a:srgbClr val="000000"/>
+              </a:buClr>
+              <a:buFont typeface="Arial"/>
+              <a:buChar char="•"/>
+            </a:pPr>
+            <a:r>
+              <a:rPr b="0" lang="en-US" sz="1800" strike="noStrike" u="none">
+                <a:solidFill>
+                  <a:schemeClr val="dk1"/>
+                </a:solidFill>
+                <a:effectLst/>
+                <a:uFillTx/>
+                <a:latin typeface="Arial"/>
+                <a:ea typeface="Arial"/>
+              </a:rPr>
+              <a:t>Fifth level</a:t>
+            </a:r>
+            <a:endParaRPr b="0" lang="en-US" sz="1800" strike="noStrike" u="none">
+              <a:solidFill>
+                <a:srgbClr val="000000"/>
+              </a:solidFill>
+              <a:effectLst/>
+              <a:uFillTx/>
+              <a:latin typeface="Arial"/>
+            </a:endParaRPr>
+          </a:p>
+        </p:txBody>
+      </p:sp>
+      <p:sp>
+        <p:nvSpPr>
+          <p:cNvPr id="48" name="PlaceHolder 4"/>
+          <p:cNvSpPr>
+            <a:spLocks noGrp="1"/>
+          </p:cNvSpPr>
+          <p:nvPr>
+            <p:ph type="body"/>
+          </p:nvPr>
+        </p:nvSpPr>
+        <p:spPr>
+          <a:xfrm>
+            <a:off x="6172200" y="1681200"/>
+            <a:ext cx="5182560" cy="823320"/>
+          </a:xfrm>
+          <a:prstGeom prst="rect">
+            <a:avLst/>
+          </a:prstGeom>
+          <a:noFill/>
+          <a:ln w="0">
+            <a:noFill/>
+          </a:ln>
+        </p:spPr>
+        <p:txBody>
+          <a:bodyPr lIns="91440" rIns="91440" tIns="45720" bIns="45720" anchor="b">
+            <a:noAutofit/>
+          </a:bodyPr>
+          <a:p>
+            <a:pPr indent="0" defTabSz="914400">
+              <a:lnSpc>
+                <a:spcPct val="90000"/>
+              </a:lnSpc>
+              <a:spcBef>
+                <a:spcPts val="1001"/>
+              </a:spcBef>
+              <a:buNone/>
+              <a:tabLst>
+                <a:tab algn="l" pos="0"/>
+              </a:tabLst>
+            </a:pPr>
+            <a:r>
+              <a:rPr b="1" lang="en-US" sz="2400" strike="noStrike" u="none">
+                <a:solidFill>
+                  <a:schemeClr val="dk1"/>
+                </a:solidFill>
+                <a:effectLst/>
+                <a:uFillTx/>
+                <a:latin typeface="Arial"/>
+                <a:ea typeface="Arial"/>
+              </a:rPr>
+              <a:t>Click to edit Master text styles</a:t>
+            </a:r>
+            <a:endParaRPr b="0" lang="en-US" sz="2400" strike="noStrike" u="none">
+              <a:solidFill>
+                <a:srgbClr val="000000"/>
+              </a:solidFill>
+              <a:effectLst/>
+              <a:uFillTx/>
+              <a:latin typeface="Arial"/>
+            </a:endParaRPr>
+          </a:p>
+        </p:txBody>
+      </p:sp>
+      <p:sp>
+        <p:nvSpPr>
+          <p:cNvPr id="49" name="PlaceHolder 5"/>
+          <p:cNvSpPr>
+            <a:spLocks noGrp="1"/>
+          </p:cNvSpPr>
+          <p:nvPr>
+            <p:ph type="body"/>
+          </p:nvPr>
+        </p:nvSpPr>
+        <p:spPr>
+          <a:xfrm>
+            <a:off x="6172200" y="2505240"/>
+            <a:ext cx="5182560" cy="3683880"/>
+          </a:xfrm>
+          <a:prstGeom prst="rect">
+            <a:avLst/>
+          </a:prstGeom>
+          <a:noFill/>
+          <a:ln w="0">
+            <a:noFill/>
+          </a:ln>
+        </p:spPr>
+        <p:txBody>
+          <a:bodyPr lIns="91440" rIns="91440" tIns="45720" bIns="45720" anchor="t">
+            <a:noAutofit/>
+          </a:bodyPr>
+          <a:p>
+            <a:pPr marL="228600" indent="-228600" defTabSz="914400">
+              <a:lnSpc>
+                <a:spcPct val="90000"/>
+              </a:lnSpc>
+              <a:spcBef>
+                <a:spcPts val="1001"/>
+              </a:spcBef>
+              <a:buClr>
+                <a:srgbClr val="000000"/>
+              </a:buClr>
+              <a:buFont typeface="Arial"/>
+              <a:buChar char="•"/>
+            </a:pPr>
+            <a:r>
+              <a:rPr b="0" lang="en-US" sz="2800" strike="noStrike" u="none">
+                <a:solidFill>
+                  <a:schemeClr val="dk1"/>
+                </a:solidFill>
+                <a:effectLst/>
+                <a:uFillTx/>
+                <a:latin typeface="Arial"/>
+                <a:ea typeface="Arial"/>
+              </a:rPr>
+              <a:t>Click to edit Master text styles</a:t>
+            </a:r>
+            <a:endParaRPr b="0" lang="en-US" sz="2800" strike="noStrike" u="none">
+              <a:solidFill>
+                <a:srgbClr val="000000"/>
+              </a:solidFill>
+              <a:effectLst/>
+              <a:uFillTx/>
+              <a:latin typeface="Arial"/>
+            </a:endParaRPr>
+          </a:p>
+          <a:p>
+            <a:pPr lvl="1" marL="685800" indent="-228600" defTabSz="914400">
+              <a:lnSpc>
+                <a:spcPct val="90000"/>
+              </a:lnSpc>
+              <a:spcBef>
+                <a:spcPts val="499"/>
+              </a:spcBef>
+              <a:buClr>
+                <a:srgbClr val="000000"/>
+              </a:buClr>
+              <a:buFont typeface="Arial"/>
+              <a:buChar char="•"/>
+            </a:pPr>
+            <a:r>
+              <a:rPr b="0" lang="en-US" sz="2400" strike="noStrike" u="none">
+                <a:solidFill>
+                  <a:schemeClr val="dk1"/>
+                </a:solidFill>
+                <a:effectLst/>
+                <a:uFillTx/>
+                <a:latin typeface="Arial"/>
+                <a:ea typeface="Arial"/>
+              </a:rPr>
+              <a:t>Second level</a:t>
+            </a:r>
+            <a:endParaRPr b="0" lang="en-US" sz="2400" strike="noStrike" u="none">
+              <a:solidFill>
+                <a:srgbClr val="000000"/>
+              </a:solidFill>
+              <a:effectLst/>
+              <a:uFillTx/>
+              <a:latin typeface="Arial"/>
+            </a:endParaRPr>
+          </a:p>
+          <a:p>
+            <a:pPr lvl="2" marL="1143000" indent="-228600" defTabSz="914400">
+              <a:lnSpc>
+                <a:spcPct val="90000"/>
+              </a:lnSpc>
+              <a:spcBef>
+                <a:spcPts val="499"/>
+              </a:spcBef>
+              <a:buClr>
+                <a:srgbClr val="000000"/>
+              </a:buClr>
+              <a:buFont typeface="Arial"/>
+              <a:buChar char="•"/>
+            </a:pPr>
+            <a:r>
+              <a:rPr b="0" lang="en-US" sz="2000" strike="noStrike" u="none">
+                <a:solidFill>
+                  <a:schemeClr val="dk1"/>
+                </a:solidFill>
+                <a:effectLst/>
+                <a:uFillTx/>
+                <a:latin typeface="Arial"/>
+                <a:ea typeface="Arial"/>
+              </a:rPr>
+              <a:t>Third level</a:t>
+            </a:r>
+            <a:endParaRPr b="0" lang="en-US" sz="2000" strike="noStrike" u="none">
+              <a:solidFill>
+                <a:srgbClr val="000000"/>
+              </a:solidFill>
+              <a:effectLst/>
+              <a:uFillTx/>
+              <a:latin typeface="Arial"/>
+            </a:endParaRPr>
+          </a:p>
+          <a:p>
+            <a:pPr lvl="3" marL="1600200" indent="-228600" defTabSz="914400">
+              <a:lnSpc>
+                <a:spcPct val="90000"/>
+              </a:lnSpc>
+              <a:spcBef>
+                <a:spcPts val="499"/>
+              </a:spcBef>
+              <a:buClr>
+                <a:srgbClr val="000000"/>
+              </a:buClr>
+              <a:buFont typeface="Arial"/>
+              <a:buChar char="•"/>
+            </a:pPr>
+            <a:r>
+              <a:rPr b="0" lang="en-US" sz="1800" strike="noStrike" u="none">
+                <a:solidFill>
+                  <a:schemeClr val="dk1"/>
+                </a:solidFill>
+                <a:effectLst/>
+                <a:uFillTx/>
+                <a:latin typeface="Arial"/>
+                <a:ea typeface="Arial"/>
+              </a:rPr>
+              <a:t>Fourth level</a:t>
+            </a:r>
+            <a:endParaRPr b="0" lang="en-US" sz="1800" strike="noStrike" u="none">
+              <a:solidFill>
+                <a:srgbClr val="000000"/>
+              </a:solidFill>
+              <a:effectLst/>
+              <a:uFillTx/>
+              <a:latin typeface="Arial"/>
+            </a:endParaRPr>
+          </a:p>
+          <a:p>
+            <a:pPr lvl="4" marL="2057400" indent="-228600" defTabSz="914400">
+              <a:lnSpc>
+                <a:spcPct val="90000"/>
+              </a:lnSpc>
+              <a:spcBef>
+                <a:spcPts val="499"/>
+              </a:spcBef>
+              <a:buClr>
+                <a:srgbClr val="000000"/>
+              </a:buClr>
+              <a:buFont typeface="Arial"/>
+              <a:buChar char="•"/>
+            </a:pPr>
+            <a:r>
+              <a:rPr b="0" lang="en-US" sz="1800" strike="noStrike" u="none">
+                <a:solidFill>
+                  <a:schemeClr val="dk1"/>
+                </a:solidFill>
+                <a:effectLst/>
+                <a:uFillTx/>
+                <a:latin typeface="Arial"/>
+                <a:ea typeface="Arial"/>
+              </a:rPr>
+              <a:t>Fifth level</a:t>
+            </a:r>
+            <a:endParaRPr b="0" lang="en-US" sz="1800" strike="noStrike" u="none">
+              <a:solidFill>
+                <a:srgbClr val="000000"/>
+              </a:solidFill>
+              <a:effectLst/>
+              <a:uFillTx/>
+              <a:latin typeface="Arial"/>
+            </a:endParaRPr>
+          </a:p>
+        </p:txBody>
+      </p:sp>
+      <p:sp>
+        <p:nvSpPr>
+          <p:cNvPr id="50" name="PlaceHolder 6"/>
+          <p:cNvSpPr>
+            <a:spLocks noGrp="1"/>
+          </p:cNvSpPr>
+          <p:nvPr>
+            <p:ph type="dt" idx="28"/>
+          </p:nvPr>
+        </p:nvSpPr>
+        <p:spPr>
+          <a:xfrm>
+            <a:off x="838080" y="6356520"/>
+            <a:ext cx="2742480" cy="364320"/>
+          </a:xfrm>
+          <a:prstGeom prst="rect">
+            <a:avLst/>
+          </a:prstGeom>
+          <a:noFill/>
+          <a:ln w="0">
+            <a:noFill/>
+          </a:ln>
+        </p:spPr>
+        <p:txBody>
+          <a:bodyPr lIns="91440" rIns="91440" tIns="45720" bIns="45720" anchor="ctr">
+            <a:noAutofit/>
+          </a:bodyPr>
+          <a:lstStyle>
+            <a:lvl1pPr indent="0" defTabSz="914400">
+              <a:lnSpc>
+                <a:spcPct val="100000"/>
+              </a:lnSpc>
+              <a:buNone/>
+              <a:tabLst>
+                <a:tab algn="l" pos="0"/>
+              </a:tabLst>
+              <a:defRPr b="0" lang="en-US" sz="1200" strike="noStrike" u="none">
+                <a:solidFill>
+                  <a:schemeClr val="dk1">
+                    <a:tint val="75000"/>
+                  </a:schemeClr>
+                </a:solidFill>
+                <a:effectLst/>
+                <a:uFillTx/>
+                <a:latin typeface="Arial"/>
+                <a:ea typeface="Arial"/>
+              </a:defRPr>
+            </a:lvl1pPr>
+          </a:lstStyle>
+          <a:p>
+            <a:pPr indent="0" defTabSz="914400">
+              <a:lnSpc>
+                <a:spcPct val="100000"/>
+              </a:lnSpc>
+              <a:buNone/>
+              <a:tabLst>
+                <a:tab algn="l" pos="0"/>
+              </a:tabLst>
+            </a:pPr>
+            <a:r>
+              <a:rPr b="0" lang="en-US" sz="1200" strike="noStrike" u="none">
+                <a:solidFill>
+                  <a:schemeClr val="dk1">
+                    <a:tint val="75000"/>
+                  </a:schemeClr>
+                </a:solidFill>
+                <a:effectLst/>
+                <a:uFillTx/>
+                <a:latin typeface="Arial"/>
+                <a:ea typeface="Arial"/>
+              </a:rPr>
+              <a:t>&lt;date/time&gt;</a:t>
+            </a:r>
+            <a:endParaRPr b="0" lang="en-US" sz="1200" strike="noStrike" u="none">
+              <a:solidFill>
+                <a:srgbClr val="000000"/>
+              </a:solidFill>
+              <a:effectLst/>
+              <a:uFillTx/>
+              <a:latin typeface="Times New Roman"/>
+            </a:endParaRPr>
+          </a:p>
+        </p:txBody>
+      </p:sp>
+      <p:sp>
+        <p:nvSpPr>
+          <p:cNvPr id="51" name="PlaceHolder 7"/>
+          <p:cNvSpPr>
+            <a:spLocks noGrp="1"/>
+          </p:cNvSpPr>
+          <p:nvPr>
+            <p:ph type="ftr" idx="29"/>
+          </p:nvPr>
+        </p:nvSpPr>
+        <p:spPr>
+          <a:xfrm>
+            <a:off x="4038480" y="6356520"/>
+            <a:ext cx="4114080" cy="364320"/>
+          </a:xfrm>
+          <a:prstGeom prst="rect">
+            <a:avLst/>
+          </a:prstGeom>
+          <a:noFill/>
+          <a:ln w="0">
+            <a:noFill/>
+          </a:ln>
+        </p:spPr>
+        <p:txBody>
+          <a:bodyPr lIns="91440" rIns="91440" tIns="45720" bIns="45720" anchor="ctr">
+            <a:noAutofit/>
+          </a:bodyPr>
+          <a:lstStyle>
+            <a:lvl1pPr indent="0" algn="ctr">
+              <a:lnSpc>
+                <a:spcPct val="100000"/>
+              </a:lnSpc>
+              <a:buNone/>
+              <a:tabLst>
+                <a:tab algn="l" pos="0"/>
+              </a:tabLst>
+              <a:defRPr b="0" lang="en-US" sz="1400" strike="noStrike" u="none">
+                <a:solidFill>
+                  <a:srgbClr val="000000"/>
+                </a:solidFill>
+                <a:effectLst/>
+                <a:uFillTx/>
+                <a:latin typeface="Times New Roman"/>
+              </a:defRPr>
+            </a:lvl1pPr>
+          </a:lstStyle>
+          <a:p>
+            <a:pPr indent="0" algn="ctr">
+              <a:lnSpc>
+                <a:spcPct val="100000"/>
+              </a:lnSpc>
+              <a:buNone/>
+              <a:tabLst>
+                <a:tab algn="l" pos="0"/>
+              </a:tabLst>
+            </a:pPr>
+            <a:r>
+              <a:rPr b="0" lang="en-US" sz="1400" strike="noStrike" u="none">
+                <a:solidFill>
+                  <a:srgbClr val="000000"/>
+                </a:solidFill>
+                <a:effectLst/>
+                <a:uFillTx/>
+                <a:latin typeface="Times New Roman"/>
+              </a:rPr>
+              <a:t>&lt;footer&gt;</a:t>
+            </a:r>
+            <a:endParaRPr b="0" lang="en-US" sz="1400" strike="noStrike" u="none">
+              <a:solidFill>
+                <a:srgbClr val="000000"/>
+              </a:solidFill>
+              <a:effectLst/>
+              <a:uFillTx/>
+              <a:latin typeface="Times New Roman"/>
+            </a:endParaRPr>
+          </a:p>
+        </p:txBody>
+      </p:sp>
+      <p:sp>
+        <p:nvSpPr>
+          <p:cNvPr id="52" name="PlaceHolder 8"/>
+          <p:cNvSpPr>
+            <a:spLocks noGrp="1"/>
+          </p:cNvSpPr>
+          <p:nvPr>
+            <p:ph type="sldNum" idx="30"/>
+          </p:nvPr>
+        </p:nvSpPr>
+        <p:spPr>
+          <a:xfrm>
+            <a:off x="8610480" y="6356520"/>
+            <a:ext cx="2742480" cy="364320"/>
+          </a:xfrm>
+          <a:prstGeom prst="rect">
+            <a:avLst/>
+          </a:prstGeom>
+          <a:noFill/>
+          <a:ln w="0">
+            <a:noFill/>
+          </a:ln>
+        </p:spPr>
+        <p:txBody>
+          <a:bodyPr lIns="91440" rIns="91440" tIns="45720" bIns="45720" anchor="ctr">
+            <a:noAutofit/>
+          </a:bodyPr>
+          <a:lstStyle>
+            <a:lvl1pPr indent="0" algn="r" defTabSz="914400">
+              <a:lnSpc>
+                <a:spcPct val="100000"/>
+              </a:lnSpc>
+              <a:buNone/>
+              <a:tabLst>
+                <a:tab algn="l" pos="0"/>
+              </a:tabLst>
+              <a:defRPr b="0" lang="en-US" sz="1200" strike="noStrike" u="none">
+                <a:solidFill>
+                  <a:schemeClr val="dk1">
+                    <a:tint val="75000"/>
+                  </a:schemeClr>
+                </a:solidFill>
+                <a:effectLst/>
+                <a:uFillTx/>
+                <a:latin typeface="Arial"/>
+                <a:ea typeface="Arial"/>
+              </a:defRPr>
+            </a:lvl1pPr>
+          </a:lstStyle>
+          <a:p>
+            <a:pPr indent="0" algn="r" defTabSz="914400">
+              <a:lnSpc>
+                <a:spcPct val="100000"/>
+              </a:lnSpc>
+              <a:buNone/>
+              <a:tabLst>
+                <a:tab algn="l" pos="0"/>
+              </a:tabLst>
+            </a:pPr>
+            <a:fld id="{5373BFA2-2709-49E9-A886-688F80AE13ED}" type="slidenum">
+              <a:rPr b="0" lang="en-US" sz="1200" strike="noStrike" u="none">
+                <a:solidFill>
+                  <a:schemeClr val="dk1">
+                    <a:tint val="75000"/>
+                  </a:schemeClr>
+                </a:solidFill>
+                <a:effectLst/>
+                <a:uFillTx/>
+                <a:latin typeface="Arial"/>
+                <a:ea typeface="Arial"/>
+              </a:rPr>
+              <a:t>&lt;number&gt;</a:t>
+            </a:fld>
+            <a:endParaRPr b="0" lang="en-US" sz="1200" strike="noStrike" u="none">
+              <a:solidFill>
+                <a:srgbClr val="000000"/>
+              </a:solidFill>
+              <a:effectLst/>
+              <a:uFillTx/>
+              <a:latin typeface="Times New Roman"/>
+            </a:endParaRPr>
+          </a:p>
+        </p:txBody>
+      </p:sp>
+    </p:spTree>
+  </p:cSld>
+</p:sldLayout>
+</file>
+
+<file path=ppt/slideLayouts/slideLayout11.xml><?xml version="1.0" encoding="utf-8"?>
+<p:sldLayout xmlns:a="http://schemas.openxmlformats.org/drawingml/2006/main" xmlns:p="http://schemas.openxmlformats.org/presentationml/2006/main" xmlns:r="http://schemas.openxmlformats.org/officeDocument/2006/relationships" xmlns:p14="http://schemas.microsoft.com/office/powerpoint/2010/main" xmlns:p15="http://schemas.microsoft.com/office/powerpoint/2012/main" xmlns:mc="http://schemas.openxmlformats.org/markup-compatibility/2006" type="titleOnly" preserve="1">
+  <p:cSld name="Title Only">
+    <p:bg>
+      <p:bgPr>
+        <a:solidFill>
+          <a:srgbClr val="ffffff"/>
+        </a:solidFill>
+      </p:bgPr>
+    </p:bg>
+    <p:spTree>
+      <p:nvGrpSpPr>
+        <p:cNvPr id="1" name=""/>
+        <p:cNvGrpSpPr/>
+        <p:nvPr/>
+      </p:nvGrpSpPr>
+      <p:grpSpPr>
+        <a:xfrm>
+          <a:off x="0" y="0"/>
+          <a:ext cx="0" cy="0"/>
+          <a:chOff x="0" y="0"/>
+          <a:chExt cx="0" cy="0"/>
+        </a:xfrm>
+      </p:grpSpPr>
+      <p:sp>
+        <p:nvSpPr>
+          <p:cNvPr id="53" name="PlaceHolder 1"/>
+          <p:cNvSpPr>
+            <a:spLocks noGrp="1"/>
+          </p:cNvSpPr>
+          <p:nvPr>
+            <p:ph type="title"/>
+          </p:nvPr>
+        </p:nvSpPr>
+        <p:spPr>
+          <a:xfrm>
+            <a:off x="838080" y="365040"/>
+            <a:ext cx="10514880" cy="1324800"/>
+          </a:xfrm>
+          <a:prstGeom prst="rect">
+            <a:avLst/>
+          </a:prstGeom>
+          <a:noFill/>
+          <a:ln w="0">
+            <a:noFill/>
+          </a:ln>
+        </p:spPr>
+        <p:txBody>
+          <a:bodyPr lIns="91440" rIns="91440" tIns="45720" bIns="45720" anchor="ctr">
+            <a:noAutofit/>
+          </a:bodyPr>
+          <a:p>
+            <a:pPr indent="0" defTabSz="914400">
+              <a:lnSpc>
+                <a:spcPct val="90000"/>
+              </a:lnSpc>
+              <a:buNone/>
+              <a:tabLst>
+                <a:tab algn="l" pos="0"/>
+              </a:tabLst>
+            </a:pPr>
+            <a:r>
+              <a:rPr b="0" lang="en-US" sz="4400" strike="noStrike" u="none">
+                <a:solidFill>
+                  <a:schemeClr val="dk1"/>
+                </a:solidFill>
+                <a:effectLst/>
+                <a:uFillTx/>
+                <a:latin typeface="Arial"/>
+                <a:ea typeface="Arial"/>
+              </a:rPr>
+              <a:t>Click to edit Master title style</a:t>
+            </a:r>
+            <a:endParaRPr b="0" lang="en-US" sz="4400" strike="noStrike" u="none">
+              <a:solidFill>
+                <a:srgbClr val="000000"/>
+              </a:solidFill>
+              <a:effectLst/>
+              <a:uFillTx/>
+              <a:latin typeface="Arial"/>
+            </a:endParaRPr>
+          </a:p>
+        </p:txBody>
+      </p:sp>
+      <p:sp>
+        <p:nvSpPr>
+          <p:cNvPr id="54" name="PlaceHolder 2"/>
+          <p:cNvSpPr>
+            <a:spLocks noGrp="1"/>
+          </p:cNvSpPr>
+          <p:nvPr>
+            <p:ph type="dt" idx="31"/>
+          </p:nvPr>
+        </p:nvSpPr>
+        <p:spPr>
+          <a:xfrm>
+            <a:off x="838080" y="6356520"/>
+            <a:ext cx="2742480" cy="364320"/>
+          </a:xfrm>
+          <a:prstGeom prst="rect">
+            <a:avLst/>
+          </a:prstGeom>
+          <a:noFill/>
+          <a:ln w="0">
+            <a:noFill/>
+          </a:ln>
+        </p:spPr>
+        <p:txBody>
+          <a:bodyPr lIns="91440" rIns="91440" tIns="45720" bIns="45720" anchor="ctr">
+            <a:noAutofit/>
+          </a:bodyPr>
+          <a:lstStyle>
+            <a:lvl1pPr indent="0" defTabSz="914400">
+              <a:lnSpc>
+                <a:spcPct val="100000"/>
+              </a:lnSpc>
+              <a:buNone/>
+              <a:tabLst>
+                <a:tab algn="l" pos="0"/>
+              </a:tabLst>
+              <a:defRPr b="0" lang="en-US" sz="1200" strike="noStrike" u="none">
+                <a:solidFill>
+                  <a:schemeClr val="dk1">
+                    <a:tint val="75000"/>
+                  </a:schemeClr>
+                </a:solidFill>
+                <a:effectLst/>
+                <a:uFillTx/>
+                <a:latin typeface="Arial"/>
+                <a:ea typeface="Arial"/>
+              </a:defRPr>
+            </a:lvl1pPr>
+          </a:lstStyle>
+          <a:p>
+            <a:pPr indent="0" defTabSz="914400">
+              <a:lnSpc>
+                <a:spcPct val="100000"/>
+              </a:lnSpc>
+              <a:buNone/>
+              <a:tabLst>
+                <a:tab algn="l" pos="0"/>
+              </a:tabLst>
+            </a:pPr>
+            <a:r>
+              <a:rPr b="0" lang="en-US" sz="1200" strike="noStrike" u="none">
+                <a:solidFill>
+                  <a:schemeClr val="dk1">
+                    <a:tint val="75000"/>
+                  </a:schemeClr>
+                </a:solidFill>
+                <a:effectLst/>
+                <a:uFillTx/>
+                <a:latin typeface="Arial"/>
+                <a:ea typeface="Arial"/>
+              </a:rPr>
+              <a:t>&lt;date/time&gt;</a:t>
+            </a:r>
+            <a:endParaRPr b="0" lang="en-US" sz="1200" strike="noStrike" u="none">
+              <a:solidFill>
+                <a:srgbClr val="000000"/>
+              </a:solidFill>
+              <a:effectLst/>
+              <a:uFillTx/>
+              <a:latin typeface="Times New Roman"/>
+            </a:endParaRPr>
+          </a:p>
+        </p:txBody>
+      </p:sp>
+      <p:sp>
+        <p:nvSpPr>
+          <p:cNvPr id="55" name="PlaceHolder 3"/>
+          <p:cNvSpPr>
+            <a:spLocks noGrp="1"/>
+          </p:cNvSpPr>
+          <p:nvPr>
+            <p:ph type="ftr" idx="32"/>
+          </p:nvPr>
+        </p:nvSpPr>
+        <p:spPr>
+          <a:xfrm>
+            <a:off x="4038480" y="6356520"/>
+            <a:ext cx="4114080" cy="364320"/>
+          </a:xfrm>
+          <a:prstGeom prst="rect">
+            <a:avLst/>
+          </a:prstGeom>
+          <a:noFill/>
+          <a:ln w="0">
+            <a:noFill/>
+          </a:ln>
+        </p:spPr>
+        <p:txBody>
+          <a:bodyPr lIns="91440" rIns="91440" tIns="45720" bIns="45720" anchor="ctr">
+            <a:noAutofit/>
+          </a:bodyPr>
+          <a:lstStyle>
+            <a:lvl1pPr indent="0" algn="ctr">
+              <a:lnSpc>
+                <a:spcPct val="100000"/>
+              </a:lnSpc>
+              <a:buNone/>
+              <a:tabLst>
+                <a:tab algn="l" pos="0"/>
+              </a:tabLst>
+              <a:defRPr b="0" lang="en-US" sz="1400" strike="noStrike" u="none">
+                <a:solidFill>
+                  <a:srgbClr val="000000"/>
+                </a:solidFill>
+                <a:effectLst/>
+                <a:uFillTx/>
+                <a:latin typeface="Times New Roman"/>
+              </a:defRPr>
+            </a:lvl1pPr>
+          </a:lstStyle>
+          <a:p>
+            <a:pPr indent="0" algn="ctr">
+              <a:lnSpc>
+                <a:spcPct val="100000"/>
+              </a:lnSpc>
+              <a:buNone/>
+              <a:tabLst>
+                <a:tab algn="l" pos="0"/>
+              </a:tabLst>
+            </a:pPr>
+            <a:r>
+              <a:rPr b="0" lang="en-US" sz="1400" strike="noStrike" u="none">
+                <a:solidFill>
+                  <a:srgbClr val="000000"/>
+                </a:solidFill>
+                <a:effectLst/>
+                <a:uFillTx/>
+                <a:latin typeface="Times New Roman"/>
+              </a:rPr>
+              <a:t>&lt;footer&gt;</a:t>
+            </a:r>
+            <a:endParaRPr b="0" lang="en-US" sz="1400" strike="noStrike" u="none">
+              <a:solidFill>
+                <a:srgbClr val="000000"/>
+              </a:solidFill>
+              <a:effectLst/>
+              <a:uFillTx/>
+              <a:latin typeface="Times New Roman"/>
+            </a:endParaRPr>
+          </a:p>
+        </p:txBody>
+      </p:sp>
+      <p:sp>
+        <p:nvSpPr>
+          <p:cNvPr id="56" name="PlaceHolder 4"/>
+          <p:cNvSpPr>
+            <a:spLocks noGrp="1"/>
+          </p:cNvSpPr>
+          <p:nvPr>
+            <p:ph type="sldNum" idx="33"/>
+          </p:nvPr>
+        </p:nvSpPr>
+        <p:spPr>
+          <a:xfrm>
+            <a:off x="8610480" y="6356520"/>
+            <a:ext cx="2742480" cy="364320"/>
+          </a:xfrm>
+          <a:prstGeom prst="rect">
+            <a:avLst/>
+          </a:prstGeom>
+          <a:noFill/>
+          <a:ln w="0">
+            <a:noFill/>
+          </a:ln>
+        </p:spPr>
+        <p:txBody>
+          <a:bodyPr lIns="91440" rIns="91440" tIns="45720" bIns="45720" anchor="ctr">
+            <a:noAutofit/>
+          </a:bodyPr>
+          <a:lstStyle>
+            <a:lvl1pPr indent="0" algn="r" defTabSz="914400">
+              <a:lnSpc>
+                <a:spcPct val="100000"/>
+              </a:lnSpc>
+              <a:buNone/>
+              <a:tabLst>
+                <a:tab algn="l" pos="0"/>
+              </a:tabLst>
+              <a:defRPr b="0" lang="en-US" sz="1200" strike="noStrike" u="none">
+                <a:solidFill>
+                  <a:schemeClr val="dk1">
+                    <a:tint val="75000"/>
+                  </a:schemeClr>
+                </a:solidFill>
+                <a:effectLst/>
+                <a:uFillTx/>
+                <a:latin typeface="Arial"/>
+                <a:ea typeface="Arial"/>
+              </a:defRPr>
+            </a:lvl1pPr>
+          </a:lstStyle>
+          <a:p>
+            <a:pPr indent="0" algn="r" defTabSz="914400">
+              <a:lnSpc>
+                <a:spcPct val="100000"/>
+              </a:lnSpc>
+              <a:buNone/>
+              <a:tabLst>
+                <a:tab algn="l" pos="0"/>
+              </a:tabLst>
+            </a:pPr>
+            <a:fld id="{58F87CFB-2CC2-47B6-89C5-D0753D6B76DC}" type="slidenum">
+              <a:rPr b="0" lang="en-US" sz="1200" strike="noStrike" u="none">
+                <a:solidFill>
+                  <a:schemeClr val="dk1">
+                    <a:tint val="75000"/>
+                  </a:schemeClr>
+                </a:solidFill>
+                <a:effectLst/>
+                <a:uFillTx/>
+                <a:latin typeface="Arial"/>
+                <a:ea typeface="Arial"/>
+              </a:rPr>
+              <a:t>&lt;number&gt;</a:t>
+            </a:fld>
+            <a:endParaRPr b="0" lang="en-US" sz="1200" strike="noStrike" u="none">
+              <a:solidFill>
+                <a:srgbClr val="000000"/>
+              </a:solidFill>
+              <a:effectLst/>
+              <a:uFillTx/>
+              <a:latin typeface="Times New Roman"/>
+            </a:endParaRPr>
+          </a:p>
+        </p:txBody>
+      </p:sp>
+    </p:spTree>
+  </p:cSld>
+</p:sldLayout>
+</file>
+
+<file path=ppt/slideLayouts/slideLayout2.xml><?xml version="1.0" encoding="utf-8"?>
+<p:sldLayout xmlns:a="http://schemas.openxmlformats.org/drawingml/2006/main" xmlns:p="http://schemas.openxmlformats.org/presentationml/2006/main" xmlns:r="http://schemas.openxmlformats.org/officeDocument/2006/relationships" xmlns:p14="http://schemas.microsoft.com/office/powerpoint/2010/main" xmlns:p15="http://schemas.microsoft.com/office/powerpoint/2012/main" xmlns:mc="http://schemas.openxmlformats.org/markup-compatibility/2006" type="blank" preserve="1">
+  <p:cSld name="Content with Caption">
+    <p:bg>
+      <p:bgPr>
+        <a:solidFill>
+          <a:srgbClr val="ffffff"/>
+        </a:solidFill>
+      </p:bgPr>
+    </p:bg>
+    <p:spTree>
+      <p:nvGrpSpPr>
+        <p:cNvPr id="1" name=""/>
+        <p:cNvGrpSpPr/>
+        <p:nvPr/>
+      </p:nvGrpSpPr>
+      <p:grpSpPr>
+        <a:xfrm>
+          <a:off x="0" y="0"/>
+          <a:ext cx="0" cy="0"/>
+          <a:chOff x="0" y="0"/>
+          <a:chExt cx="0" cy="0"/>
+        </a:xfrm>
+      </p:grpSpPr>
+      <p:sp>
+        <p:nvSpPr>
+          <p:cNvPr id="3" name="PlaceHolder 1"/>
+          <p:cNvSpPr>
+            <a:spLocks noGrp="1"/>
+          </p:cNvSpPr>
+          <p:nvPr>
+            <p:ph type="title"/>
+          </p:nvPr>
+        </p:nvSpPr>
+        <p:spPr>
+          <a:xfrm>
+            <a:off x="839880" y="457200"/>
+            <a:ext cx="3931560" cy="1599480"/>
+          </a:xfrm>
+          <a:prstGeom prst="rect">
+            <a:avLst/>
+          </a:prstGeom>
+          <a:noFill/>
+          <a:ln w="0">
+            <a:noFill/>
+          </a:ln>
+        </p:spPr>
+        <p:txBody>
+          <a:bodyPr lIns="91440" rIns="91440" tIns="45720" bIns="45720" anchor="b">
+            <a:noAutofit/>
+          </a:bodyPr>
+          <a:p>
+            <a:pPr indent="0" defTabSz="914400">
+              <a:lnSpc>
+                <a:spcPct val="90000"/>
+              </a:lnSpc>
+              <a:buNone/>
+              <a:tabLst>
+                <a:tab algn="l" pos="0"/>
+              </a:tabLst>
+            </a:pPr>
+            <a:r>
+              <a:rPr b="0" lang="en-US" sz="3200" strike="noStrike" u="none">
+                <a:solidFill>
+                  <a:schemeClr val="dk1"/>
+                </a:solidFill>
+                <a:effectLst/>
+                <a:uFillTx/>
+                <a:latin typeface="Arial"/>
+                <a:ea typeface="Arial"/>
+              </a:rPr>
+              <a:t>Click to edit Master title style</a:t>
+            </a:r>
+            <a:endParaRPr b="0" lang="en-US" sz="3200" strike="noStrike" u="none">
+              <a:solidFill>
+                <a:srgbClr val="000000"/>
+              </a:solidFill>
+              <a:effectLst/>
+              <a:uFillTx/>
+              <a:latin typeface="Arial"/>
+            </a:endParaRPr>
+          </a:p>
+        </p:txBody>
+      </p:sp>
+      <p:sp>
+        <p:nvSpPr>
+          <p:cNvPr id="4" name="PlaceHolder 2"/>
+          <p:cNvSpPr>
+            <a:spLocks noGrp="1"/>
+          </p:cNvSpPr>
+          <p:nvPr>
+            <p:ph type="body"/>
+          </p:nvPr>
+        </p:nvSpPr>
+        <p:spPr>
+          <a:xfrm>
+            <a:off x="5183280" y="987480"/>
+            <a:ext cx="6171480" cy="4872960"/>
+          </a:xfrm>
+          <a:prstGeom prst="rect">
+            <a:avLst/>
+          </a:prstGeom>
+          <a:noFill/>
+          <a:ln w="0">
+            <a:noFill/>
+          </a:ln>
+        </p:spPr>
+        <p:txBody>
+          <a:bodyPr lIns="91440" rIns="91440" tIns="45720" bIns="45720" anchor="t">
+            <a:noAutofit/>
+          </a:bodyPr>
+          <a:p>
+            <a:pPr marL="228600" indent="-228600" defTabSz="914400">
+              <a:lnSpc>
+                <a:spcPct val="90000"/>
+              </a:lnSpc>
+              <a:spcBef>
+                <a:spcPts val="1001"/>
+              </a:spcBef>
+              <a:buClr>
+                <a:srgbClr val="000000"/>
+              </a:buClr>
+              <a:buFont typeface="Arial"/>
+              <a:buChar char="•"/>
+            </a:pPr>
+            <a:r>
+              <a:rPr b="0" lang="en-US" sz="3200" strike="noStrike" u="none">
+                <a:solidFill>
+                  <a:schemeClr val="dk1"/>
+                </a:solidFill>
+                <a:effectLst/>
+                <a:uFillTx/>
+                <a:latin typeface="Arial"/>
+                <a:ea typeface="Arial"/>
+              </a:rPr>
+              <a:t>Click to edit Master text styles</a:t>
+            </a:r>
+            <a:endParaRPr b="0" lang="en-US" sz="3200" strike="noStrike" u="none">
+              <a:solidFill>
+                <a:srgbClr val="000000"/>
+              </a:solidFill>
+              <a:effectLst/>
+              <a:uFillTx/>
+              <a:latin typeface="Arial"/>
+            </a:endParaRPr>
+          </a:p>
+          <a:p>
+            <a:pPr lvl="1" marL="685800" indent="-228600" defTabSz="914400">
+              <a:lnSpc>
+                <a:spcPct val="90000"/>
+              </a:lnSpc>
+              <a:spcBef>
+                <a:spcPts val="499"/>
+              </a:spcBef>
+              <a:buClr>
+                <a:srgbClr val="000000"/>
+              </a:buClr>
+              <a:buFont typeface="Arial"/>
+              <a:buChar char="•"/>
+            </a:pPr>
+            <a:r>
+              <a:rPr b="0" lang="en-US" sz="2800" strike="noStrike" u="none">
+                <a:solidFill>
+                  <a:schemeClr val="dk1"/>
+                </a:solidFill>
+                <a:effectLst/>
+                <a:uFillTx/>
+                <a:latin typeface="Arial"/>
+                <a:ea typeface="Arial"/>
+              </a:rPr>
+              <a:t>Second level</a:t>
+            </a:r>
+            <a:endParaRPr b="0" lang="en-US" sz="2800" strike="noStrike" u="none">
+              <a:solidFill>
+                <a:srgbClr val="000000"/>
+              </a:solidFill>
+              <a:effectLst/>
+              <a:uFillTx/>
+              <a:latin typeface="Arial"/>
+            </a:endParaRPr>
+          </a:p>
+          <a:p>
+            <a:pPr lvl="2" marL="1143000" indent="-228600" defTabSz="914400">
+              <a:lnSpc>
+                <a:spcPct val="90000"/>
+              </a:lnSpc>
+              <a:spcBef>
+                <a:spcPts val="499"/>
+              </a:spcBef>
+              <a:buClr>
+                <a:srgbClr val="000000"/>
+              </a:buClr>
+              <a:buFont typeface="Arial"/>
+              <a:buChar char="•"/>
+            </a:pPr>
+            <a:r>
+              <a:rPr b="0" lang="en-US" sz="2400" strike="noStrike" u="none">
+                <a:solidFill>
+                  <a:schemeClr val="dk1"/>
+                </a:solidFill>
+                <a:effectLst/>
+                <a:uFillTx/>
+                <a:latin typeface="Arial"/>
+                <a:ea typeface="Arial"/>
+              </a:rPr>
+              <a:t>Third level</a:t>
+            </a:r>
+            <a:endParaRPr b="0" lang="en-US" sz="2400" strike="noStrike" u="none">
+              <a:solidFill>
+                <a:srgbClr val="000000"/>
+              </a:solidFill>
+              <a:effectLst/>
+              <a:uFillTx/>
+              <a:latin typeface="Arial"/>
+            </a:endParaRPr>
+          </a:p>
+          <a:p>
+            <a:pPr lvl="3" marL="1600200" indent="-228600" defTabSz="914400">
+              <a:lnSpc>
+                <a:spcPct val="90000"/>
+              </a:lnSpc>
+              <a:spcBef>
+                <a:spcPts val="499"/>
+              </a:spcBef>
+              <a:buClr>
+                <a:srgbClr val="000000"/>
+              </a:buClr>
+              <a:buFont typeface="Arial"/>
+              <a:buChar char="•"/>
+            </a:pPr>
+            <a:r>
+              <a:rPr b="0" lang="en-US" sz="2000" strike="noStrike" u="none">
+                <a:solidFill>
+                  <a:schemeClr val="dk1"/>
+                </a:solidFill>
+                <a:effectLst/>
+                <a:uFillTx/>
+                <a:latin typeface="Arial"/>
+                <a:ea typeface="Arial"/>
+              </a:rPr>
+              <a:t>Fourth level</a:t>
+            </a:r>
+            <a:endParaRPr b="0" lang="en-US" sz="2000" strike="noStrike" u="none">
+              <a:solidFill>
+                <a:srgbClr val="000000"/>
+              </a:solidFill>
+              <a:effectLst/>
+              <a:uFillTx/>
+              <a:latin typeface="Arial"/>
+            </a:endParaRPr>
+          </a:p>
+          <a:p>
+            <a:pPr lvl="4" marL="2057400" indent="-228600" defTabSz="914400">
+              <a:lnSpc>
+                <a:spcPct val="90000"/>
+              </a:lnSpc>
+              <a:spcBef>
+                <a:spcPts val="499"/>
+              </a:spcBef>
+              <a:buClr>
+                <a:srgbClr val="000000"/>
+              </a:buClr>
+              <a:buFont typeface="Arial"/>
+              <a:buChar char="•"/>
+            </a:pPr>
+            <a:r>
+              <a:rPr b="0" lang="en-US" sz="2000" strike="noStrike" u="none">
+                <a:solidFill>
+                  <a:schemeClr val="dk1"/>
+                </a:solidFill>
+                <a:effectLst/>
+                <a:uFillTx/>
+                <a:latin typeface="Arial"/>
+                <a:ea typeface="Arial"/>
+              </a:rPr>
+              <a:t>Fifth level</a:t>
+            </a:r>
+            <a:endParaRPr b="0" lang="en-US" sz="2000" strike="noStrike" u="none">
+              <a:solidFill>
+                <a:srgbClr val="000000"/>
+              </a:solidFill>
+              <a:effectLst/>
+              <a:uFillTx/>
+              <a:latin typeface="Arial"/>
+            </a:endParaRPr>
+          </a:p>
+        </p:txBody>
+      </p:sp>
+      <p:sp>
+        <p:nvSpPr>
+          <p:cNvPr id="5" name="PlaceHolder 3"/>
+          <p:cNvSpPr>
+            <a:spLocks noGrp="1"/>
+          </p:cNvSpPr>
+          <p:nvPr>
+            <p:ph type="body"/>
+          </p:nvPr>
+        </p:nvSpPr>
+        <p:spPr>
+          <a:xfrm>
+            <a:off x="839880" y="2057400"/>
+            <a:ext cx="3931560" cy="3810960"/>
+          </a:xfrm>
+          <a:prstGeom prst="rect">
+            <a:avLst/>
+          </a:prstGeom>
+          <a:noFill/>
+          <a:ln w="0">
+            <a:noFill/>
+          </a:ln>
+        </p:spPr>
+        <p:txBody>
+          <a:bodyPr lIns="91440" rIns="91440" tIns="45720" bIns="45720" anchor="t">
+            <a:noAutofit/>
+          </a:bodyPr>
+          <a:p>
+            <a:pPr indent="0" defTabSz="914400">
+              <a:lnSpc>
+                <a:spcPct val="90000"/>
+              </a:lnSpc>
+              <a:spcBef>
+                <a:spcPts val="1001"/>
+              </a:spcBef>
+              <a:buNone/>
+              <a:tabLst>
+                <a:tab algn="l" pos="0"/>
+              </a:tabLst>
+            </a:pPr>
+            <a:r>
+              <a:rPr b="0" lang="en-US" sz="1600" strike="noStrike" u="none">
+                <a:solidFill>
+                  <a:schemeClr val="dk1"/>
+                </a:solidFill>
+                <a:effectLst/>
+                <a:uFillTx/>
+                <a:latin typeface="Arial"/>
+                <a:ea typeface="Arial"/>
+              </a:rPr>
+              <a:t>Click to edit Master text styles</a:t>
+            </a:r>
+            <a:endParaRPr b="0" lang="en-US" sz="1600" strike="noStrike" u="none">
+              <a:solidFill>
+                <a:srgbClr val="000000"/>
+              </a:solidFill>
+              <a:effectLst/>
+              <a:uFillTx/>
+              <a:latin typeface="Arial"/>
+            </a:endParaRPr>
+          </a:p>
+        </p:txBody>
+      </p:sp>
+      <p:sp>
+        <p:nvSpPr>
+          <p:cNvPr id="6" name="PlaceHolder 4"/>
+          <p:cNvSpPr>
+            <a:spLocks noGrp="1"/>
+          </p:cNvSpPr>
+          <p:nvPr>
+            <p:ph type="dt" idx="4"/>
+          </p:nvPr>
+        </p:nvSpPr>
+        <p:spPr>
+          <a:xfrm>
+            <a:off x="838080" y="6356520"/>
+            <a:ext cx="2742480" cy="364320"/>
+          </a:xfrm>
+          <a:prstGeom prst="rect">
+            <a:avLst/>
+          </a:prstGeom>
+          <a:noFill/>
+          <a:ln w="0">
+            <a:noFill/>
+          </a:ln>
+        </p:spPr>
+        <p:txBody>
+          <a:bodyPr lIns="91440" rIns="91440" tIns="45720" bIns="45720" anchor="ctr">
+            <a:noAutofit/>
+          </a:bodyPr>
+          <a:lstStyle>
+            <a:lvl1pPr indent="0" defTabSz="914400">
+              <a:lnSpc>
+                <a:spcPct val="100000"/>
+              </a:lnSpc>
+              <a:buNone/>
+              <a:tabLst>
+                <a:tab algn="l" pos="0"/>
+              </a:tabLst>
+              <a:defRPr b="0" lang="en-US" sz="1200" strike="noStrike" u="none">
+                <a:solidFill>
+                  <a:schemeClr val="dk1">
+                    <a:tint val="75000"/>
+                  </a:schemeClr>
+                </a:solidFill>
+                <a:effectLst/>
+                <a:uFillTx/>
+                <a:latin typeface="Arial"/>
+                <a:ea typeface="Arial"/>
+              </a:defRPr>
+            </a:lvl1pPr>
+          </a:lstStyle>
+          <a:p>
+            <a:pPr indent="0" defTabSz="914400">
+              <a:lnSpc>
+                <a:spcPct val="100000"/>
+              </a:lnSpc>
+              <a:buNone/>
+              <a:tabLst>
+                <a:tab algn="l" pos="0"/>
+              </a:tabLst>
+            </a:pPr>
+            <a:r>
+              <a:rPr b="0" lang="en-US" sz="1200" strike="noStrike" u="none">
+                <a:solidFill>
+                  <a:schemeClr val="dk1">
+                    <a:tint val="75000"/>
+                  </a:schemeClr>
+                </a:solidFill>
+                <a:effectLst/>
+                <a:uFillTx/>
+                <a:latin typeface="Arial"/>
+                <a:ea typeface="Arial"/>
+              </a:rPr>
+              <a:t>&lt;date/time&gt;</a:t>
+            </a:r>
+            <a:endParaRPr b="0" lang="en-US" sz="1200" strike="noStrike" u="none">
+              <a:solidFill>
+                <a:srgbClr val="000000"/>
+              </a:solidFill>
+              <a:effectLst/>
+              <a:uFillTx/>
+              <a:latin typeface="Times New Roman"/>
+            </a:endParaRPr>
+          </a:p>
+        </p:txBody>
+      </p:sp>
+      <p:sp>
+        <p:nvSpPr>
+          <p:cNvPr id="7" name="PlaceHolder 5"/>
+          <p:cNvSpPr>
+            <a:spLocks noGrp="1"/>
+          </p:cNvSpPr>
+          <p:nvPr>
+            <p:ph type="ftr" idx="5"/>
+          </p:nvPr>
+        </p:nvSpPr>
+        <p:spPr>
+          <a:xfrm>
+            <a:off x="4038480" y="6356520"/>
+            <a:ext cx="4114080" cy="364320"/>
+          </a:xfrm>
+          <a:prstGeom prst="rect">
+            <a:avLst/>
+          </a:prstGeom>
+          <a:noFill/>
+          <a:ln w="0">
+            <a:noFill/>
+          </a:ln>
+        </p:spPr>
+        <p:txBody>
+          <a:bodyPr lIns="91440" rIns="91440" tIns="45720" bIns="45720" anchor="ctr">
+            <a:noAutofit/>
+          </a:bodyPr>
+          <a:lstStyle>
+            <a:lvl1pPr indent="0" algn="ctr">
+              <a:lnSpc>
+                <a:spcPct val="100000"/>
+              </a:lnSpc>
+              <a:buNone/>
+              <a:tabLst>
+                <a:tab algn="l" pos="0"/>
+              </a:tabLst>
+              <a:defRPr b="0" lang="en-US" sz="1400" strike="noStrike" u="none">
+                <a:solidFill>
+                  <a:srgbClr val="000000"/>
+                </a:solidFill>
+                <a:effectLst/>
+                <a:uFillTx/>
+                <a:latin typeface="Times New Roman"/>
+              </a:defRPr>
+            </a:lvl1pPr>
+          </a:lstStyle>
+          <a:p>
+            <a:pPr indent="0" algn="ctr">
+              <a:lnSpc>
+                <a:spcPct val="100000"/>
+              </a:lnSpc>
+              <a:buNone/>
+              <a:tabLst>
+                <a:tab algn="l" pos="0"/>
+              </a:tabLst>
+            </a:pPr>
+            <a:r>
+              <a:rPr b="0" lang="en-US" sz="1400" strike="noStrike" u="none">
+                <a:solidFill>
+                  <a:srgbClr val="000000"/>
+                </a:solidFill>
+                <a:effectLst/>
+                <a:uFillTx/>
+                <a:latin typeface="Times New Roman"/>
+              </a:rPr>
+              <a:t>&lt;footer&gt;</a:t>
+            </a:r>
+            <a:endParaRPr b="0" lang="en-US" sz="1400" strike="noStrike" u="none">
+              <a:solidFill>
+                <a:srgbClr val="000000"/>
+              </a:solidFill>
+              <a:effectLst/>
+              <a:uFillTx/>
+              <a:latin typeface="Times New Roman"/>
+            </a:endParaRPr>
+          </a:p>
+        </p:txBody>
+      </p:sp>
+      <p:sp>
+        <p:nvSpPr>
+          <p:cNvPr id="8" name="PlaceHolder 6"/>
+          <p:cNvSpPr>
+            <a:spLocks noGrp="1"/>
+          </p:cNvSpPr>
+          <p:nvPr>
+            <p:ph type="sldNum" idx="6"/>
+          </p:nvPr>
+        </p:nvSpPr>
+        <p:spPr>
+          <a:xfrm>
+            <a:off x="8610480" y="6356520"/>
+            <a:ext cx="2742480" cy="364320"/>
+          </a:xfrm>
+          <a:prstGeom prst="rect">
+            <a:avLst/>
+          </a:prstGeom>
+          <a:noFill/>
+          <a:ln w="0">
+            <a:noFill/>
+          </a:ln>
+        </p:spPr>
+        <p:txBody>
+          <a:bodyPr lIns="91440" rIns="91440" tIns="45720" bIns="45720" anchor="ctr">
+            <a:noAutofit/>
+          </a:bodyPr>
+          <a:lstStyle>
+            <a:lvl1pPr indent="0" algn="r" defTabSz="914400">
+              <a:lnSpc>
+                <a:spcPct val="100000"/>
+              </a:lnSpc>
+              <a:buNone/>
+              <a:tabLst>
+                <a:tab algn="l" pos="0"/>
+              </a:tabLst>
+              <a:defRPr b="0" lang="en-US" sz="1200" strike="noStrike" u="none">
+                <a:solidFill>
+                  <a:schemeClr val="dk1">
+                    <a:tint val="75000"/>
+                  </a:schemeClr>
+                </a:solidFill>
+                <a:effectLst/>
+                <a:uFillTx/>
+                <a:latin typeface="Arial"/>
+                <a:ea typeface="Arial"/>
+              </a:defRPr>
+            </a:lvl1pPr>
+          </a:lstStyle>
+          <a:p>
+            <a:pPr indent="0" algn="r" defTabSz="914400">
+              <a:lnSpc>
+                <a:spcPct val="100000"/>
+              </a:lnSpc>
+              <a:buNone/>
+              <a:tabLst>
+                <a:tab algn="l" pos="0"/>
+              </a:tabLst>
+            </a:pPr>
+            <a:fld id="{FA1277B4-407E-44A9-84BD-BB78BDC5B302}" type="slidenum">
+              <a:rPr b="0" lang="en-US" sz="1200" strike="noStrike" u="none">
+                <a:solidFill>
+                  <a:schemeClr val="dk1">
+                    <a:tint val="75000"/>
+                  </a:schemeClr>
+                </a:solidFill>
+                <a:effectLst/>
+                <a:uFillTx/>
+                <a:latin typeface="Arial"/>
+                <a:ea typeface="Arial"/>
+              </a:rPr>
+              <a:t>&lt;number&gt;</a:t>
+            </a:fld>
+            <a:endParaRPr b="0" lang="en-US" sz="1200" strike="noStrike" u="none">
+              <a:solidFill>
+                <a:srgbClr val="000000"/>
+              </a:solidFill>
+              <a:effectLst/>
+              <a:uFillTx/>
+              <a:latin typeface="Times New Roman"/>
+            </a:endParaRPr>
+          </a:p>
+        </p:txBody>
+      </p:sp>
+    </p:spTree>
+  </p:cSld>
+</p:sldLayout>
+</file>
+
+<file path=ppt/slideLayouts/slideLayout3.xml><?xml version="1.0" encoding="utf-8"?>
+<p:sldLayout xmlns:a="http://schemas.openxmlformats.org/drawingml/2006/main" xmlns:p="http://schemas.openxmlformats.org/presentationml/2006/main" xmlns:r="http://schemas.openxmlformats.org/officeDocument/2006/relationships" xmlns:p14="http://schemas.microsoft.com/office/powerpoint/2010/main" xmlns:p15="http://schemas.microsoft.com/office/powerpoint/2012/main" xmlns:mc="http://schemas.openxmlformats.org/markup-compatibility/2006" type="blank" preserve="1">
+  <p:cSld name="Picture with Caption">
+    <p:bg>
+      <p:bgPr>
+        <a:solidFill>
+          <a:srgbClr val="ffffff"/>
+        </a:solidFill>
+      </p:bgPr>
+    </p:bg>
+    <p:spTree>
+      <p:nvGrpSpPr>
+        <p:cNvPr id="1" name=""/>
+        <p:cNvGrpSpPr/>
+        <p:nvPr/>
+      </p:nvGrpSpPr>
+      <p:grpSpPr>
+        <a:xfrm>
+          <a:off x="0" y="0"/>
+          <a:ext cx="0" cy="0"/>
+          <a:chOff x="0" y="0"/>
+          <a:chExt cx="0" cy="0"/>
+        </a:xfrm>
+      </p:grpSpPr>
+      <p:sp>
+        <p:nvSpPr>
+          <p:cNvPr id="9" name="PlaceHolder 1"/>
+          <p:cNvSpPr>
+            <a:spLocks noGrp="1"/>
+          </p:cNvSpPr>
+          <p:nvPr>
+            <p:ph type="title"/>
+          </p:nvPr>
+        </p:nvSpPr>
+        <p:spPr>
+          <a:xfrm>
+            <a:off x="839880" y="457200"/>
+            <a:ext cx="3931560" cy="1599480"/>
+          </a:xfrm>
+          <a:prstGeom prst="rect">
+            <a:avLst/>
+          </a:prstGeom>
+          <a:noFill/>
+          <a:ln w="0">
+            <a:noFill/>
+          </a:ln>
+        </p:spPr>
+        <p:txBody>
+          <a:bodyPr lIns="91440" rIns="91440" tIns="45720" bIns="45720" anchor="b">
+            <a:noAutofit/>
+          </a:bodyPr>
+          <a:p>
+            <a:pPr indent="0" defTabSz="914400">
+              <a:lnSpc>
+                <a:spcPct val="90000"/>
+              </a:lnSpc>
+              <a:buNone/>
+              <a:tabLst>
+                <a:tab algn="l" pos="0"/>
+              </a:tabLst>
+            </a:pPr>
+            <a:r>
+              <a:rPr b="0" lang="en-US" sz="3200" strike="noStrike" u="none">
+                <a:solidFill>
+                  <a:schemeClr val="dk1"/>
+                </a:solidFill>
+                <a:effectLst/>
+                <a:uFillTx/>
+                <a:latin typeface="Arial"/>
+                <a:ea typeface="Arial"/>
+              </a:rPr>
+              <a:t>Click to edit Master title style</a:t>
+            </a:r>
+            <a:endParaRPr b="0" lang="en-US" sz="3200" strike="noStrike" u="none">
+              <a:solidFill>
+                <a:srgbClr val="000000"/>
+              </a:solidFill>
+              <a:effectLst/>
+              <a:uFillTx/>
+              <a:latin typeface="Arial"/>
+            </a:endParaRPr>
+          </a:p>
+        </p:txBody>
+      </p:sp>
+      <p:sp>
+        <p:nvSpPr>
+          <p:cNvPr id="10" name="PlaceHolder 2"/>
+          <p:cNvSpPr>
+            <a:spLocks noGrp="1"/>
+          </p:cNvSpPr>
+          <p:nvPr>
+            <p:ph type="body"/>
+          </p:nvPr>
+        </p:nvSpPr>
+        <p:spPr>
+          <a:xfrm>
+            <a:off x="5183280" y="987480"/>
+            <a:ext cx="6171480" cy="4872960"/>
+          </a:xfrm>
+          <a:prstGeom prst="rect">
+            <a:avLst/>
+          </a:prstGeom>
+          <a:noFill/>
+          <a:ln w="0">
+            <a:noFill/>
+          </a:ln>
+        </p:spPr>
+        <p:txBody>
+          <a:bodyPr lIns="90000" rIns="90000" tIns="45000" bIns="45000" anchor="t">
+            <a:noAutofit/>
+          </a:bodyPr>
+          <a:p>
+            <a:pPr indent="0" defTabSz="914400">
+              <a:lnSpc>
+                <a:spcPct val="100000"/>
+              </a:lnSpc>
+              <a:buNone/>
+              <a:tabLst>
+                <a:tab algn="l" pos="0"/>
+              </a:tabLst>
+            </a:pPr>
+            <a:r>
+              <a:rPr b="0" lang="en-US" sz="3200" strike="noStrike" u="none">
+                <a:solidFill>
+                  <a:schemeClr val="dk1"/>
+                </a:solidFill>
+                <a:effectLst/>
+                <a:uFillTx/>
+                <a:latin typeface="Arial"/>
+                <a:ea typeface="Arial"/>
+              </a:rPr>
+              <a:t>Click icon to add picture</a:t>
+            </a:r>
+            <a:endParaRPr b="0" lang="en-US" sz="3200" strike="noStrike" u="none">
+              <a:solidFill>
+                <a:srgbClr val="000000"/>
+              </a:solidFill>
+              <a:effectLst/>
+              <a:uFillTx/>
+              <a:latin typeface="Arial"/>
+            </a:endParaRPr>
+          </a:p>
+        </p:txBody>
+      </p:sp>
+      <p:sp>
+        <p:nvSpPr>
+          <p:cNvPr id="11" name="PlaceHolder 3"/>
+          <p:cNvSpPr>
+            <a:spLocks noGrp="1"/>
+          </p:cNvSpPr>
+          <p:nvPr>
+            <p:ph type="body"/>
+          </p:nvPr>
+        </p:nvSpPr>
+        <p:spPr>
+          <a:xfrm>
+            <a:off x="839880" y="2057400"/>
+            <a:ext cx="3931560" cy="3810960"/>
+          </a:xfrm>
+          <a:prstGeom prst="rect">
+            <a:avLst/>
+          </a:prstGeom>
+          <a:noFill/>
+          <a:ln w="0">
+            <a:noFill/>
+          </a:ln>
+        </p:spPr>
+        <p:txBody>
+          <a:bodyPr lIns="91440" rIns="91440" tIns="45720" bIns="45720" anchor="t">
+            <a:noAutofit/>
+          </a:bodyPr>
+          <a:p>
+            <a:pPr indent="0" defTabSz="914400">
+              <a:lnSpc>
+                <a:spcPct val="90000"/>
+              </a:lnSpc>
+              <a:spcBef>
+                <a:spcPts val="1001"/>
+              </a:spcBef>
+              <a:buNone/>
+              <a:tabLst>
+                <a:tab algn="l" pos="0"/>
+              </a:tabLst>
+            </a:pPr>
+            <a:r>
+              <a:rPr b="0" lang="en-US" sz="1600" strike="noStrike" u="none">
+                <a:solidFill>
+                  <a:schemeClr val="dk1"/>
+                </a:solidFill>
+                <a:effectLst/>
+                <a:uFillTx/>
+                <a:latin typeface="Arial"/>
+                <a:ea typeface="Arial"/>
+              </a:rPr>
+              <a:t>Click to edit Master text styles</a:t>
+            </a:r>
+            <a:endParaRPr b="0" lang="en-US" sz="1600" strike="noStrike" u="none">
+              <a:solidFill>
+                <a:srgbClr val="000000"/>
+              </a:solidFill>
+              <a:effectLst/>
+              <a:uFillTx/>
+              <a:latin typeface="Arial"/>
+            </a:endParaRPr>
+          </a:p>
+        </p:txBody>
+      </p:sp>
+      <p:sp>
+        <p:nvSpPr>
+          <p:cNvPr id="12" name="PlaceHolder 4"/>
+          <p:cNvSpPr>
+            <a:spLocks noGrp="1"/>
+          </p:cNvSpPr>
+          <p:nvPr>
+            <p:ph type="dt" idx="7"/>
+          </p:nvPr>
+        </p:nvSpPr>
+        <p:spPr>
+          <a:xfrm>
+            <a:off x="838080" y="6356520"/>
+            <a:ext cx="2742480" cy="364320"/>
+          </a:xfrm>
+          <a:prstGeom prst="rect">
+            <a:avLst/>
+          </a:prstGeom>
+          <a:noFill/>
+          <a:ln w="0">
+            <a:noFill/>
+          </a:ln>
+        </p:spPr>
+        <p:txBody>
+          <a:bodyPr lIns="91440" rIns="91440" tIns="45720" bIns="45720" anchor="ctr">
+            <a:noAutofit/>
+          </a:bodyPr>
+          <a:lstStyle>
+            <a:lvl1pPr indent="0" defTabSz="914400">
+              <a:lnSpc>
+                <a:spcPct val="100000"/>
+              </a:lnSpc>
+              <a:buNone/>
+              <a:tabLst>
+                <a:tab algn="l" pos="0"/>
+              </a:tabLst>
+              <a:defRPr b="0" lang="en-US" sz="1200" strike="noStrike" u="none">
+                <a:solidFill>
+                  <a:schemeClr val="dk1">
+                    <a:tint val="75000"/>
+                  </a:schemeClr>
+                </a:solidFill>
+                <a:effectLst/>
+                <a:uFillTx/>
+                <a:latin typeface="Arial"/>
+                <a:ea typeface="Arial"/>
+              </a:defRPr>
+            </a:lvl1pPr>
+          </a:lstStyle>
+          <a:p>
+            <a:pPr indent="0" defTabSz="914400">
+              <a:lnSpc>
+                <a:spcPct val="100000"/>
+              </a:lnSpc>
+              <a:buNone/>
+              <a:tabLst>
+                <a:tab algn="l" pos="0"/>
+              </a:tabLst>
+            </a:pPr>
+            <a:r>
+              <a:rPr b="0" lang="en-US" sz="1200" strike="noStrike" u="none">
+                <a:solidFill>
+                  <a:schemeClr val="dk1">
+                    <a:tint val="75000"/>
+                  </a:schemeClr>
+                </a:solidFill>
+                <a:effectLst/>
+                <a:uFillTx/>
+                <a:latin typeface="Arial"/>
+                <a:ea typeface="Arial"/>
+              </a:rPr>
+              <a:t>&lt;date/time&gt;</a:t>
+            </a:r>
+            <a:endParaRPr b="0" lang="en-US" sz="1200" strike="noStrike" u="none">
+              <a:solidFill>
+                <a:srgbClr val="000000"/>
+              </a:solidFill>
+              <a:effectLst/>
+              <a:uFillTx/>
+              <a:latin typeface="Times New Roman"/>
+            </a:endParaRPr>
+          </a:p>
+        </p:txBody>
+      </p:sp>
+      <p:sp>
+        <p:nvSpPr>
+          <p:cNvPr id="13" name="PlaceHolder 5"/>
+          <p:cNvSpPr>
+            <a:spLocks noGrp="1"/>
+          </p:cNvSpPr>
+          <p:nvPr>
+            <p:ph type="ftr" idx="8"/>
+          </p:nvPr>
+        </p:nvSpPr>
+        <p:spPr>
+          <a:xfrm>
+            <a:off x="4038480" y="6356520"/>
+            <a:ext cx="4114080" cy="364320"/>
+          </a:xfrm>
+          <a:prstGeom prst="rect">
+            <a:avLst/>
+          </a:prstGeom>
+          <a:noFill/>
+          <a:ln w="0">
+            <a:noFill/>
+          </a:ln>
+        </p:spPr>
+        <p:txBody>
+          <a:bodyPr lIns="91440" rIns="91440" tIns="45720" bIns="45720" anchor="ctr">
+            <a:noAutofit/>
+          </a:bodyPr>
+          <a:lstStyle>
+            <a:lvl1pPr indent="0" algn="ctr">
+              <a:lnSpc>
+                <a:spcPct val="100000"/>
+              </a:lnSpc>
+              <a:buNone/>
+              <a:tabLst>
+                <a:tab algn="l" pos="0"/>
+              </a:tabLst>
+              <a:defRPr b="0" lang="en-US" sz="1400" strike="noStrike" u="none">
+                <a:solidFill>
+                  <a:srgbClr val="000000"/>
+                </a:solidFill>
+                <a:effectLst/>
+                <a:uFillTx/>
+                <a:latin typeface="Times New Roman"/>
+              </a:defRPr>
+            </a:lvl1pPr>
+          </a:lstStyle>
+          <a:p>
+            <a:pPr indent="0" algn="ctr">
+              <a:lnSpc>
+                <a:spcPct val="100000"/>
+              </a:lnSpc>
+              <a:buNone/>
+              <a:tabLst>
+                <a:tab algn="l" pos="0"/>
+              </a:tabLst>
+            </a:pPr>
+            <a:r>
+              <a:rPr b="0" lang="en-US" sz="1400" strike="noStrike" u="none">
+                <a:solidFill>
+                  <a:srgbClr val="000000"/>
+                </a:solidFill>
+                <a:effectLst/>
+                <a:uFillTx/>
+                <a:latin typeface="Times New Roman"/>
+              </a:rPr>
+              <a:t>&lt;footer&gt;</a:t>
+            </a:r>
+            <a:endParaRPr b="0" lang="en-US" sz="1400" strike="noStrike" u="none">
+              <a:solidFill>
+                <a:srgbClr val="000000"/>
+              </a:solidFill>
+              <a:effectLst/>
+              <a:uFillTx/>
+              <a:latin typeface="Times New Roman"/>
+            </a:endParaRPr>
+          </a:p>
+        </p:txBody>
+      </p:sp>
+      <p:sp>
+        <p:nvSpPr>
+          <p:cNvPr id="14" name="PlaceHolder 6"/>
+          <p:cNvSpPr>
+            <a:spLocks noGrp="1"/>
+          </p:cNvSpPr>
+          <p:nvPr>
+            <p:ph type="sldNum" idx="9"/>
+          </p:nvPr>
+        </p:nvSpPr>
+        <p:spPr>
+          <a:xfrm>
+            <a:off x="8610480" y="6356520"/>
+            <a:ext cx="2742480" cy="364320"/>
+          </a:xfrm>
+          <a:prstGeom prst="rect">
+            <a:avLst/>
+          </a:prstGeom>
+          <a:noFill/>
+          <a:ln w="0">
+            <a:noFill/>
+          </a:ln>
+        </p:spPr>
+        <p:txBody>
+          <a:bodyPr lIns="91440" rIns="91440" tIns="45720" bIns="45720" anchor="ctr">
+            <a:noAutofit/>
+          </a:bodyPr>
+          <a:lstStyle>
+            <a:lvl1pPr indent="0" algn="r" defTabSz="914400">
+              <a:lnSpc>
+                <a:spcPct val="100000"/>
+              </a:lnSpc>
+              <a:buNone/>
+              <a:tabLst>
+                <a:tab algn="l" pos="0"/>
+              </a:tabLst>
+              <a:defRPr b="0" lang="en-US" sz="1200" strike="noStrike" u="none">
+                <a:solidFill>
+                  <a:schemeClr val="dk1">
+                    <a:tint val="75000"/>
+                  </a:schemeClr>
+                </a:solidFill>
+                <a:effectLst/>
+                <a:uFillTx/>
+                <a:latin typeface="Arial"/>
+                <a:ea typeface="Arial"/>
+              </a:defRPr>
+            </a:lvl1pPr>
+          </a:lstStyle>
+          <a:p>
+            <a:pPr indent="0" algn="r" defTabSz="914400">
+              <a:lnSpc>
+                <a:spcPct val="100000"/>
+              </a:lnSpc>
+              <a:buNone/>
+              <a:tabLst>
+                <a:tab algn="l" pos="0"/>
+              </a:tabLst>
+            </a:pPr>
+            <a:fld id="{0EC4C39A-CEE3-4374-91B0-AF294AC2EAF5}" type="slidenum">
+              <a:rPr b="0" lang="en-US" sz="1200" strike="noStrike" u="none">
+                <a:solidFill>
+                  <a:schemeClr val="dk1">
+                    <a:tint val="75000"/>
+                  </a:schemeClr>
+                </a:solidFill>
+                <a:effectLst/>
+                <a:uFillTx/>
+                <a:latin typeface="Arial"/>
+                <a:ea typeface="Arial"/>
+              </a:rPr>
+              <a:t>&lt;number&gt;</a:t>
+            </a:fld>
+            <a:endParaRPr b="0" lang="en-US" sz="1200" strike="noStrike" u="none">
+              <a:solidFill>
+                <a:srgbClr val="000000"/>
+              </a:solidFill>
+              <a:effectLst/>
+              <a:uFillTx/>
+              <a:latin typeface="Times New Roman"/>
+            </a:endParaRPr>
+          </a:p>
+        </p:txBody>
+      </p:sp>
+    </p:spTree>
+  </p:cSld>
+</p:sldLayout>
+</file>
+
+<file path=ppt/slideLayouts/slideLayout4.xml><?xml version="1.0" encoding="utf-8"?>
 <p:sldLayout xmlns:a="http://schemas.openxmlformats.org/drawingml/2006/main" xmlns:p="http://schemas.openxmlformats.org/presentationml/2006/main" xmlns:r="http://schemas.openxmlformats.org/officeDocument/2006/relationships" xmlns:p14="http://schemas.microsoft.com/office/powerpoint/2010/main" xmlns:p15="http://schemas.microsoft.com/office/powerpoint/2012/main" xmlns:mc="http://schemas.openxmlformats.org/markup-compatibility/2006" type="title" preserve="1">
   <p:cSld name="Title Slide">
     <p:bg>
@@ -577,7 +3123,7 @@
       </p:grpSpPr>
       <p:sp>
         <p:nvSpPr>
-          <p:cNvPr id="0" name="PlaceHolder 1"/>
+          <p:cNvPr id="15" name="PlaceHolder 1"/>
           <p:cNvSpPr>
             <a:spLocks noGrp="1"/>
           </p:cNvSpPr>
@@ -588,7 +3134,7 @@
         <p:spPr>
           <a:xfrm>
             <a:off x="1523880" y="1122480"/>
-            <a:ext cx="9143640" cy="2387160"/>
+            <a:ext cx="9143280" cy="2386800"/>
           </a:xfrm>
           <a:prstGeom prst="rect">
             <a:avLst/>
@@ -608,6 +3154,9 @@
                 <a:spcPct val="90000"/>
               </a:lnSpc>
               <a:buNone/>
+              <a:tabLst>
+                <a:tab algn="l" pos="0"/>
+              </a:tabLst>
             </a:pPr>
             <a:r>
               <a:rPr b="0" lang="en-US" sz="6000" strike="noStrike" u="none">
@@ -623,7 +3172,7 @@
             </a:r>
             <a:endParaRPr b="0" lang="en-US" sz="6000" strike="noStrike" u="none">
               <a:solidFill>
-                <a:schemeClr val="dk1"/>
+                <a:srgbClr val="000000"/>
               </a:solidFill>
               <a:effectLst/>
               <a:uFillTx/>
@@ -634,18 +3183,18 @@
       </p:sp>
       <p:sp>
         <p:nvSpPr>
-          <p:cNvPr id="1" name="PlaceHolder 2"/>
+          <p:cNvPr id="16" name="PlaceHolder 2"/>
           <p:cNvSpPr>
             <a:spLocks noGrp="1"/>
           </p:cNvSpPr>
           <p:nvPr>
-            <p:ph type="dt" idx="1"/>
+            <p:ph type="dt" idx="10"/>
           </p:nvPr>
         </p:nvSpPr>
         <p:spPr>
           <a:xfrm>
             <a:off x="838080" y="6356520"/>
-            <a:ext cx="2742840" cy="364680"/>
+            <a:ext cx="2742480" cy="364320"/>
           </a:xfrm>
           <a:prstGeom prst="rect">
             <a:avLst/>
@@ -665,6 +3214,9 @@
                 <a:spcPct val="100000"/>
               </a:lnSpc>
               <a:buNone/>
+              <a:tabLst>
+                <a:tab algn="l" pos="0"/>
+              </a:tabLst>
               <a:defRPr b="0" lang="en-US" sz="1200" strike="noStrike" u="none">
                 <a:solidFill>
                   <a:schemeClr val="dk1">
@@ -684,6 +3236,9 @@
                 <a:spcPct val="100000"/>
               </a:lnSpc>
               <a:buNone/>
+              <a:tabLst>
+                <a:tab algn="l" pos="0"/>
+              </a:tabLst>
             </a:pPr>
             <a:r>
               <a:rPr b="0" lang="en-US" sz="1200" strike="noStrike" u="none">
@@ -712,18 +3267,18 @@
       </p:sp>
       <p:sp>
         <p:nvSpPr>
-          <p:cNvPr id="2" name="PlaceHolder 3"/>
+          <p:cNvPr id="17" name="PlaceHolder 3"/>
           <p:cNvSpPr>
             <a:spLocks noGrp="1"/>
           </p:cNvSpPr>
           <p:nvPr>
-            <p:ph type="ftr" idx="2"/>
+            <p:ph type="ftr" idx="11"/>
           </p:nvPr>
         </p:nvSpPr>
         <p:spPr>
           <a:xfrm>
             <a:off x="4038480" y="6356520"/>
-            <a:ext cx="4114440" cy="364680"/>
+            <a:ext cx="4114080" cy="364320"/>
           </a:xfrm>
           <a:prstGeom prst="rect">
             <a:avLst/>
@@ -739,7 +3294,13 @@
           </a:bodyPr>
           <a:lstStyle>
             <a:lvl1pPr indent="0" algn="ctr">
-              <a:buNone/>
+              <a:lnSpc>
+                <a:spcPct val="100000"/>
+              </a:lnSpc>
+              <a:buNone/>
+              <a:tabLst>
+                <a:tab algn="l" pos="0"/>
+              </a:tabLst>
               <a:defRPr b="0" lang="en-US" sz="1400" strike="noStrike" u="none">
                 <a:solidFill>
                   <a:srgbClr val="000000"/>
@@ -752,7 +3313,13 @@
           </a:lstStyle>
           <a:p>
             <a:pPr indent="0" algn="ctr">
-              <a:buNone/>
+              <a:lnSpc>
+                <a:spcPct val="100000"/>
+              </a:lnSpc>
+              <a:buNone/>
+              <a:tabLst>
+                <a:tab algn="l" pos="0"/>
+              </a:tabLst>
             </a:pPr>
             <a:r>
               <a:rPr b="0" lang="en-US" sz="1400" strike="noStrike" u="none">
@@ -778,18 +3345,18 @@
       </p:sp>
       <p:sp>
         <p:nvSpPr>
-          <p:cNvPr id="3" name="PlaceHolder 4"/>
+          <p:cNvPr id="18" name="PlaceHolder 4"/>
           <p:cNvSpPr>
             <a:spLocks noGrp="1"/>
           </p:cNvSpPr>
           <p:nvPr>
-            <p:ph type="sldNum" idx="3"/>
+            <p:ph type="sldNum" idx="12"/>
           </p:nvPr>
         </p:nvSpPr>
         <p:spPr>
           <a:xfrm>
             <a:off x="8610480" y="6356520"/>
-            <a:ext cx="2742840" cy="364680"/>
+            <a:ext cx="2742480" cy="364320"/>
           </a:xfrm>
           <a:prstGeom prst="rect">
             <a:avLst/>
@@ -809,6 +3376,9 @@
                 <a:spcPct val="100000"/>
               </a:lnSpc>
               <a:buNone/>
+              <a:tabLst>
+                <a:tab algn="l" pos="0"/>
+              </a:tabLst>
               <a:defRPr b="0" lang="en-US" sz="1200" strike="noStrike" u="none">
                 <a:solidFill>
                   <a:schemeClr val="dk1">
@@ -828,8 +3398,11 @@
                 <a:spcPct val="100000"/>
               </a:lnSpc>
               <a:buNone/>
-            </a:pPr>
-            <a:fld id="{294AC84E-92B7-4667-93C4-886D8EA6BE77}" type="slidenum">
+              <a:tabLst>
+                <a:tab algn="l" pos="0"/>
+              </a:tabLst>
+            </a:pPr>
+            <a:fld id="{E4807367-74D3-406C-A023-484C1C6D6A75}" type="slidenum">
               <a:rPr b="0" lang="en-US" sz="1200" strike="noStrike" u="none">
                 <a:solidFill>
                   <a:schemeClr val="dk1">
@@ -859,1013 +3432,7 @@
 </p:sldLayout>
 </file>
 
-<file path=ppt/slideLayouts/slideLayout10.xml><?xml version="1.0" encoding="utf-8"?>
-<p:sldLayout xmlns:a="http://schemas.openxmlformats.org/drawingml/2006/main" xmlns:p="http://schemas.openxmlformats.org/presentationml/2006/main" xmlns:r="http://schemas.openxmlformats.org/officeDocument/2006/relationships" xmlns:p14="http://schemas.microsoft.com/office/powerpoint/2010/main" xmlns:p15="http://schemas.microsoft.com/office/powerpoint/2012/main" xmlns:mc="http://schemas.openxmlformats.org/markup-compatibility/2006" type="blank" preserve="1">
-  <p:cSld name="Content with Caption">
-    <p:bg>
-      <p:bgPr>
-        <a:solidFill>
-          <a:srgbClr val="ffffff"/>
-        </a:solidFill>
-      </p:bgPr>
-    </p:bg>
-    <p:spTree>
-      <p:nvGrpSpPr>
-        <p:cNvPr id="1" name=""/>
-        <p:cNvGrpSpPr/>
-        <p:nvPr/>
-      </p:nvGrpSpPr>
-      <p:grpSpPr>
-        <a:xfrm>
-          <a:off x="0" y="0"/>
-          <a:ext cx="0" cy="0"/>
-          <a:chOff x="0" y="0"/>
-          <a:chExt cx="0" cy="0"/>
-        </a:xfrm>
-      </p:grpSpPr>
-      <p:sp>
-        <p:nvSpPr>
-          <p:cNvPr id="45" name="PlaceHolder 1"/>
-          <p:cNvSpPr>
-            <a:spLocks noGrp="1"/>
-          </p:cNvSpPr>
-          <p:nvPr>
-            <p:ph type="title"/>
-          </p:nvPr>
-        </p:nvSpPr>
-        <p:spPr>
-          <a:xfrm>
-            <a:off x="839880" y="457200"/>
-            <a:ext cx="3931920" cy="1599840"/>
-          </a:xfrm>
-          <a:prstGeom prst="rect">
-            <a:avLst/>
-          </a:prstGeom>
-          <a:noFill/>
-          <a:ln w="0">
-            <a:noFill/>
-          </a:ln>
-        </p:spPr>
-        <p:txBody>
-          <a:bodyPr lIns="91440" rIns="91440" tIns="45720" bIns="45720" anchor="b">
-            <a:noAutofit/>
-          </a:bodyPr>
-          <a:p>
-            <a:pPr indent="0" defTabSz="914400">
-              <a:lnSpc>
-                <a:spcPct val="90000"/>
-              </a:lnSpc>
-              <a:buNone/>
-            </a:pPr>
-            <a:r>
-              <a:rPr b="0" lang="en-US" sz="3200" strike="noStrike" u="none">
-                <a:solidFill>
-                  <a:schemeClr val="dk1"/>
-                </a:solidFill>
-                <a:effectLst/>
-                <a:uFillTx/>
-                <a:latin typeface="Arial"/>
-                <a:ea typeface="Arial"/>
-              </a:rPr>
-              <a:t>Click to edit Master title style</a:t>
-            </a:r>
-            <a:endParaRPr b="0" lang="en-US" sz="3200" strike="noStrike" u="none">
-              <a:solidFill>
-                <a:schemeClr val="dk1"/>
-              </a:solidFill>
-              <a:effectLst/>
-              <a:uFillTx/>
-              <a:latin typeface="Arial"/>
-            </a:endParaRPr>
-          </a:p>
-        </p:txBody>
-      </p:sp>
-      <p:sp>
-        <p:nvSpPr>
-          <p:cNvPr id="46" name="PlaceHolder 2"/>
-          <p:cNvSpPr>
-            <a:spLocks noGrp="1"/>
-          </p:cNvSpPr>
-          <p:nvPr>
-            <p:ph type="body"/>
-          </p:nvPr>
-        </p:nvSpPr>
-        <p:spPr>
-          <a:xfrm>
-            <a:off x="5183280" y="987480"/>
-            <a:ext cx="6171840" cy="4873320"/>
-          </a:xfrm>
-          <a:prstGeom prst="rect">
-            <a:avLst/>
-          </a:prstGeom>
-          <a:noFill/>
-          <a:ln w="0">
-            <a:noFill/>
-          </a:ln>
-        </p:spPr>
-        <p:txBody>
-          <a:bodyPr lIns="91440" rIns="91440" tIns="45720" bIns="45720" anchor="t">
-            <a:noAutofit/>
-          </a:bodyPr>
-          <a:p>
-            <a:pPr marL="228600" indent="-228600" defTabSz="914400">
-              <a:lnSpc>
-                <a:spcPct val="90000"/>
-              </a:lnSpc>
-              <a:spcBef>
-                <a:spcPts val="1001"/>
-              </a:spcBef>
-              <a:buClr>
-                <a:srgbClr val="000000"/>
-              </a:buClr>
-              <a:buFont typeface="Arial"/>
-              <a:buChar char="•"/>
-            </a:pPr>
-            <a:r>
-              <a:rPr b="0" lang="en-US" sz="3200" strike="noStrike" u="none">
-                <a:solidFill>
-                  <a:schemeClr val="dk1"/>
-                </a:solidFill>
-                <a:effectLst/>
-                <a:uFillTx/>
-                <a:latin typeface="Arial"/>
-                <a:ea typeface="Arial"/>
-              </a:rPr>
-              <a:t>Click to edit Master text styles</a:t>
-            </a:r>
-            <a:endParaRPr b="0" lang="en-US" sz="3200" strike="noStrike" u="none">
-              <a:solidFill>
-                <a:schemeClr val="dk1"/>
-              </a:solidFill>
-              <a:effectLst/>
-              <a:uFillTx/>
-              <a:latin typeface="Arial"/>
-            </a:endParaRPr>
-          </a:p>
-          <a:p>
-            <a:pPr lvl="1" marL="685800" indent="-228600" defTabSz="914400">
-              <a:lnSpc>
-                <a:spcPct val="90000"/>
-              </a:lnSpc>
-              <a:spcBef>
-                <a:spcPts val="499"/>
-              </a:spcBef>
-              <a:buClr>
-                <a:srgbClr val="000000"/>
-              </a:buClr>
-              <a:buFont typeface="Arial"/>
-              <a:buChar char="•"/>
-            </a:pPr>
-            <a:r>
-              <a:rPr b="0" lang="en-US" sz="2800" strike="noStrike" u="none">
-                <a:solidFill>
-                  <a:schemeClr val="dk1"/>
-                </a:solidFill>
-                <a:effectLst/>
-                <a:uFillTx/>
-                <a:latin typeface="Arial"/>
-                <a:ea typeface="Arial"/>
-              </a:rPr>
-              <a:t>Second level</a:t>
-            </a:r>
-            <a:endParaRPr b="0" lang="en-US" sz="2800" strike="noStrike" u="none">
-              <a:solidFill>
-                <a:schemeClr val="dk1"/>
-              </a:solidFill>
-              <a:effectLst/>
-              <a:uFillTx/>
-              <a:latin typeface="Arial"/>
-            </a:endParaRPr>
-          </a:p>
-          <a:p>
-            <a:pPr lvl="2" marL="1143000" indent="-228600" defTabSz="914400">
-              <a:lnSpc>
-                <a:spcPct val="90000"/>
-              </a:lnSpc>
-              <a:spcBef>
-                <a:spcPts val="499"/>
-              </a:spcBef>
-              <a:buClr>
-                <a:srgbClr val="000000"/>
-              </a:buClr>
-              <a:buFont typeface="Arial"/>
-              <a:buChar char="•"/>
-            </a:pPr>
-            <a:r>
-              <a:rPr b="0" lang="en-US" sz="2400" strike="noStrike" u="none">
-                <a:solidFill>
-                  <a:schemeClr val="dk1"/>
-                </a:solidFill>
-                <a:effectLst/>
-                <a:uFillTx/>
-                <a:latin typeface="Arial"/>
-                <a:ea typeface="Arial"/>
-              </a:rPr>
-              <a:t>Third level</a:t>
-            </a:r>
-            <a:endParaRPr b="0" lang="en-US" sz="2400" strike="noStrike" u="none">
-              <a:solidFill>
-                <a:schemeClr val="dk1"/>
-              </a:solidFill>
-              <a:effectLst/>
-              <a:uFillTx/>
-              <a:latin typeface="Arial"/>
-            </a:endParaRPr>
-          </a:p>
-          <a:p>
-            <a:pPr lvl="3" marL="1600200" indent="-228600" defTabSz="914400">
-              <a:lnSpc>
-                <a:spcPct val="90000"/>
-              </a:lnSpc>
-              <a:spcBef>
-                <a:spcPts val="499"/>
-              </a:spcBef>
-              <a:buClr>
-                <a:srgbClr val="000000"/>
-              </a:buClr>
-              <a:buFont typeface="Arial"/>
-              <a:buChar char="•"/>
-            </a:pPr>
-            <a:r>
-              <a:rPr b="0" lang="en-US" sz="2000" strike="noStrike" u="none">
-                <a:solidFill>
-                  <a:schemeClr val="dk1"/>
-                </a:solidFill>
-                <a:effectLst/>
-                <a:uFillTx/>
-                <a:latin typeface="Arial"/>
-                <a:ea typeface="Arial"/>
-              </a:rPr>
-              <a:t>Fourth level</a:t>
-            </a:r>
-            <a:endParaRPr b="0" lang="en-US" sz="2000" strike="noStrike" u="none">
-              <a:solidFill>
-                <a:schemeClr val="dk1"/>
-              </a:solidFill>
-              <a:effectLst/>
-              <a:uFillTx/>
-              <a:latin typeface="Arial"/>
-            </a:endParaRPr>
-          </a:p>
-          <a:p>
-            <a:pPr lvl="4" marL="2057400" indent="-228600" defTabSz="914400">
-              <a:lnSpc>
-                <a:spcPct val="90000"/>
-              </a:lnSpc>
-              <a:spcBef>
-                <a:spcPts val="499"/>
-              </a:spcBef>
-              <a:buClr>
-                <a:srgbClr val="000000"/>
-              </a:buClr>
-              <a:buFont typeface="Arial"/>
-              <a:buChar char="•"/>
-            </a:pPr>
-            <a:r>
-              <a:rPr b="0" lang="en-US" sz="2000" strike="noStrike" u="none">
-                <a:solidFill>
-                  <a:schemeClr val="dk1"/>
-                </a:solidFill>
-                <a:effectLst/>
-                <a:uFillTx/>
-                <a:latin typeface="Arial"/>
-                <a:ea typeface="Arial"/>
-              </a:rPr>
-              <a:t>Fifth level</a:t>
-            </a:r>
-            <a:endParaRPr b="0" lang="en-US" sz="2000" strike="noStrike" u="none">
-              <a:solidFill>
-                <a:schemeClr val="dk1"/>
-              </a:solidFill>
-              <a:effectLst/>
-              <a:uFillTx/>
-              <a:latin typeface="Arial"/>
-            </a:endParaRPr>
-          </a:p>
-        </p:txBody>
-      </p:sp>
-      <p:sp>
-        <p:nvSpPr>
-          <p:cNvPr id="47" name="PlaceHolder 3"/>
-          <p:cNvSpPr>
-            <a:spLocks noGrp="1"/>
-          </p:cNvSpPr>
-          <p:nvPr>
-            <p:ph type="body"/>
-          </p:nvPr>
-        </p:nvSpPr>
-        <p:spPr>
-          <a:xfrm>
-            <a:off x="839880" y="2057400"/>
-            <a:ext cx="3931920" cy="3811320"/>
-          </a:xfrm>
-          <a:prstGeom prst="rect">
-            <a:avLst/>
-          </a:prstGeom>
-          <a:noFill/>
-          <a:ln w="0">
-            <a:noFill/>
-          </a:ln>
-        </p:spPr>
-        <p:txBody>
-          <a:bodyPr lIns="91440" rIns="91440" tIns="45720" bIns="45720" anchor="t">
-            <a:noAutofit/>
-          </a:bodyPr>
-          <a:p>
-            <a:pPr indent="0" defTabSz="914400">
-              <a:lnSpc>
-                <a:spcPct val="90000"/>
-              </a:lnSpc>
-              <a:spcBef>
-                <a:spcPts val="1001"/>
-              </a:spcBef>
-              <a:buNone/>
-              <a:tabLst>
-                <a:tab algn="l" pos="0"/>
-              </a:tabLst>
-            </a:pPr>
-            <a:r>
-              <a:rPr b="0" lang="en-US" sz="1600" strike="noStrike" u="none">
-                <a:solidFill>
-                  <a:schemeClr val="dk1"/>
-                </a:solidFill>
-                <a:effectLst/>
-                <a:uFillTx/>
-                <a:latin typeface="Arial"/>
-                <a:ea typeface="Arial"/>
-              </a:rPr>
-              <a:t>Click to edit Master text styles</a:t>
-            </a:r>
-            <a:endParaRPr b="0" lang="en-US" sz="1600" strike="noStrike" u="none">
-              <a:solidFill>
-                <a:schemeClr val="dk1"/>
-              </a:solidFill>
-              <a:effectLst/>
-              <a:uFillTx/>
-              <a:latin typeface="Arial"/>
-            </a:endParaRPr>
-          </a:p>
-        </p:txBody>
-      </p:sp>
-      <p:sp>
-        <p:nvSpPr>
-          <p:cNvPr id="48" name="PlaceHolder 4"/>
-          <p:cNvSpPr>
-            <a:spLocks noGrp="1"/>
-          </p:cNvSpPr>
-          <p:nvPr>
-            <p:ph type="dt" idx="28"/>
-          </p:nvPr>
-        </p:nvSpPr>
-        <p:spPr>
-          <a:xfrm>
-            <a:off x="838080" y="6356520"/>
-            <a:ext cx="2742840" cy="364680"/>
-          </a:xfrm>
-          <a:prstGeom prst="rect">
-            <a:avLst/>
-          </a:prstGeom>
-          <a:noFill/>
-          <a:ln w="0">
-            <a:noFill/>
-          </a:ln>
-        </p:spPr>
-        <p:txBody>
-          <a:bodyPr lIns="91440" rIns="91440" tIns="45720" bIns="45720" anchor="ctr">
-            <a:noAutofit/>
-          </a:bodyPr>
-          <a:lstStyle>
-            <a:lvl1pPr indent="0" defTabSz="914400">
-              <a:lnSpc>
-                <a:spcPct val="100000"/>
-              </a:lnSpc>
-              <a:buNone/>
-              <a:defRPr b="0" lang="en-US" sz="1200" strike="noStrike" u="none">
-                <a:solidFill>
-                  <a:schemeClr val="dk1">
-                    <a:tint val="75000"/>
-                  </a:schemeClr>
-                </a:solidFill>
-                <a:effectLst/>
-                <a:uFillTx/>
-                <a:latin typeface="Arial"/>
-                <a:ea typeface="Arial"/>
-              </a:defRPr>
-            </a:lvl1pPr>
-          </a:lstStyle>
-          <a:p>
-            <a:pPr indent="0" defTabSz="914400">
-              <a:lnSpc>
-                <a:spcPct val="100000"/>
-              </a:lnSpc>
-              <a:buNone/>
-            </a:pPr>
-            <a:r>
-              <a:rPr b="0" lang="en-US" sz="1200" strike="noStrike" u="none">
-                <a:solidFill>
-                  <a:schemeClr val="dk1">
-                    <a:tint val="75000"/>
-                  </a:schemeClr>
-                </a:solidFill>
-                <a:effectLst/>
-                <a:uFillTx/>
-                <a:latin typeface="Arial"/>
-                <a:ea typeface="Arial"/>
-              </a:rPr>
-              <a:t>&lt;date/time&gt;</a:t>
-            </a:r>
-            <a:endParaRPr b="0" lang="en-US" sz="1200" strike="noStrike" u="none">
-              <a:solidFill>
-                <a:srgbClr val="000000"/>
-              </a:solidFill>
-              <a:effectLst/>
-              <a:uFillTx/>
-              <a:latin typeface="Times New Roman"/>
-            </a:endParaRPr>
-          </a:p>
-        </p:txBody>
-      </p:sp>
-      <p:sp>
-        <p:nvSpPr>
-          <p:cNvPr id="49" name="PlaceHolder 5"/>
-          <p:cNvSpPr>
-            <a:spLocks noGrp="1"/>
-          </p:cNvSpPr>
-          <p:nvPr>
-            <p:ph type="ftr" idx="29"/>
-          </p:nvPr>
-        </p:nvSpPr>
-        <p:spPr>
-          <a:xfrm>
-            <a:off x="4038480" y="6356520"/>
-            <a:ext cx="4114440" cy="364680"/>
-          </a:xfrm>
-          <a:prstGeom prst="rect">
-            <a:avLst/>
-          </a:prstGeom>
-          <a:noFill/>
-          <a:ln w="0">
-            <a:noFill/>
-          </a:ln>
-        </p:spPr>
-        <p:txBody>
-          <a:bodyPr lIns="91440" rIns="91440" tIns="45720" bIns="45720" anchor="ctr">
-            <a:noAutofit/>
-          </a:bodyPr>
-          <a:lstStyle>
-            <a:lvl1pPr indent="0" algn="ctr">
-              <a:buNone/>
-              <a:defRPr b="0" lang="en-US" sz="1400" strike="noStrike" u="none">
-                <a:solidFill>
-                  <a:srgbClr val="000000"/>
-                </a:solidFill>
-                <a:effectLst/>
-                <a:uFillTx/>
-                <a:latin typeface="Times New Roman"/>
-              </a:defRPr>
-            </a:lvl1pPr>
-          </a:lstStyle>
-          <a:p>
-            <a:pPr indent="0" algn="ctr">
-              <a:buNone/>
-            </a:pPr>
-            <a:r>
-              <a:rPr b="0" lang="en-US" sz="1400" strike="noStrike" u="none">
-                <a:solidFill>
-                  <a:srgbClr val="000000"/>
-                </a:solidFill>
-                <a:effectLst/>
-                <a:uFillTx/>
-                <a:latin typeface="Times New Roman"/>
-              </a:rPr>
-              <a:t>&lt;footer&gt;</a:t>
-            </a:r>
-            <a:endParaRPr b="0" lang="en-US" sz="1400" strike="noStrike" u="none">
-              <a:solidFill>
-                <a:srgbClr val="000000"/>
-              </a:solidFill>
-              <a:effectLst/>
-              <a:uFillTx/>
-              <a:latin typeface="Times New Roman"/>
-            </a:endParaRPr>
-          </a:p>
-        </p:txBody>
-      </p:sp>
-      <p:sp>
-        <p:nvSpPr>
-          <p:cNvPr id="50" name="PlaceHolder 6"/>
-          <p:cNvSpPr>
-            <a:spLocks noGrp="1"/>
-          </p:cNvSpPr>
-          <p:nvPr>
-            <p:ph type="sldNum" idx="30"/>
-          </p:nvPr>
-        </p:nvSpPr>
-        <p:spPr>
-          <a:xfrm>
-            <a:off x="8610480" y="6356520"/>
-            <a:ext cx="2742840" cy="364680"/>
-          </a:xfrm>
-          <a:prstGeom prst="rect">
-            <a:avLst/>
-          </a:prstGeom>
-          <a:noFill/>
-          <a:ln w="0">
-            <a:noFill/>
-          </a:ln>
-        </p:spPr>
-        <p:txBody>
-          <a:bodyPr lIns="91440" rIns="91440" tIns="45720" bIns="45720" anchor="ctr">
-            <a:noAutofit/>
-          </a:bodyPr>
-          <a:lstStyle>
-            <a:lvl1pPr indent="0" algn="r" defTabSz="914400">
-              <a:lnSpc>
-                <a:spcPct val="100000"/>
-              </a:lnSpc>
-              <a:buNone/>
-              <a:defRPr b="0" lang="en-US" sz="1200" strike="noStrike" u="none">
-                <a:solidFill>
-                  <a:schemeClr val="dk1">
-                    <a:tint val="75000"/>
-                  </a:schemeClr>
-                </a:solidFill>
-                <a:effectLst/>
-                <a:uFillTx/>
-                <a:latin typeface="Arial"/>
-                <a:ea typeface="Arial"/>
-              </a:defRPr>
-            </a:lvl1pPr>
-          </a:lstStyle>
-          <a:p>
-            <a:pPr indent="0" algn="r" defTabSz="914400">
-              <a:lnSpc>
-                <a:spcPct val="100000"/>
-              </a:lnSpc>
-              <a:buNone/>
-            </a:pPr>
-            <a:fld id="{F77474C5-2862-4D2D-B570-190CFF548BA5}" type="slidenum">
-              <a:rPr b="0" lang="en-US" sz="1200" strike="noStrike" u="none">
-                <a:solidFill>
-                  <a:schemeClr val="dk1">
-                    <a:tint val="75000"/>
-                  </a:schemeClr>
-                </a:solidFill>
-                <a:effectLst/>
-                <a:uFillTx/>
-                <a:latin typeface="Arial"/>
-                <a:ea typeface="Arial"/>
-              </a:rPr>
-              <a:t>&lt;number&gt;</a:t>
-            </a:fld>
-            <a:endParaRPr b="0" lang="en-US" sz="1200" strike="noStrike" u="none">
-              <a:solidFill>
-                <a:srgbClr val="000000"/>
-              </a:solidFill>
-              <a:effectLst/>
-              <a:uFillTx/>
-              <a:latin typeface="Times New Roman"/>
-            </a:endParaRPr>
-          </a:p>
-        </p:txBody>
-      </p:sp>
-    </p:spTree>
-  </p:cSld>
-</p:sldLayout>
-</file>
-
-<file path=ppt/slideLayouts/slideLayout11.xml><?xml version="1.0" encoding="utf-8"?>
-<p:sldLayout xmlns:a="http://schemas.openxmlformats.org/drawingml/2006/main" xmlns:p="http://schemas.openxmlformats.org/presentationml/2006/main" xmlns:r="http://schemas.openxmlformats.org/officeDocument/2006/relationships" xmlns:p14="http://schemas.microsoft.com/office/powerpoint/2010/main" xmlns:p15="http://schemas.microsoft.com/office/powerpoint/2012/main" xmlns:mc="http://schemas.openxmlformats.org/markup-compatibility/2006" type="blank" preserve="1">
-  <p:cSld name="Picture with Caption">
-    <p:bg>
-      <p:bgPr>
-        <a:solidFill>
-          <a:srgbClr val="ffffff"/>
-        </a:solidFill>
-      </p:bgPr>
-    </p:bg>
-    <p:spTree>
-      <p:nvGrpSpPr>
-        <p:cNvPr id="1" name=""/>
-        <p:cNvGrpSpPr/>
-        <p:nvPr/>
-      </p:nvGrpSpPr>
-      <p:grpSpPr>
-        <a:xfrm>
-          <a:off x="0" y="0"/>
-          <a:ext cx="0" cy="0"/>
-          <a:chOff x="0" y="0"/>
-          <a:chExt cx="0" cy="0"/>
-        </a:xfrm>
-      </p:grpSpPr>
-      <p:sp>
-        <p:nvSpPr>
-          <p:cNvPr id="51" name="PlaceHolder 1"/>
-          <p:cNvSpPr>
-            <a:spLocks noGrp="1"/>
-          </p:cNvSpPr>
-          <p:nvPr>
-            <p:ph type="title"/>
-          </p:nvPr>
-        </p:nvSpPr>
-        <p:spPr>
-          <a:xfrm>
-            <a:off x="839880" y="457200"/>
-            <a:ext cx="3931920" cy="1599840"/>
-          </a:xfrm>
-          <a:prstGeom prst="rect">
-            <a:avLst/>
-          </a:prstGeom>
-          <a:noFill/>
-          <a:ln w="0">
-            <a:noFill/>
-          </a:ln>
-        </p:spPr>
-        <p:txBody>
-          <a:bodyPr lIns="91440" rIns="91440" tIns="45720" bIns="45720" anchor="b">
-            <a:noAutofit/>
-          </a:bodyPr>
-          <a:p>
-            <a:pPr indent="0" defTabSz="914400">
-              <a:lnSpc>
-                <a:spcPct val="90000"/>
-              </a:lnSpc>
-              <a:buNone/>
-            </a:pPr>
-            <a:r>
-              <a:rPr b="0" lang="en-US" sz="3200" strike="noStrike" u="none">
-                <a:solidFill>
-                  <a:schemeClr val="dk1"/>
-                </a:solidFill>
-                <a:effectLst/>
-                <a:uFillTx/>
-                <a:latin typeface="Arial"/>
-                <a:ea typeface="Arial"/>
-              </a:rPr>
-              <a:t>Click to edit Master title style</a:t>
-            </a:r>
-            <a:endParaRPr b="0" lang="en-US" sz="3200" strike="noStrike" u="none">
-              <a:solidFill>
-                <a:schemeClr val="dk1"/>
-              </a:solidFill>
-              <a:effectLst/>
-              <a:uFillTx/>
-              <a:latin typeface="Arial"/>
-            </a:endParaRPr>
-          </a:p>
-        </p:txBody>
-      </p:sp>
-      <p:sp>
-        <p:nvSpPr>
-          <p:cNvPr id="52" name="PlaceHolder 2"/>
-          <p:cNvSpPr>
-            <a:spLocks noGrp="1"/>
-          </p:cNvSpPr>
-          <p:nvPr>
-            <p:ph type="body"/>
-          </p:nvPr>
-        </p:nvSpPr>
-        <p:spPr>
-          <a:xfrm>
-            <a:off x="5183280" y="987480"/>
-            <a:ext cx="6171840" cy="4873320"/>
-          </a:xfrm>
-          <a:prstGeom prst="rect">
-            <a:avLst/>
-          </a:prstGeom>
-          <a:noFill/>
-          <a:ln w="0">
-            <a:noFill/>
-          </a:ln>
-        </p:spPr>
-        <p:txBody>
-          <a:bodyPr lIns="90000" rIns="90000" tIns="45000" bIns="45000" anchor="t">
-            <a:noAutofit/>
-          </a:bodyPr>
-          <a:p>
-            <a:pPr indent="0" defTabSz="914400">
-              <a:lnSpc>
-                <a:spcPct val="100000"/>
-              </a:lnSpc>
-              <a:buNone/>
-              <a:tabLst>
-                <a:tab algn="l" pos="0"/>
-              </a:tabLst>
-            </a:pPr>
-            <a:r>
-              <a:rPr b="0" lang="en-US" sz="3200" strike="noStrike" u="none">
-                <a:solidFill>
-                  <a:schemeClr val="dk1"/>
-                </a:solidFill>
-                <a:effectLst/>
-                <a:uFillTx/>
-                <a:latin typeface="Arial"/>
-                <a:ea typeface="Arial"/>
-              </a:rPr>
-              <a:t>Click icon to add picture</a:t>
-            </a:r>
-            <a:endParaRPr b="0" lang="en-US" sz="3200" strike="noStrike" u="none">
-              <a:solidFill>
-                <a:schemeClr val="dk1"/>
-              </a:solidFill>
-              <a:effectLst/>
-              <a:uFillTx/>
-              <a:latin typeface="Arial"/>
-            </a:endParaRPr>
-          </a:p>
-        </p:txBody>
-      </p:sp>
-      <p:sp>
-        <p:nvSpPr>
-          <p:cNvPr id="53" name="PlaceHolder 3"/>
-          <p:cNvSpPr>
-            <a:spLocks noGrp="1"/>
-          </p:cNvSpPr>
-          <p:nvPr>
-            <p:ph type="body"/>
-          </p:nvPr>
-        </p:nvSpPr>
-        <p:spPr>
-          <a:xfrm>
-            <a:off x="839880" y="2057400"/>
-            <a:ext cx="3931920" cy="3811320"/>
-          </a:xfrm>
-          <a:prstGeom prst="rect">
-            <a:avLst/>
-          </a:prstGeom>
-          <a:noFill/>
-          <a:ln w="0">
-            <a:noFill/>
-          </a:ln>
-        </p:spPr>
-        <p:txBody>
-          <a:bodyPr lIns="91440" rIns="91440" tIns="45720" bIns="45720" anchor="t">
-            <a:noAutofit/>
-          </a:bodyPr>
-          <a:p>
-            <a:pPr indent="0" defTabSz="914400">
-              <a:lnSpc>
-                <a:spcPct val="90000"/>
-              </a:lnSpc>
-              <a:spcBef>
-                <a:spcPts val="1001"/>
-              </a:spcBef>
-              <a:buNone/>
-              <a:tabLst>
-                <a:tab algn="l" pos="0"/>
-              </a:tabLst>
-            </a:pPr>
-            <a:r>
-              <a:rPr b="0" lang="en-US" sz="1600" strike="noStrike" u="none">
-                <a:solidFill>
-                  <a:schemeClr val="dk1"/>
-                </a:solidFill>
-                <a:effectLst/>
-                <a:uFillTx/>
-                <a:latin typeface="Arial"/>
-                <a:ea typeface="Arial"/>
-              </a:rPr>
-              <a:t>Click to edit Master text styles</a:t>
-            </a:r>
-            <a:endParaRPr b="0" lang="en-US" sz="1600" strike="noStrike" u="none">
-              <a:solidFill>
-                <a:schemeClr val="dk1"/>
-              </a:solidFill>
-              <a:effectLst/>
-              <a:uFillTx/>
-              <a:latin typeface="Arial"/>
-            </a:endParaRPr>
-          </a:p>
-        </p:txBody>
-      </p:sp>
-      <p:sp>
-        <p:nvSpPr>
-          <p:cNvPr id="54" name="PlaceHolder 4"/>
-          <p:cNvSpPr>
-            <a:spLocks noGrp="1"/>
-          </p:cNvSpPr>
-          <p:nvPr>
-            <p:ph type="dt" idx="31"/>
-          </p:nvPr>
-        </p:nvSpPr>
-        <p:spPr>
-          <a:xfrm>
-            <a:off x="838080" y="6356520"/>
-            <a:ext cx="2742840" cy="364680"/>
-          </a:xfrm>
-          <a:prstGeom prst="rect">
-            <a:avLst/>
-          </a:prstGeom>
-          <a:noFill/>
-          <a:ln w="0">
-            <a:noFill/>
-          </a:ln>
-        </p:spPr>
-        <p:txBody>
-          <a:bodyPr lIns="91440" rIns="91440" tIns="45720" bIns="45720" anchor="ctr">
-            <a:noAutofit/>
-          </a:bodyPr>
-          <a:lstStyle>
-            <a:lvl1pPr indent="0" defTabSz="914400">
-              <a:lnSpc>
-                <a:spcPct val="100000"/>
-              </a:lnSpc>
-              <a:buNone/>
-              <a:defRPr b="0" lang="en-US" sz="1200" strike="noStrike" u="none">
-                <a:solidFill>
-                  <a:schemeClr val="dk1">
-                    <a:tint val="75000"/>
-                  </a:schemeClr>
-                </a:solidFill>
-                <a:effectLst/>
-                <a:uFillTx/>
-                <a:latin typeface="Arial"/>
-                <a:ea typeface="Arial"/>
-              </a:defRPr>
-            </a:lvl1pPr>
-          </a:lstStyle>
-          <a:p>
-            <a:pPr indent="0" defTabSz="914400">
-              <a:lnSpc>
-                <a:spcPct val="100000"/>
-              </a:lnSpc>
-              <a:buNone/>
-            </a:pPr>
-            <a:r>
-              <a:rPr b="0" lang="en-US" sz="1200" strike="noStrike" u="none">
-                <a:solidFill>
-                  <a:schemeClr val="dk1">
-                    <a:tint val="75000"/>
-                  </a:schemeClr>
-                </a:solidFill>
-                <a:effectLst/>
-                <a:uFillTx/>
-                <a:latin typeface="Arial"/>
-                <a:ea typeface="Arial"/>
-              </a:rPr>
-              <a:t>&lt;date/time&gt;</a:t>
-            </a:r>
-            <a:endParaRPr b="0" lang="en-US" sz="1200" strike="noStrike" u="none">
-              <a:solidFill>
-                <a:srgbClr val="000000"/>
-              </a:solidFill>
-              <a:effectLst/>
-              <a:uFillTx/>
-              <a:latin typeface="Times New Roman"/>
-            </a:endParaRPr>
-          </a:p>
-        </p:txBody>
-      </p:sp>
-      <p:sp>
-        <p:nvSpPr>
-          <p:cNvPr id="55" name="PlaceHolder 5"/>
-          <p:cNvSpPr>
-            <a:spLocks noGrp="1"/>
-          </p:cNvSpPr>
-          <p:nvPr>
-            <p:ph type="ftr" idx="32"/>
-          </p:nvPr>
-        </p:nvSpPr>
-        <p:spPr>
-          <a:xfrm>
-            <a:off x="4038480" y="6356520"/>
-            <a:ext cx="4114440" cy="364680"/>
-          </a:xfrm>
-          <a:prstGeom prst="rect">
-            <a:avLst/>
-          </a:prstGeom>
-          <a:noFill/>
-          <a:ln w="0">
-            <a:noFill/>
-          </a:ln>
-        </p:spPr>
-        <p:txBody>
-          <a:bodyPr lIns="91440" rIns="91440" tIns="45720" bIns="45720" anchor="ctr">
-            <a:noAutofit/>
-          </a:bodyPr>
-          <a:lstStyle>
-            <a:lvl1pPr indent="0" algn="ctr">
-              <a:buNone/>
-              <a:defRPr b="0" lang="en-US" sz="1400" strike="noStrike" u="none">
-                <a:solidFill>
-                  <a:srgbClr val="000000"/>
-                </a:solidFill>
-                <a:effectLst/>
-                <a:uFillTx/>
-                <a:latin typeface="Times New Roman"/>
-              </a:defRPr>
-            </a:lvl1pPr>
-          </a:lstStyle>
-          <a:p>
-            <a:pPr indent="0" algn="ctr">
-              <a:buNone/>
-            </a:pPr>
-            <a:r>
-              <a:rPr b="0" lang="en-US" sz="1400" strike="noStrike" u="none">
-                <a:solidFill>
-                  <a:srgbClr val="000000"/>
-                </a:solidFill>
-                <a:effectLst/>
-                <a:uFillTx/>
-                <a:latin typeface="Times New Roman"/>
-              </a:rPr>
-              <a:t>&lt;footer&gt;</a:t>
-            </a:r>
-            <a:endParaRPr b="0" lang="en-US" sz="1400" strike="noStrike" u="none">
-              <a:solidFill>
-                <a:srgbClr val="000000"/>
-              </a:solidFill>
-              <a:effectLst/>
-              <a:uFillTx/>
-              <a:latin typeface="Times New Roman"/>
-            </a:endParaRPr>
-          </a:p>
-        </p:txBody>
-      </p:sp>
-      <p:sp>
-        <p:nvSpPr>
-          <p:cNvPr id="56" name="PlaceHolder 6"/>
-          <p:cNvSpPr>
-            <a:spLocks noGrp="1"/>
-          </p:cNvSpPr>
-          <p:nvPr>
-            <p:ph type="sldNum" idx="33"/>
-          </p:nvPr>
-        </p:nvSpPr>
-        <p:spPr>
-          <a:xfrm>
-            <a:off x="8610480" y="6356520"/>
-            <a:ext cx="2742840" cy="364680"/>
-          </a:xfrm>
-          <a:prstGeom prst="rect">
-            <a:avLst/>
-          </a:prstGeom>
-          <a:noFill/>
-          <a:ln w="0">
-            <a:noFill/>
-          </a:ln>
-        </p:spPr>
-        <p:txBody>
-          <a:bodyPr lIns="91440" rIns="91440" tIns="45720" bIns="45720" anchor="ctr">
-            <a:noAutofit/>
-          </a:bodyPr>
-          <a:lstStyle>
-            <a:lvl1pPr indent="0" algn="r" defTabSz="914400">
-              <a:lnSpc>
-                <a:spcPct val="100000"/>
-              </a:lnSpc>
-              <a:buNone/>
-              <a:defRPr b="0" lang="en-US" sz="1200" strike="noStrike" u="none">
-                <a:solidFill>
-                  <a:schemeClr val="dk1">
-                    <a:tint val="75000"/>
-                  </a:schemeClr>
-                </a:solidFill>
-                <a:effectLst/>
-                <a:uFillTx/>
-                <a:latin typeface="Arial"/>
-                <a:ea typeface="Arial"/>
-              </a:defRPr>
-            </a:lvl1pPr>
-          </a:lstStyle>
-          <a:p>
-            <a:pPr indent="0" algn="r" defTabSz="914400">
-              <a:lnSpc>
-                <a:spcPct val="100000"/>
-              </a:lnSpc>
-              <a:buNone/>
-            </a:pPr>
-            <a:fld id="{D94C41F1-F8DC-4DFC-AF27-9CDF05ECD293}" type="slidenum">
-              <a:rPr b="0" lang="en-US" sz="1200" strike="noStrike" u="none">
-                <a:solidFill>
-                  <a:schemeClr val="dk1">
-                    <a:tint val="75000"/>
-                  </a:schemeClr>
-                </a:solidFill>
-                <a:effectLst/>
-                <a:uFillTx/>
-                <a:latin typeface="Arial"/>
-                <a:ea typeface="Arial"/>
-              </a:rPr>
-              <a:t>&lt;number&gt;</a:t>
-            </a:fld>
-            <a:endParaRPr b="0" lang="en-US" sz="1200" strike="noStrike" u="none">
-              <a:solidFill>
-                <a:srgbClr val="000000"/>
-              </a:solidFill>
-              <a:effectLst/>
-              <a:uFillTx/>
-              <a:latin typeface="Times New Roman"/>
-            </a:endParaRPr>
-          </a:p>
-        </p:txBody>
-      </p:sp>
-    </p:spTree>
-  </p:cSld>
-</p:sldLayout>
-</file>
-
-<file path=ppt/slideLayouts/slideLayout2.xml><?xml version="1.0" encoding="utf-8"?>
+<file path=ppt/slideLayouts/slideLayout5.xml><?xml version="1.0" encoding="utf-8"?>
 <p:sldLayout xmlns:a="http://schemas.openxmlformats.org/drawingml/2006/main" xmlns:p="http://schemas.openxmlformats.org/presentationml/2006/main" xmlns:r="http://schemas.openxmlformats.org/officeDocument/2006/relationships" xmlns:p14="http://schemas.microsoft.com/office/powerpoint/2010/main" xmlns:p15="http://schemas.microsoft.com/office/powerpoint/2012/main" xmlns:mc="http://schemas.openxmlformats.org/markup-compatibility/2006" type="vertTx" preserve="1">
   <p:cSld name="Title and Vertical Text">
     <p:bg>
@@ -1891,7 +3458,7 @@
       </p:grpSpPr>
       <p:sp>
         <p:nvSpPr>
-          <p:cNvPr id="4" name="PlaceHolder 1"/>
+          <p:cNvPr id="19" name="PlaceHolder 1"/>
           <p:cNvSpPr>
             <a:spLocks noGrp="1"/>
           </p:cNvSpPr>
@@ -1902,7 +3469,7 @@
         <p:spPr>
           <a:xfrm>
             <a:off x="838080" y="365040"/>
-            <a:ext cx="10515240" cy="1325160"/>
+            <a:ext cx="10514880" cy="1324800"/>
           </a:xfrm>
           <a:prstGeom prst="rect">
             <a:avLst/>
@@ -1922,6 +3489,9 @@
                 <a:spcPct val="90000"/>
               </a:lnSpc>
               <a:buNone/>
+              <a:tabLst>
+                <a:tab algn="l" pos="0"/>
+              </a:tabLst>
             </a:pPr>
             <a:r>
               <a:rPr b="0" lang="en-US" sz="4400" strike="noStrike" u="none">
@@ -1937,7 +3507,7 @@
             </a:r>
             <a:endParaRPr b="0" lang="en-US" sz="4400" strike="noStrike" u="none">
               <a:solidFill>
-                <a:schemeClr val="dk1"/>
+                <a:srgbClr val="000000"/>
               </a:solidFill>
               <a:effectLst/>
               <a:uFillTx/>
@@ -1948,7 +3518,7 @@
       </p:sp>
       <p:sp>
         <p:nvSpPr>
-          <p:cNvPr id="5" name="PlaceHolder 2"/>
+          <p:cNvPr id="20" name="PlaceHolder 2"/>
           <p:cNvSpPr>
             <a:spLocks noGrp="1"/>
           </p:cNvSpPr>
@@ -1959,7 +3529,7 @@
         <p:spPr>
           <a:xfrm>
             <a:off x="838080" y="1825560"/>
-            <a:ext cx="10515240" cy="4350960"/>
+            <a:ext cx="10514880" cy="4350600"/>
           </a:xfrm>
           <a:prstGeom prst="rect">
             <a:avLst/>
@@ -2001,7 +3571,7 @@
             </a:r>
             <a:endParaRPr b="0" lang="en-US" sz="2800" strike="noStrike" u="none">
               <a:solidFill>
-                <a:schemeClr val="dk1"/>
+                <a:srgbClr val="000000"/>
               </a:solidFill>
               <a:effectLst/>
               <a:uFillTx/>
@@ -2036,7 +3606,7 @@
             </a:r>
             <a:endParaRPr b="0" lang="en-US" sz="2400" strike="noStrike" u="none">
               <a:solidFill>
-                <a:schemeClr val="dk1"/>
+                <a:srgbClr val="000000"/>
               </a:solidFill>
               <a:effectLst/>
               <a:uFillTx/>
@@ -2071,7 +3641,7 @@
             </a:r>
             <a:endParaRPr b="0" lang="en-US" sz="2000" strike="noStrike" u="none">
               <a:solidFill>
-                <a:schemeClr val="dk1"/>
+                <a:srgbClr val="000000"/>
               </a:solidFill>
               <a:effectLst/>
               <a:uFillTx/>
@@ -2106,7 +3676,7 @@
             </a:r>
             <a:endParaRPr b="0" lang="en-US" sz="1800" strike="noStrike" u="none">
               <a:solidFill>
-                <a:schemeClr val="dk1"/>
+                <a:srgbClr val="000000"/>
               </a:solidFill>
               <a:effectLst/>
               <a:uFillTx/>
@@ -2141,7 +3711,7 @@
             </a:r>
             <a:endParaRPr b="0" lang="en-US" sz="1800" strike="noStrike" u="none">
               <a:solidFill>
-                <a:schemeClr val="dk1"/>
+                <a:srgbClr val="000000"/>
               </a:solidFill>
               <a:effectLst/>
               <a:uFillTx/>
@@ -2152,18 +3722,18 @@
       </p:sp>
       <p:sp>
         <p:nvSpPr>
-          <p:cNvPr id="6" name="PlaceHolder 3"/>
+          <p:cNvPr id="21" name="PlaceHolder 3"/>
           <p:cNvSpPr>
             <a:spLocks noGrp="1"/>
           </p:cNvSpPr>
           <p:nvPr>
-            <p:ph type="dt" idx="4"/>
+            <p:ph type="dt" idx="13"/>
           </p:nvPr>
         </p:nvSpPr>
         <p:spPr>
           <a:xfrm>
             <a:off x="838080" y="6356520"/>
-            <a:ext cx="2742840" cy="364680"/>
+            <a:ext cx="2742480" cy="364320"/>
           </a:xfrm>
           <a:prstGeom prst="rect">
             <a:avLst/>
@@ -2183,6 +3753,9 @@
                 <a:spcPct val="100000"/>
               </a:lnSpc>
               <a:buNone/>
+              <a:tabLst>
+                <a:tab algn="l" pos="0"/>
+              </a:tabLst>
               <a:defRPr b="0" lang="en-US" sz="1200" strike="noStrike" u="none">
                 <a:solidFill>
                   <a:schemeClr val="dk1">
@@ -2202,6 +3775,9 @@
                 <a:spcPct val="100000"/>
               </a:lnSpc>
               <a:buNone/>
+              <a:tabLst>
+                <a:tab algn="l" pos="0"/>
+              </a:tabLst>
             </a:pPr>
             <a:r>
               <a:rPr b="0" lang="en-US" sz="1200" strike="noStrike" u="none">
@@ -2230,18 +3806,18 @@
       </p:sp>
       <p:sp>
         <p:nvSpPr>
-          <p:cNvPr id="7" name="PlaceHolder 4"/>
+          <p:cNvPr id="22" name="PlaceHolder 4"/>
           <p:cNvSpPr>
             <a:spLocks noGrp="1"/>
           </p:cNvSpPr>
           <p:nvPr>
-            <p:ph type="ftr" idx="5"/>
+            <p:ph type="ftr" idx="14"/>
           </p:nvPr>
         </p:nvSpPr>
         <p:spPr>
           <a:xfrm>
             <a:off x="4038480" y="6356520"/>
-            <a:ext cx="4114440" cy="364680"/>
+            <a:ext cx="4114080" cy="364320"/>
           </a:xfrm>
           <a:prstGeom prst="rect">
             <a:avLst/>
@@ -2257,7 +3833,13 @@
           </a:bodyPr>
           <a:lstStyle>
             <a:lvl1pPr indent="0" algn="ctr">
-              <a:buNone/>
+              <a:lnSpc>
+                <a:spcPct val="100000"/>
+              </a:lnSpc>
+              <a:buNone/>
+              <a:tabLst>
+                <a:tab algn="l" pos="0"/>
+              </a:tabLst>
               <a:defRPr b="0" lang="en-US" sz="1400" strike="noStrike" u="none">
                 <a:solidFill>
                   <a:srgbClr val="000000"/>
@@ -2270,7 +3852,13 @@
           </a:lstStyle>
           <a:p>
             <a:pPr indent="0" algn="ctr">
-              <a:buNone/>
+              <a:lnSpc>
+                <a:spcPct val="100000"/>
+              </a:lnSpc>
+              <a:buNone/>
+              <a:tabLst>
+                <a:tab algn="l" pos="0"/>
+              </a:tabLst>
             </a:pPr>
             <a:r>
               <a:rPr b="0" lang="en-US" sz="1400" strike="noStrike" u="none">
@@ -2296,18 +3884,18 @@
       </p:sp>
       <p:sp>
         <p:nvSpPr>
-          <p:cNvPr id="8" name="PlaceHolder 5"/>
+          <p:cNvPr id="23" name="PlaceHolder 5"/>
           <p:cNvSpPr>
             <a:spLocks noGrp="1"/>
           </p:cNvSpPr>
           <p:nvPr>
-            <p:ph type="sldNum" idx="6"/>
+            <p:ph type="sldNum" idx="15"/>
           </p:nvPr>
         </p:nvSpPr>
         <p:spPr>
           <a:xfrm>
             <a:off x="8610480" y="6356520"/>
-            <a:ext cx="2742840" cy="364680"/>
+            <a:ext cx="2742480" cy="364320"/>
           </a:xfrm>
           <a:prstGeom prst="rect">
             <a:avLst/>
@@ -2327,6 +3915,9 @@
                 <a:spcPct val="100000"/>
               </a:lnSpc>
               <a:buNone/>
+              <a:tabLst>
+                <a:tab algn="l" pos="0"/>
+              </a:tabLst>
               <a:defRPr b="0" lang="en-US" sz="1200" strike="noStrike" u="none">
                 <a:solidFill>
                   <a:schemeClr val="dk1">
@@ -2346,8 +3937,11 @@
                 <a:spcPct val="100000"/>
               </a:lnSpc>
               <a:buNone/>
-            </a:pPr>
-            <a:fld id="{6FC3B4A5-12B8-4B2D-BBD0-C4BFC92C41EE}" type="slidenum">
+              <a:tabLst>
+                <a:tab algn="l" pos="0"/>
+              </a:tabLst>
+            </a:pPr>
+            <a:fld id="{4E15B65B-936E-4DF8-934C-7B1DFA97D4D0}" type="slidenum">
               <a:rPr b="0" lang="en-US" sz="1200" strike="noStrike" u="none">
                 <a:solidFill>
                   <a:schemeClr val="dk1">
@@ -2377,7 +3971,7 @@
 </p:sldLayout>
 </file>
 
-<file path=ppt/slideLayouts/slideLayout3.xml><?xml version="1.0" encoding="utf-8"?>
+<file path=ppt/slideLayouts/slideLayout6.xml><?xml version="1.0" encoding="utf-8"?>
 <p:sldLayout xmlns:a="http://schemas.openxmlformats.org/drawingml/2006/main" xmlns:p="http://schemas.openxmlformats.org/presentationml/2006/main" xmlns:r="http://schemas.openxmlformats.org/officeDocument/2006/relationships" xmlns:p14="http://schemas.microsoft.com/office/powerpoint/2010/main" xmlns:p15="http://schemas.microsoft.com/office/powerpoint/2012/main" xmlns:mc="http://schemas.openxmlformats.org/markup-compatibility/2006" type="vertTitleAndTx" preserve="1">
   <p:cSld name="Vertical Title and Text">
     <p:bg>
@@ -2403,7 +3997,7 @@
       </p:grpSpPr>
       <p:sp>
         <p:nvSpPr>
-          <p:cNvPr id="9" name="PlaceHolder 1"/>
+          <p:cNvPr id="24" name="PlaceHolder 1"/>
           <p:cNvSpPr>
             <a:spLocks noGrp="1"/>
           </p:cNvSpPr>
@@ -2414,7 +4008,7 @@
         <p:spPr>
           <a:xfrm>
             <a:off x="8724960" y="365040"/>
-            <a:ext cx="2628720" cy="5811480"/>
+            <a:ext cx="2628360" cy="5811120"/>
           </a:xfrm>
           <a:prstGeom prst="rect">
             <a:avLst/>
@@ -2434,6 +4028,9 @@
                 <a:spcPct val="90000"/>
               </a:lnSpc>
               <a:buNone/>
+              <a:tabLst>
+                <a:tab algn="l" pos="0"/>
+              </a:tabLst>
             </a:pPr>
             <a:r>
               <a:rPr b="0" lang="en-US" sz="4400" strike="noStrike" u="none">
@@ -2449,7 +4046,7 @@
             </a:r>
             <a:endParaRPr b="0" lang="en-US" sz="4400" strike="noStrike" u="none">
               <a:solidFill>
-                <a:schemeClr val="dk1"/>
+                <a:srgbClr val="000000"/>
               </a:solidFill>
               <a:effectLst/>
               <a:uFillTx/>
@@ -2460,7 +4057,7 @@
       </p:sp>
       <p:sp>
         <p:nvSpPr>
-          <p:cNvPr id="10" name="PlaceHolder 2"/>
+          <p:cNvPr id="25" name="PlaceHolder 2"/>
           <p:cNvSpPr>
             <a:spLocks noGrp="1"/>
           </p:cNvSpPr>
@@ -2471,7 +4068,7 @@
         <p:spPr>
           <a:xfrm>
             <a:off x="838080" y="365040"/>
-            <a:ext cx="7733880" cy="5811480"/>
+            <a:ext cx="7733520" cy="5811120"/>
           </a:xfrm>
           <a:prstGeom prst="rect">
             <a:avLst/>
@@ -2513,7 +4110,7 @@
             </a:r>
             <a:endParaRPr b="0" lang="en-US" sz="2800" strike="noStrike" u="none">
               <a:solidFill>
-                <a:schemeClr val="dk1"/>
+                <a:srgbClr val="000000"/>
               </a:solidFill>
               <a:effectLst/>
               <a:uFillTx/>
@@ -2548,7 +4145,7 @@
             </a:r>
             <a:endParaRPr b="0" lang="en-US" sz="2400" strike="noStrike" u="none">
               <a:solidFill>
-                <a:schemeClr val="dk1"/>
+                <a:srgbClr val="000000"/>
               </a:solidFill>
               <a:effectLst/>
               <a:uFillTx/>
@@ -2583,7 +4180,7 @@
             </a:r>
             <a:endParaRPr b="0" lang="en-US" sz="2000" strike="noStrike" u="none">
               <a:solidFill>
-                <a:schemeClr val="dk1"/>
+                <a:srgbClr val="000000"/>
               </a:solidFill>
               <a:effectLst/>
               <a:uFillTx/>
@@ -2618,7 +4215,7 @@
             </a:r>
             <a:endParaRPr b="0" lang="en-US" sz="1800" strike="noStrike" u="none">
               <a:solidFill>
-                <a:schemeClr val="dk1"/>
+                <a:srgbClr val="000000"/>
               </a:solidFill>
               <a:effectLst/>
               <a:uFillTx/>
@@ -2653,7 +4250,7 @@
             </a:r>
             <a:endParaRPr b="0" lang="en-US" sz="1800" strike="noStrike" u="none">
               <a:solidFill>
-                <a:schemeClr val="dk1"/>
+                <a:srgbClr val="000000"/>
               </a:solidFill>
               <a:effectLst/>
               <a:uFillTx/>
@@ -2664,18 +4261,18 @@
       </p:sp>
       <p:sp>
         <p:nvSpPr>
-          <p:cNvPr id="11" name="PlaceHolder 3"/>
+          <p:cNvPr id="26" name="PlaceHolder 3"/>
           <p:cNvSpPr>
             <a:spLocks noGrp="1"/>
           </p:cNvSpPr>
           <p:nvPr>
-            <p:ph type="dt" idx="7"/>
+            <p:ph type="dt" idx="16"/>
           </p:nvPr>
         </p:nvSpPr>
         <p:spPr>
           <a:xfrm>
             <a:off x="838080" y="6356520"/>
-            <a:ext cx="2742840" cy="364680"/>
+            <a:ext cx="2742480" cy="364320"/>
           </a:xfrm>
           <a:prstGeom prst="rect">
             <a:avLst/>
@@ -2695,6 +4292,9 @@
                 <a:spcPct val="100000"/>
               </a:lnSpc>
               <a:buNone/>
+              <a:tabLst>
+                <a:tab algn="l" pos="0"/>
+              </a:tabLst>
               <a:defRPr b="0" lang="en-US" sz="1200" strike="noStrike" u="none">
                 <a:solidFill>
                   <a:schemeClr val="dk1">
@@ -2714,6 +4314,9 @@
                 <a:spcPct val="100000"/>
               </a:lnSpc>
               <a:buNone/>
+              <a:tabLst>
+                <a:tab algn="l" pos="0"/>
+              </a:tabLst>
             </a:pPr>
             <a:r>
               <a:rPr b="0" lang="en-US" sz="1200" strike="noStrike" u="none">
@@ -2742,18 +4345,18 @@
       </p:sp>
       <p:sp>
         <p:nvSpPr>
-          <p:cNvPr id="12" name="PlaceHolder 4"/>
+          <p:cNvPr id="27" name="PlaceHolder 4"/>
           <p:cNvSpPr>
             <a:spLocks noGrp="1"/>
           </p:cNvSpPr>
           <p:nvPr>
-            <p:ph type="ftr" idx="8"/>
+            <p:ph type="ftr" idx="17"/>
           </p:nvPr>
         </p:nvSpPr>
         <p:spPr>
           <a:xfrm>
             <a:off x="4038480" y="6356520"/>
-            <a:ext cx="4114440" cy="364680"/>
+            <a:ext cx="4114080" cy="364320"/>
           </a:xfrm>
           <a:prstGeom prst="rect">
             <a:avLst/>
@@ -2769,7 +4372,13 @@
           </a:bodyPr>
           <a:lstStyle>
             <a:lvl1pPr indent="0" algn="ctr">
-              <a:buNone/>
+              <a:lnSpc>
+                <a:spcPct val="100000"/>
+              </a:lnSpc>
+              <a:buNone/>
+              <a:tabLst>
+                <a:tab algn="l" pos="0"/>
+              </a:tabLst>
               <a:defRPr b="0" lang="en-US" sz="1400" strike="noStrike" u="none">
                 <a:solidFill>
                   <a:srgbClr val="000000"/>
@@ -2782,7 +4391,13 @@
           </a:lstStyle>
           <a:p>
             <a:pPr indent="0" algn="ctr">
-              <a:buNone/>
+              <a:lnSpc>
+                <a:spcPct val="100000"/>
+              </a:lnSpc>
+              <a:buNone/>
+              <a:tabLst>
+                <a:tab algn="l" pos="0"/>
+              </a:tabLst>
             </a:pPr>
             <a:r>
               <a:rPr b="0" lang="en-US" sz="1400" strike="noStrike" u="none">
@@ -2808,18 +4423,18 @@
       </p:sp>
       <p:sp>
         <p:nvSpPr>
-          <p:cNvPr id="13" name="PlaceHolder 5"/>
+          <p:cNvPr id="28" name="PlaceHolder 5"/>
           <p:cNvSpPr>
             <a:spLocks noGrp="1"/>
           </p:cNvSpPr>
           <p:nvPr>
-            <p:ph type="sldNum" idx="9"/>
+            <p:ph type="sldNum" idx="18"/>
           </p:nvPr>
         </p:nvSpPr>
         <p:spPr>
           <a:xfrm>
             <a:off x="8610480" y="6356520"/>
-            <a:ext cx="2742840" cy="364680"/>
+            <a:ext cx="2742480" cy="364320"/>
           </a:xfrm>
           <a:prstGeom prst="rect">
             <a:avLst/>
@@ -2839,6 +4454,9 @@
                 <a:spcPct val="100000"/>
               </a:lnSpc>
               <a:buNone/>
+              <a:tabLst>
+                <a:tab algn="l" pos="0"/>
+              </a:tabLst>
               <a:defRPr b="0" lang="en-US" sz="1200" strike="noStrike" u="none">
                 <a:solidFill>
                   <a:schemeClr val="dk1">
@@ -2858,8 +4476,11 @@
                 <a:spcPct val="100000"/>
               </a:lnSpc>
               <a:buNone/>
-            </a:pPr>
-            <a:fld id="{116C4DD9-6077-4BE5-B28E-B3DEAC9B5B32}" type="slidenum">
+              <a:tabLst>
+                <a:tab algn="l" pos="0"/>
+              </a:tabLst>
+            </a:pPr>
+            <a:fld id="{823F1140-66FD-42CB-B588-DFDDE7FFB6EB}" type="slidenum">
               <a:rPr b="0" lang="en-US" sz="1200" strike="noStrike" u="none">
                 <a:solidFill>
                   <a:schemeClr val="dk1">
@@ -2889,7 +4510,7 @@
 </p:sldLayout>
 </file>
 
-<file path=ppt/slideLayouts/slideLayout4.xml><?xml version="1.0" encoding="utf-8"?>
+<file path=ppt/slideLayouts/slideLayout7.xml><?xml version="1.0" encoding="utf-8"?>
 <p:sldLayout xmlns:a="http://schemas.openxmlformats.org/drawingml/2006/main" xmlns:p="http://schemas.openxmlformats.org/presentationml/2006/main" xmlns:r="http://schemas.openxmlformats.org/officeDocument/2006/relationships" xmlns:p14="http://schemas.microsoft.com/office/powerpoint/2010/main" xmlns:p15="http://schemas.microsoft.com/office/powerpoint/2012/main" xmlns:mc="http://schemas.openxmlformats.org/markup-compatibility/2006" type="obj" preserve="1">
   <p:cSld name="Title and Content">
     <p:bg>
@@ -2915,7 +4536,7 @@
       </p:grpSpPr>
       <p:sp>
         <p:nvSpPr>
-          <p:cNvPr id="14" name="PlaceHolder 1"/>
+          <p:cNvPr id="29" name="PlaceHolder 1"/>
           <p:cNvSpPr>
             <a:spLocks noGrp="1"/>
           </p:cNvSpPr>
@@ -2926,7 +4547,7 @@
         <p:spPr>
           <a:xfrm>
             <a:off x="838080" y="365040"/>
-            <a:ext cx="10515240" cy="1325160"/>
+            <a:ext cx="10514880" cy="1324800"/>
           </a:xfrm>
           <a:prstGeom prst="rect">
             <a:avLst/>
@@ -2946,6 +4567,9 @@
                 <a:spcPct val="90000"/>
               </a:lnSpc>
               <a:buNone/>
+              <a:tabLst>
+                <a:tab algn="l" pos="0"/>
+              </a:tabLst>
             </a:pPr>
             <a:r>
               <a:rPr b="0" lang="en-US" sz="4400" strike="noStrike" u="none">
@@ -2961,7 +4585,7 @@
             </a:r>
             <a:endParaRPr b="0" lang="en-US" sz="4400" strike="noStrike" u="none">
               <a:solidFill>
-                <a:schemeClr val="dk1"/>
+                <a:srgbClr val="000000"/>
               </a:solidFill>
               <a:effectLst/>
               <a:uFillTx/>
@@ -2972,7 +4596,7 @@
       </p:sp>
       <p:sp>
         <p:nvSpPr>
-          <p:cNvPr id="15" name="PlaceHolder 2"/>
+          <p:cNvPr id="30" name="PlaceHolder 2"/>
           <p:cNvSpPr>
             <a:spLocks noGrp="1"/>
           </p:cNvSpPr>
@@ -2983,7 +4607,7 @@
         <p:spPr>
           <a:xfrm>
             <a:off x="838080" y="1825560"/>
-            <a:ext cx="10515240" cy="4350960"/>
+            <a:ext cx="10514880" cy="4350600"/>
           </a:xfrm>
           <a:prstGeom prst="rect">
             <a:avLst/>
@@ -3025,7 +4649,7 @@
             </a:r>
             <a:endParaRPr b="0" lang="en-US" sz="2800" strike="noStrike" u="none">
               <a:solidFill>
-                <a:schemeClr val="dk1"/>
+                <a:srgbClr val="000000"/>
               </a:solidFill>
               <a:effectLst/>
               <a:uFillTx/>
@@ -3060,7 +4684,7 @@
             </a:r>
             <a:endParaRPr b="0" lang="en-US" sz="2400" strike="noStrike" u="none">
               <a:solidFill>
-                <a:schemeClr val="dk1"/>
+                <a:srgbClr val="000000"/>
               </a:solidFill>
               <a:effectLst/>
               <a:uFillTx/>
@@ -3095,7 +4719,7 @@
             </a:r>
             <a:endParaRPr b="0" lang="en-US" sz="2000" strike="noStrike" u="none">
               <a:solidFill>
-                <a:schemeClr val="dk1"/>
+                <a:srgbClr val="000000"/>
               </a:solidFill>
               <a:effectLst/>
               <a:uFillTx/>
@@ -3130,7 +4754,7 @@
             </a:r>
             <a:endParaRPr b="0" lang="en-US" sz="1800" strike="noStrike" u="none">
               <a:solidFill>
-                <a:schemeClr val="dk1"/>
+                <a:srgbClr val="000000"/>
               </a:solidFill>
               <a:effectLst/>
               <a:uFillTx/>
@@ -3165,7 +4789,7 @@
             </a:r>
             <a:endParaRPr b="0" lang="en-US" sz="1800" strike="noStrike" u="none">
               <a:solidFill>
-                <a:schemeClr val="dk1"/>
+                <a:srgbClr val="000000"/>
               </a:solidFill>
               <a:effectLst/>
               <a:uFillTx/>
@@ -3176,18 +4800,18 @@
       </p:sp>
       <p:sp>
         <p:nvSpPr>
-          <p:cNvPr id="16" name="PlaceHolder 3"/>
+          <p:cNvPr id="31" name="PlaceHolder 3"/>
           <p:cNvSpPr>
             <a:spLocks noGrp="1"/>
           </p:cNvSpPr>
           <p:nvPr>
-            <p:ph type="dt" idx="10"/>
+            <p:ph type="dt" idx="19"/>
           </p:nvPr>
         </p:nvSpPr>
         <p:spPr>
           <a:xfrm>
             <a:off x="838080" y="6356520"/>
-            <a:ext cx="2742840" cy="364680"/>
+            <a:ext cx="2742480" cy="364320"/>
           </a:xfrm>
           <a:prstGeom prst="rect">
             <a:avLst/>
@@ -3207,6 +4831,9 @@
                 <a:spcPct val="100000"/>
               </a:lnSpc>
               <a:buNone/>
+              <a:tabLst>
+                <a:tab algn="l" pos="0"/>
+              </a:tabLst>
               <a:defRPr b="0" lang="en-US" sz="1200" strike="noStrike" u="none">
                 <a:solidFill>
                   <a:schemeClr val="dk1">
@@ -3226,6 +4853,9 @@
                 <a:spcPct val="100000"/>
               </a:lnSpc>
               <a:buNone/>
+              <a:tabLst>
+                <a:tab algn="l" pos="0"/>
+              </a:tabLst>
             </a:pPr>
             <a:r>
               <a:rPr b="0" lang="en-US" sz="1200" strike="noStrike" u="none">
@@ -3254,18 +4884,18 @@
       </p:sp>
       <p:sp>
         <p:nvSpPr>
-          <p:cNvPr id="17" name="PlaceHolder 4"/>
+          <p:cNvPr id="32" name="PlaceHolder 4"/>
           <p:cNvSpPr>
             <a:spLocks noGrp="1"/>
           </p:cNvSpPr>
           <p:nvPr>
-            <p:ph type="ftr" idx="11"/>
+            <p:ph type="ftr" idx="20"/>
           </p:nvPr>
         </p:nvSpPr>
         <p:spPr>
           <a:xfrm>
             <a:off x="4038480" y="6356520"/>
-            <a:ext cx="4114440" cy="364680"/>
+            <a:ext cx="4114080" cy="364320"/>
           </a:xfrm>
           <a:prstGeom prst="rect">
             <a:avLst/>
@@ -3281,7 +4911,13 @@
           </a:bodyPr>
           <a:lstStyle>
             <a:lvl1pPr indent="0" algn="ctr">
-              <a:buNone/>
+              <a:lnSpc>
+                <a:spcPct val="100000"/>
+              </a:lnSpc>
+              <a:buNone/>
+              <a:tabLst>
+                <a:tab algn="l" pos="0"/>
+              </a:tabLst>
               <a:defRPr b="0" lang="en-US" sz="1400" strike="noStrike" u="none">
                 <a:solidFill>
                   <a:srgbClr val="000000"/>
@@ -3294,7 +4930,13 @@
           </a:lstStyle>
           <a:p>
             <a:pPr indent="0" algn="ctr">
-              <a:buNone/>
+              <a:lnSpc>
+                <a:spcPct val="100000"/>
+              </a:lnSpc>
+              <a:buNone/>
+              <a:tabLst>
+                <a:tab algn="l" pos="0"/>
+              </a:tabLst>
             </a:pPr>
             <a:r>
               <a:rPr b="0" lang="en-US" sz="1400" strike="noStrike" u="none">
@@ -3320,18 +4962,18 @@
       </p:sp>
       <p:sp>
         <p:nvSpPr>
-          <p:cNvPr id="18" name="PlaceHolder 5"/>
+          <p:cNvPr id="33" name="PlaceHolder 5"/>
           <p:cNvSpPr>
             <a:spLocks noGrp="1"/>
           </p:cNvSpPr>
           <p:nvPr>
-            <p:ph type="sldNum" idx="12"/>
+            <p:ph type="sldNum" idx="21"/>
           </p:nvPr>
         </p:nvSpPr>
         <p:spPr>
           <a:xfrm>
             <a:off x="8610480" y="6356520"/>
-            <a:ext cx="2742840" cy="364680"/>
+            <a:ext cx="2742480" cy="364320"/>
           </a:xfrm>
           <a:prstGeom prst="rect">
             <a:avLst/>
@@ -3351,6 +4993,9 @@
                 <a:spcPct val="100000"/>
               </a:lnSpc>
               <a:buNone/>
+              <a:tabLst>
+                <a:tab algn="l" pos="0"/>
+              </a:tabLst>
               <a:defRPr b="0" lang="en-US" sz="1200" strike="noStrike" u="none">
                 <a:solidFill>
                   <a:schemeClr val="dk1">
@@ -3370,8 +5015,11 @@
                 <a:spcPct val="100000"/>
               </a:lnSpc>
               <a:buNone/>
-            </a:pPr>
-            <a:fld id="{86D1988E-B94D-4B46-9734-7AA7BF542EAB}" type="slidenum">
+              <a:tabLst>
+                <a:tab algn="l" pos="0"/>
+              </a:tabLst>
+            </a:pPr>
+            <a:fld id="{EAFDC0EA-5A75-45E5-8D60-A9D573CEEAD0}" type="slidenum">
               <a:rPr b="0" lang="en-US" sz="1200" strike="noStrike" u="none">
                 <a:solidFill>
                   <a:schemeClr val="dk1">
@@ -3401,7 +5049,7 @@
 </p:sldLayout>
 </file>
 
-<file path=ppt/slideLayouts/slideLayout5.xml><?xml version="1.0" encoding="utf-8"?>
+<file path=ppt/slideLayouts/slideLayout8.xml><?xml version="1.0" encoding="utf-8"?>
 <p:sldLayout xmlns:a="http://schemas.openxmlformats.org/drawingml/2006/main" xmlns:p="http://schemas.openxmlformats.org/presentationml/2006/main" xmlns:r="http://schemas.openxmlformats.org/officeDocument/2006/relationships" xmlns:p14="http://schemas.microsoft.com/office/powerpoint/2010/main" xmlns:p15="http://schemas.microsoft.com/office/powerpoint/2012/main" xmlns:mc="http://schemas.openxmlformats.org/markup-compatibility/2006" type="blank" preserve="1">
   <p:cSld name="Section Header">
     <p:bg>
@@ -3427,7 +5075,7 @@
       </p:grpSpPr>
       <p:sp>
         <p:nvSpPr>
-          <p:cNvPr id="19" name="PlaceHolder 1"/>
+          <p:cNvPr id="34" name="PlaceHolder 1"/>
           <p:cNvSpPr>
             <a:spLocks noGrp="1"/>
           </p:cNvSpPr>
@@ -3438,7 +5086,7 @@
         <p:spPr>
           <a:xfrm>
             <a:off x="831960" y="1709640"/>
-            <a:ext cx="10515240" cy="2852280"/>
+            <a:ext cx="10514880" cy="2851920"/>
           </a:xfrm>
           <a:prstGeom prst="rect">
             <a:avLst/>
@@ -3458,6 +5106,9 @@
                 <a:spcPct val="90000"/>
               </a:lnSpc>
               <a:buNone/>
+              <a:tabLst>
+                <a:tab algn="l" pos="0"/>
+              </a:tabLst>
             </a:pPr>
             <a:r>
               <a:rPr b="0" lang="en-US" sz="6000" strike="noStrike" u="none">
@@ -3473,7 +5124,7 @@
             </a:r>
             <a:endParaRPr b="0" lang="en-US" sz="6000" strike="noStrike" u="none">
               <a:solidFill>
-                <a:schemeClr val="dk1"/>
+                <a:srgbClr val="000000"/>
               </a:solidFill>
               <a:effectLst/>
               <a:uFillTx/>
@@ -3484,7 +5135,7 @@
       </p:sp>
       <p:sp>
         <p:nvSpPr>
-          <p:cNvPr id="20" name="PlaceHolder 2"/>
+          <p:cNvPr id="35" name="PlaceHolder 2"/>
           <p:cNvSpPr>
             <a:spLocks noGrp="1"/>
           </p:cNvSpPr>
@@ -3495,7 +5146,7 @@
         <p:spPr>
           <a:xfrm>
             <a:off x="831960" y="4589640"/>
-            <a:ext cx="10515240" cy="1499760"/>
+            <a:ext cx="10514880" cy="1499400"/>
           </a:xfrm>
           <a:prstGeom prst="rect">
             <a:avLst/>
@@ -3538,7 +5189,7 @@
             </a:r>
             <a:endParaRPr b="0" lang="en-US" sz="2400" strike="noStrike" u="none">
               <a:solidFill>
-                <a:schemeClr val="dk1"/>
+                <a:srgbClr val="000000"/>
               </a:solidFill>
               <a:effectLst/>
               <a:uFillTx/>
@@ -3549,18 +5200,18 @@
       </p:sp>
       <p:sp>
         <p:nvSpPr>
-          <p:cNvPr id="21" name="PlaceHolder 3"/>
+          <p:cNvPr id="36" name="PlaceHolder 3"/>
           <p:cNvSpPr>
             <a:spLocks noGrp="1"/>
           </p:cNvSpPr>
           <p:nvPr>
-            <p:ph type="dt" idx="13"/>
+            <p:ph type="dt" idx="22"/>
           </p:nvPr>
         </p:nvSpPr>
         <p:spPr>
           <a:xfrm>
             <a:off x="838080" y="6356520"/>
-            <a:ext cx="2742840" cy="364680"/>
+            <a:ext cx="2742480" cy="364320"/>
           </a:xfrm>
           <a:prstGeom prst="rect">
             <a:avLst/>
@@ -3580,6 +5231,9 @@
                 <a:spcPct val="100000"/>
               </a:lnSpc>
               <a:buNone/>
+              <a:tabLst>
+                <a:tab algn="l" pos="0"/>
+              </a:tabLst>
               <a:defRPr b="0" lang="en-US" sz="1200" strike="noStrike" u="none">
                 <a:solidFill>
                   <a:schemeClr val="dk1">
@@ -3599,6 +5253,9 @@
                 <a:spcPct val="100000"/>
               </a:lnSpc>
               <a:buNone/>
+              <a:tabLst>
+                <a:tab algn="l" pos="0"/>
+              </a:tabLst>
             </a:pPr>
             <a:r>
               <a:rPr b="0" lang="en-US" sz="1200" strike="noStrike" u="none">
@@ -3627,18 +5284,18 @@
       </p:sp>
       <p:sp>
         <p:nvSpPr>
-          <p:cNvPr id="22" name="PlaceHolder 4"/>
+          <p:cNvPr id="37" name="PlaceHolder 4"/>
           <p:cNvSpPr>
             <a:spLocks noGrp="1"/>
           </p:cNvSpPr>
           <p:nvPr>
-            <p:ph type="ftr" idx="14"/>
+            <p:ph type="ftr" idx="23"/>
           </p:nvPr>
         </p:nvSpPr>
         <p:spPr>
           <a:xfrm>
             <a:off x="4038480" y="6356520"/>
-            <a:ext cx="4114440" cy="364680"/>
+            <a:ext cx="4114080" cy="364320"/>
           </a:xfrm>
           <a:prstGeom prst="rect">
             <a:avLst/>
@@ -3654,7 +5311,13 @@
           </a:bodyPr>
           <a:lstStyle>
             <a:lvl1pPr indent="0" algn="ctr">
-              <a:buNone/>
+              <a:lnSpc>
+                <a:spcPct val="100000"/>
+              </a:lnSpc>
+              <a:buNone/>
+              <a:tabLst>
+                <a:tab algn="l" pos="0"/>
+              </a:tabLst>
               <a:defRPr b="0" lang="en-US" sz="1400" strike="noStrike" u="none">
                 <a:solidFill>
                   <a:srgbClr val="000000"/>
@@ -3667,7 +5330,13 @@
           </a:lstStyle>
           <a:p>
             <a:pPr indent="0" algn="ctr">
-              <a:buNone/>
+              <a:lnSpc>
+                <a:spcPct val="100000"/>
+              </a:lnSpc>
+              <a:buNone/>
+              <a:tabLst>
+                <a:tab algn="l" pos="0"/>
+              </a:tabLst>
             </a:pPr>
             <a:r>
               <a:rPr b="0" lang="en-US" sz="1400" strike="noStrike" u="none">
@@ -3693,18 +5362,18 @@
       </p:sp>
       <p:sp>
         <p:nvSpPr>
-          <p:cNvPr id="23" name="PlaceHolder 5"/>
+          <p:cNvPr id="38" name="PlaceHolder 5"/>
           <p:cNvSpPr>
             <a:spLocks noGrp="1"/>
           </p:cNvSpPr>
           <p:nvPr>
-            <p:ph type="sldNum" idx="15"/>
+            <p:ph type="sldNum" idx="24"/>
           </p:nvPr>
         </p:nvSpPr>
         <p:spPr>
           <a:xfrm>
             <a:off x="8610480" y="6356520"/>
-            <a:ext cx="2742840" cy="364680"/>
+            <a:ext cx="2742480" cy="364320"/>
           </a:xfrm>
           <a:prstGeom prst="rect">
             <a:avLst/>
@@ -3724,6 +5393,9 @@
                 <a:spcPct val="100000"/>
               </a:lnSpc>
               <a:buNone/>
+              <a:tabLst>
+                <a:tab algn="l" pos="0"/>
+              </a:tabLst>
               <a:defRPr b="0" lang="en-US" sz="1200" strike="noStrike" u="none">
                 <a:solidFill>
                   <a:schemeClr val="dk1">
@@ -3743,8 +5415,11 @@
                 <a:spcPct val="100000"/>
               </a:lnSpc>
               <a:buNone/>
-            </a:pPr>
-            <a:fld id="{7FE3B70F-C9AF-4597-8B28-F46FB76EE640}" type="slidenum">
+              <a:tabLst>
+                <a:tab algn="l" pos="0"/>
+              </a:tabLst>
+            </a:pPr>
+            <a:fld id="{21E749C1-0498-4FD2-B513-E3F417008410}" type="slidenum">
               <a:rPr b="0" lang="en-US" sz="1200" strike="noStrike" u="none">
                 <a:solidFill>
                   <a:schemeClr val="dk1">
@@ -3774,7 +5449,7 @@
 </p:sldLayout>
 </file>
 
-<file path=ppt/slideLayouts/slideLayout6.xml><?xml version="1.0" encoding="utf-8"?>
+<file path=ppt/slideLayouts/slideLayout9.xml><?xml version="1.0" encoding="utf-8"?>
 <p:sldLayout xmlns:a="http://schemas.openxmlformats.org/drawingml/2006/main" xmlns:p="http://schemas.openxmlformats.org/presentationml/2006/main" xmlns:r="http://schemas.openxmlformats.org/officeDocument/2006/relationships" xmlns:p14="http://schemas.microsoft.com/office/powerpoint/2010/main" xmlns:p15="http://schemas.microsoft.com/office/powerpoint/2012/main" xmlns:mc="http://schemas.openxmlformats.org/markup-compatibility/2006" type="twoObj" preserve="1">
   <p:cSld name="Two Content">
     <p:bg>
@@ -3800,7 +5475,7 @@
       </p:grpSpPr>
       <p:sp>
         <p:nvSpPr>
-          <p:cNvPr id="24" name="PlaceHolder 1"/>
+          <p:cNvPr id="39" name="PlaceHolder 1"/>
           <p:cNvSpPr>
             <a:spLocks noGrp="1"/>
           </p:cNvSpPr>
@@ -3811,7 +5486,7 @@
         <p:spPr>
           <a:xfrm>
             <a:off x="838080" y="365040"/>
-            <a:ext cx="10515240" cy="1325160"/>
+            <a:ext cx="10514880" cy="1324800"/>
           </a:xfrm>
           <a:prstGeom prst="rect">
             <a:avLst/>
@@ -3831,6 +5506,9 @@
                 <a:spcPct val="90000"/>
               </a:lnSpc>
               <a:buNone/>
+              <a:tabLst>
+                <a:tab algn="l" pos="0"/>
+              </a:tabLst>
             </a:pPr>
             <a:r>
               <a:rPr b="0" lang="en-US" sz="4400" strike="noStrike" u="none">
@@ -3846,7 +5524,7 @@
             </a:r>
             <a:endParaRPr b="0" lang="en-US" sz="4400" strike="noStrike" u="none">
               <a:solidFill>
-                <a:schemeClr val="dk1"/>
+                <a:srgbClr val="000000"/>
               </a:solidFill>
               <a:effectLst/>
               <a:uFillTx/>
@@ -3857,7 +5535,7 @@
       </p:sp>
       <p:sp>
         <p:nvSpPr>
-          <p:cNvPr id="25" name="PlaceHolder 2"/>
+          <p:cNvPr id="40" name="PlaceHolder 2"/>
           <p:cNvSpPr>
             <a:spLocks noGrp="1"/>
           </p:cNvSpPr>
@@ -3868,7 +5546,7 @@
         <p:spPr>
           <a:xfrm>
             <a:off x="838080" y="1825560"/>
-            <a:ext cx="5181120" cy="4350960"/>
+            <a:ext cx="5180760" cy="4350600"/>
           </a:xfrm>
           <a:prstGeom prst="rect">
             <a:avLst/>
@@ -3910,7 +5588,7 @@
             </a:r>
             <a:endParaRPr b="0" lang="en-US" sz="2800" strike="noStrike" u="none">
               <a:solidFill>
-                <a:schemeClr val="dk1"/>
+                <a:srgbClr val="000000"/>
               </a:solidFill>
               <a:effectLst/>
               <a:uFillTx/>
@@ -3945,7 +5623,7 @@
             </a:r>
             <a:endParaRPr b="0" lang="en-US" sz="2400" strike="noStrike" u="none">
               <a:solidFill>
-                <a:schemeClr val="dk1"/>
+                <a:srgbClr val="000000"/>
               </a:solidFill>
               <a:effectLst/>
               <a:uFillTx/>
@@ -3980,7 +5658,7 @@
             </a:r>
             <a:endParaRPr b="0" lang="en-US" sz="2000" strike="noStrike" u="none">
               <a:solidFill>
-                <a:schemeClr val="dk1"/>
+                <a:srgbClr val="000000"/>
               </a:solidFill>
               <a:effectLst/>
               <a:uFillTx/>
@@ -4015,7 +5693,7 @@
             </a:r>
             <a:endParaRPr b="0" lang="en-US" sz="1800" strike="noStrike" u="none">
               <a:solidFill>
-                <a:schemeClr val="dk1"/>
+                <a:srgbClr val="000000"/>
               </a:solidFill>
               <a:effectLst/>
               <a:uFillTx/>
@@ -4050,7 +5728,7 @@
             </a:r>
             <a:endParaRPr b="0" lang="en-US" sz="1800" strike="noStrike" u="none">
               <a:solidFill>
-                <a:schemeClr val="dk1"/>
+                <a:srgbClr val="000000"/>
               </a:solidFill>
               <a:effectLst/>
               <a:uFillTx/>
@@ -4061,7 +5739,7 @@
       </p:sp>
       <p:sp>
         <p:nvSpPr>
-          <p:cNvPr id="26" name="PlaceHolder 3"/>
+          <p:cNvPr id="41" name="PlaceHolder 3"/>
           <p:cNvSpPr>
             <a:spLocks noGrp="1"/>
           </p:cNvSpPr>
@@ -4072,7 +5750,7 @@
         <p:spPr>
           <a:xfrm>
             <a:off x="6172200" y="1825560"/>
-            <a:ext cx="5181120" cy="4350960"/>
+            <a:ext cx="5180760" cy="4350600"/>
           </a:xfrm>
           <a:prstGeom prst="rect">
             <a:avLst/>
@@ -4114,7 +5792,7 @@
             </a:r>
             <a:endParaRPr b="0" lang="en-US" sz="2800" strike="noStrike" u="none">
               <a:solidFill>
-                <a:schemeClr val="dk1"/>
+                <a:srgbClr val="000000"/>
               </a:solidFill>
               <a:effectLst/>
               <a:uFillTx/>
@@ -4149,7 +5827,7 @@
             </a:r>
             <a:endParaRPr b="0" lang="en-US" sz="2400" strike="noStrike" u="none">
               <a:solidFill>
-                <a:schemeClr val="dk1"/>
+                <a:srgbClr val="000000"/>
               </a:solidFill>
               <a:effectLst/>
               <a:uFillTx/>
@@ -4184,7 +5862,7 @@
             </a:r>
             <a:endParaRPr b="0" lang="en-US" sz="2000" strike="noStrike" u="none">
               <a:solidFill>
-                <a:schemeClr val="dk1"/>
+                <a:srgbClr val="000000"/>
               </a:solidFill>
               <a:effectLst/>
               <a:uFillTx/>
@@ -4219,7 +5897,7 @@
             </a:r>
             <a:endParaRPr b="0" lang="en-US" sz="1800" strike="noStrike" u="none">
               <a:solidFill>
-                <a:schemeClr val="dk1"/>
+                <a:srgbClr val="000000"/>
               </a:solidFill>
               <a:effectLst/>
               <a:uFillTx/>
@@ -4254,7 +5932,7 @@
             </a:r>
             <a:endParaRPr b="0" lang="en-US" sz="1800" strike="noStrike" u="none">
               <a:solidFill>
-                <a:schemeClr val="dk1"/>
+                <a:srgbClr val="000000"/>
               </a:solidFill>
               <a:effectLst/>
               <a:uFillTx/>
@@ -4265,1408 +5943,7 @@
       </p:sp>
       <p:sp>
         <p:nvSpPr>
-          <p:cNvPr id="27" name="PlaceHolder 4"/>
-          <p:cNvSpPr>
-            <a:spLocks noGrp="1"/>
-          </p:cNvSpPr>
-          <p:nvPr>
-            <p:ph type="dt" idx="16"/>
-          </p:nvPr>
-        </p:nvSpPr>
-        <p:spPr>
-          <a:xfrm>
-            <a:off x="838080" y="6356520"/>
-            <a:ext cx="2742840" cy="364680"/>
-          </a:xfrm>
-          <a:prstGeom prst="rect">
-            <a:avLst/>
-          </a:prstGeom>
-          <a:noFill/>
-          <a:ln w="0">
-            <a:noFill/>
-          </a:ln>
-        </p:spPr>
-        <p:txBody>
-          <a:bodyPr lIns="91440" rIns="91440" tIns="45720" bIns="45720" anchor="ctr">
-            <a:noAutofit/>
-          </a:bodyPr>
-          <a:lstStyle>
-            <a:lvl1pPr indent="0" defTabSz="914400">
-              <a:lnSpc>
-                <a:spcPct val="100000"/>
-              </a:lnSpc>
-              <a:buNone/>
-              <a:defRPr b="0" lang="en-US" sz="1200" strike="noStrike" u="none">
-                <a:solidFill>
-                  <a:schemeClr val="dk1">
-                    <a:tint val="75000"/>
-                  </a:schemeClr>
-                </a:solidFill>
-                <a:effectLst/>
-                <a:uFillTx/>
-                <a:latin typeface="Arial"/>
-                <a:ea typeface="Arial"/>
-              </a:defRPr>
-            </a:lvl1pPr>
-          </a:lstStyle>
-          <a:p>
-            <a:pPr indent="0" defTabSz="914400">
-              <a:lnSpc>
-                <a:spcPct val="100000"/>
-              </a:lnSpc>
-              <a:buNone/>
-            </a:pPr>
-            <a:r>
-              <a:rPr b="0" lang="en-US" sz="1200" strike="noStrike" u="none">
-                <a:solidFill>
-                  <a:schemeClr val="dk1">
-                    <a:tint val="75000"/>
-                  </a:schemeClr>
-                </a:solidFill>
-                <a:effectLst/>
-                <a:uFillTx/>
-                <a:latin typeface="Arial"/>
-                <a:ea typeface="Arial"/>
-              </a:rPr>
-              <a:t>&lt;date/time&gt;</a:t>
-            </a:r>
-            <a:endParaRPr b="0" lang="en-US" sz="1200" strike="noStrike" u="none">
-              <a:solidFill>
-                <a:srgbClr val="000000"/>
-              </a:solidFill>
-              <a:effectLst/>
-              <a:uFillTx/>
-              <a:latin typeface="Times New Roman"/>
-            </a:endParaRPr>
-          </a:p>
-        </p:txBody>
-      </p:sp>
-      <p:sp>
-        <p:nvSpPr>
-          <p:cNvPr id="28" name="PlaceHolder 5"/>
-          <p:cNvSpPr>
-            <a:spLocks noGrp="1"/>
-          </p:cNvSpPr>
-          <p:nvPr>
-            <p:ph type="ftr" idx="17"/>
-          </p:nvPr>
-        </p:nvSpPr>
-        <p:spPr>
-          <a:xfrm>
-            <a:off x="4038480" y="6356520"/>
-            <a:ext cx="4114440" cy="364680"/>
-          </a:xfrm>
-          <a:prstGeom prst="rect">
-            <a:avLst/>
-          </a:prstGeom>
-          <a:noFill/>
-          <a:ln w="0">
-            <a:noFill/>
-          </a:ln>
-        </p:spPr>
-        <p:txBody>
-          <a:bodyPr lIns="91440" rIns="91440" tIns="45720" bIns="45720" anchor="ctr">
-            <a:noAutofit/>
-          </a:bodyPr>
-          <a:lstStyle>
-            <a:lvl1pPr indent="0" algn="ctr">
-              <a:buNone/>
-              <a:defRPr b="0" lang="en-US" sz="1400" strike="noStrike" u="none">
-                <a:solidFill>
-                  <a:srgbClr val="000000"/>
-                </a:solidFill>
-                <a:effectLst/>
-                <a:uFillTx/>
-                <a:latin typeface="Times New Roman"/>
-              </a:defRPr>
-            </a:lvl1pPr>
-          </a:lstStyle>
-          <a:p>
-            <a:pPr indent="0" algn="ctr">
-              <a:buNone/>
-            </a:pPr>
-            <a:r>
-              <a:rPr b="0" lang="en-US" sz="1400" strike="noStrike" u="none">
-                <a:solidFill>
-                  <a:srgbClr val="000000"/>
-                </a:solidFill>
-                <a:effectLst/>
-                <a:uFillTx/>
-                <a:latin typeface="Times New Roman"/>
-              </a:rPr>
-              <a:t>&lt;footer&gt;</a:t>
-            </a:r>
-            <a:endParaRPr b="0" lang="en-US" sz="1400" strike="noStrike" u="none">
-              <a:solidFill>
-                <a:srgbClr val="000000"/>
-              </a:solidFill>
-              <a:effectLst/>
-              <a:uFillTx/>
-              <a:latin typeface="Times New Roman"/>
-            </a:endParaRPr>
-          </a:p>
-        </p:txBody>
-      </p:sp>
-      <p:sp>
-        <p:nvSpPr>
-          <p:cNvPr id="29" name="PlaceHolder 6"/>
-          <p:cNvSpPr>
-            <a:spLocks noGrp="1"/>
-          </p:cNvSpPr>
-          <p:nvPr>
-            <p:ph type="sldNum" idx="18"/>
-          </p:nvPr>
-        </p:nvSpPr>
-        <p:spPr>
-          <a:xfrm>
-            <a:off x="8610480" y="6356520"/>
-            <a:ext cx="2742840" cy="364680"/>
-          </a:xfrm>
-          <a:prstGeom prst="rect">
-            <a:avLst/>
-          </a:prstGeom>
-          <a:noFill/>
-          <a:ln w="0">
-            <a:noFill/>
-          </a:ln>
-        </p:spPr>
-        <p:txBody>
-          <a:bodyPr lIns="91440" rIns="91440" tIns="45720" bIns="45720" anchor="ctr">
-            <a:noAutofit/>
-          </a:bodyPr>
-          <a:lstStyle>
-            <a:lvl1pPr indent="0" algn="r" defTabSz="914400">
-              <a:lnSpc>
-                <a:spcPct val="100000"/>
-              </a:lnSpc>
-              <a:buNone/>
-              <a:defRPr b="0" lang="en-US" sz="1200" strike="noStrike" u="none">
-                <a:solidFill>
-                  <a:schemeClr val="dk1">
-                    <a:tint val="75000"/>
-                  </a:schemeClr>
-                </a:solidFill>
-                <a:effectLst/>
-                <a:uFillTx/>
-                <a:latin typeface="Arial"/>
-                <a:ea typeface="Arial"/>
-              </a:defRPr>
-            </a:lvl1pPr>
-          </a:lstStyle>
-          <a:p>
-            <a:pPr indent="0" algn="r" defTabSz="914400">
-              <a:lnSpc>
-                <a:spcPct val="100000"/>
-              </a:lnSpc>
-              <a:buNone/>
-            </a:pPr>
-            <a:fld id="{4429014F-372B-40B8-87D6-DD4288B3F895}" type="slidenum">
-              <a:rPr b="0" lang="en-US" sz="1200" strike="noStrike" u="none">
-                <a:solidFill>
-                  <a:schemeClr val="dk1">
-                    <a:tint val="75000"/>
-                  </a:schemeClr>
-                </a:solidFill>
-                <a:effectLst/>
-                <a:uFillTx/>
-                <a:latin typeface="Arial"/>
-                <a:ea typeface="Arial"/>
-              </a:rPr>
-              <a:t>&lt;number&gt;</a:t>
-            </a:fld>
-            <a:endParaRPr b="0" lang="en-US" sz="1200" strike="noStrike" u="none">
-              <a:solidFill>
-                <a:srgbClr val="000000"/>
-              </a:solidFill>
-              <a:effectLst/>
-              <a:uFillTx/>
-              <a:latin typeface="Times New Roman"/>
-            </a:endParaRPr>
-          </a:p>
-        </p:txBody>
-      </p:sp>
-    </p:spTree>
-  </p:cSld>
-</p:sldLayout>
-</file>
-
-<file path=ppt/slideLayouts/slideLayout7.xml><?xml version="1.0" encoding="utf-8"?>
-<p:sldLayout xmlns:a="http://schemas.openxmlformats.org/drawingml/2006/main" xmlns:p="http://schemas.openxmlformats.org/presentationml/2006/main" xmlns:r="http://schemas.openxmlformats.org/officeDocument/2006/relationships" xmlns:p14="http://schemas.microsoft.com/office/powerpoint/2010/main" xmlns:p15="http://schemas.microsoft.com/office/powerpoint/2012/main" xmlns:mc="http://schemas.openxmlformats.org/markup-compatibility/2006" type="blank" preserve="1">
-  <p:cSld name="Comparison">
-    <p:bg>
-      <p:bgPr>
-        <a:solidFill>
-          <a:srgbClr val="ffffff"/>
-        </a:solidFill>
-      </p:bgPr>
-    </p:bg>
-    <p:spTree>
-      <p:nvGrpSpPr>
-        <p:cNvPr id="1" name=""/>
-        <p:cNvGrpSpPr/>
-        <p:nvPr/>
-      </p:nvGrpSpPr>
-      <p:grpSpPr>
-        <a:xfrm>
-          <a:off x="0" y="0"/>
-          <a:ext cx="0" cy="0"/>
-          <a:chOff x="0" y="0"/>
-          <a:chExt cx="0" cy="0"/>
-        </a:xfrm>
-      </p:grpSpPr>
-      <p:sp>
-        <p:nvSpPr>
-          <p:cNvPr id="30" name="PlaceHolder 1"/>
-          <p:cNvSpPr>
-            <a:spLocks noGrp="1"/>
-          </p:cNvSpPr>
-          <p:nvPr>
-            <p:ph type="title"/>
-          </p:nvPr>
-        </p:nvSpPr>
-        <p:spPr>
-          <a:xfrm>
-            <a:off x="839880" y="365040"/>
-            <a:ext cx="10515240" cy="1325160"/>
-          </a:xfrm>
-          <a:prstGeom prst="rect">
-            <a:avLst/>
-          </a:prstGeom>
-          <a:noFill/>
-          <a:ln w="0">
-            <a:noFill/>
-          </a:ln>
-        </p:spPr>
-        <p:txBody>
-          <a:bodyPr lIns="91440" rIns="91440" tIns="45720" bIns="45720" anchor="ctr">
-            <a:noAutofit/>
-          </a:bodyPr>
-          <a:p>
-            <a:pPr indent="0" defTabSz="914400">
-              <a:lnSpc>
-                <a:spcPct val="90000"/>
-              </a:lnSpc>
-              <a:buNone/>
-            </a:pPr>
-            <a:r>
-              <a:rPr b="0" lang="en-US" sz="4400" strike="noStrike" u="none">
-                <a:solidFill>
-                  <a:schemeClr val="dk1"/>
-                </a:solidFill>
-                <a:effectLst/>
-                <a:uFillTx/>
-                <a:latin typeface="Arial"/>
-                <a:ea typeface="Arial"/>
-              </a:rPr>
-              <a:t>Click to edit Master title style</a:t>
-            </a:r>
-            <a:endParaRPr b="0" lang="en-US" sz="4400" strike="noStrike" u="none">
-              <a:solidFill>
-                <a:schemeClr val="dk1"/>
-              </a:solidFill>
-              <a:effectLst/>
-              <a:uFillTx/>
-              <a:latin typeface="Arial"/>
-            </a:endParaRPr>
-          </a:p>
-        </p:txBody>
-      </p:sp>
-      <p:sp>
-        <p:nvSpPr>
-          <p:cNvPr id="31" name="PlaceHolder 2"/>
-          <p:cNvSpPr>
-            <a:spLocks noGrp="1"/>
-          </p:cNvSpPr>
-          <p:nvPr>
-            <p:ph type="body"/>
-          </p:nvPr>
-        </p:nvSpPr>
-        <p:spPr>
-          <a:xfrm>
-            <a:off x="839880" y="1681200"/>
-            <a:ext cx="5157360" cy="823680"/>
-          </a:xfrm>
-          <a:prstGeom prst="rect">
-            <a:avLst/>
-          </a:prstGeom>
-          <a:noFill/>
-          <a:ln w="0">
-            <a:noFill/>
-          </a:ln>
-        </p:spPr>
-        <p:txBody>
-          <a:bodyPr lIns="91440" rIns="91440" tIns="45720" bIns="45720" anchor="b">
-            <a:noAutofit/>
-          </a:bodyPr>
-          <a:p>
-            <a:pPr indent="0" defTabSz="914400">
-              <a:lnSpc>
-                <a:spcPct val="90000"/>
-              </a:lnSpc>
-              <a:spcBef>
-                <a:spcPts val="1001"/>
-              </a:spcBef>
-              <a:buNone/>
-              <a:tabLst>
-                <a:tab algn="l" pos="0"/>
-              </a:tabLst>
-            </a:pPr>
-            <a:r>
-              <a:rPr b="1" lang="en-US" sz="2400" strike="noStrike" u="none">
-                <a:solidFill>
-                  <a:schemeClr val="dk1"/>
-                </a:solidFill>
-                <a:effectLst/>
-                <a:uFillTx/>
-                <a:latin typeface="Arial"/>
-                <a:ea typeface="Arial"/>
-              </a:rPr>
-              <a:t>Click to edit Master text styles</a:t>
-            </a:r>
-            <a:endParaRPr b="0" lang="en-US" sz="2400" strike="noStrike" u="none">
-              <a:solidFill>
-                <a:schemeClr val="dk1"/>
-              </a:solidFill>
-              <a:effectLst/>
-              <a:uFillTx/>
-              <a:latin typeface="Arial"/>
-            </a:endParaRPr>
-          </a:p>
-        </p:txBody>
-      </p:sp>
-      <p:sp>
-        <p:nvSpPr>
-          <p:cNvPr id="32" name="PlaceHolder 3"/>
-          <p:cNvSpPr>
-            <a:spLocks noGrp="1"/>
-          </p:cNvSpPr>
-          <p:nvPr>
-            <p:ph type="body"/>
-          </p:nvPr>
-        </p:nvSpPr>
-        <p:spPr>
-          <a:xfrm>
-            <a:off x="839880" y="2505240"/>
-            <a:ext cx="5157360" cy="3684240"/>
-          </a:xfrm>
-          <a:prstGeom prst="rect">
-            <a:avLst/>
-          </a:prstGeom>
-          <a:noFill/>
-          <a:ln w="0">
-            <a:noFill/>
-          </a:ln>
-        </p:spPr>
-        <p:txBody>
-          <a:bodyPr lIns="91440" rIns="91440" tIns="45720" bIns="45720" anchor="t">
-            <a:noAutofit/>
-          </a:bodyPr>
-          <a:p>
-            <a:pPr marL="228600" indent="-228600" defTabSz="914400">
-              <a:lnSpc>
-                <a:spcPct val="90000"/>
-              </a:lnSpc>
-              <a:spcBef>
-                <a:spcPts val="1001"/>
-              </a:spcBef>
-              <a:buClr>
-                <a:srgbClr val="000000"/>
-              </a:buClr>
-              <a:buFont typeface="Arial"/>
-              <a:buChar char="•"/>
-            </a:pPr>
-            <a:r>
-              <a:rPr b="0" lang="en-US" sz="2800" strike="noStrike" u="none">
-                <a:solidFill>
-                  <a:schemeClr val="dk1"/>
-                </a:solidFill>
-                <a:effectLst/>
-                <a:uFillTx/>
-                <a:latin typeface="Arial"/>
-                <a:ea typeface="Arial"/>
-              </a:rPr>
-              <a:t>Click to edit Master text styles</a:t>
-            </a:r>
-            <a:endParaRPr b="0" lang="en-US" sz="2800" strike="noStrike" u="none">
-              <a:solidFill>
-                <a:schemeClr val="dk1"/>
-              </a:solidFill>
-              <a:effectLst/>
-              <a:uFillTx/>
-              <a:latin typeface="Arial"/>
-            </a:endParaRPr>
-          </a:p>
-          <a:p>
-            <a:pPr lvl="1" marL="685800" indent="-228600" defTabSz="914400">
-              <a:lnSpc>
-                <a:spcPct val="90000"/>
-              </a:lnSpc>
-              <a:spcBef>
-                <a:spcPts val="499"/>
-              </a:spcBef>
-              <a:buClr>
-                <a:srgbClr val="000000"/>
-              </a:buClr>
-              <a:buFont typeface="Arial"/>
-              <a:buChar char="•"/>
-            </a:pPr>
-            <a:r>
-              <a:rPr b="0" lang="en-US" sz="2400" strike="noStrike" u="none">
-                <a:solidFill>
-                  <a:schemeClr val="dk1"/>
-                </a:solidFill>
-                <a:effectLst/>
-                <a:uFillTx/>
-                <a:latin typeface="Arial"/>
-                <a:ea typeface="Arial"/>
-              </a:rPr>
-              <a:t>Second level</a:t>
-            </a:r>
-            <a:endParaRPr b="0" lang="en-US" sz="2400" strike="noStrike" u="none">
-              <a:solidFill>
-                <a:schemeClr val="dk1"/>
-              </a:solidFill>
-              <a:effectLst/>
-              <a:uFillTx/>
-              <a:latin typeface="Arial"/>
-            </a:endParaRPr>
-          </a:p>
-          <a:p>
-            <a:pPr lvl="2" marL="1143000" indent="-228600" defTabSz="914400">
-              <a:lnSpc>
-                <a:spcPct val="90000"/>
-              </a:lnSpc>
-              <a:spcBef>
-                <a:spcPts val="499"/>
-              </a:spcBef>
-              <a:buClr>
-                <a:srgbClr val="000000"/>
-              </a:buClr>
-              <a:buFont typeface="Arial"/>
-              <a:buChar char="•"/>
-            </a:pPr>
-            <a:r>
-              <a:rPr b="0" lang="en-US" sz="2000" strike="noStrike" u="none">
-                <a:solidFill>
-                  <a:schemeClr val="dk1"/>
-                </a:solidFill>
-                <a:effectLst/>
-                <a:uFillTx/>
-                <a:latin typeface="Arial"/>
-                <a:ea typeface="Arial"/>
-              </a:rPr>
-              <a:t>Third level</a:t>
-            </a:r>
-            <a:endParaRPr b="0" lang="en-US" sz="2000" strike="noStrike" u="none">
-              <a:solidFill>
-                <a:schemeClr val="dk1"/>
-              </a:solidFill>
-              <a:effectLst/>
-              <a:uFillTx/>
-              <a:latin typeface="Arial"/>
-            </a:endParaRPr>
-          </a:p>
-          <a:p>
-            <a:pPr lvl="3" marL="1600200" indent="-228600" defTabSz="914400">
-              <a:lnSpc>
-                <a:spcPct val="90000"/>
-              </a:lnSpc>
-              <a:spcBef>
-                <a:spcPts val="499"/>
-              </a:spcBef>
-              <a:buClr>
-                <a:srgbClr val="000000"/>
-              </a:buClr>
-              <a:buFont typeface="Arial"/>
-              <a:buChar char="•"/>
-            </a:pPr>
-            <a:r>
-              <a:rPr b="0" lang="en-US" sz="1800" strike="noStrike" u="none">
-                <a:solidFill>
-                  <a:schemeClr val="dk1"/>
-                </a:solidFill>
-                <a:effectLst/>
-                <a:uFillTx/>
-                <a:latin typeface="Arial"/>
-                <a:ea typeface="Arial"/>
-              </a:rPr>
-              <a:t>Fourth level</a:t>
-            </a:r>
-            <a:endParaRPr b="0" lang="en-US" sz="1800" strike="noStrike" u="none">
-              <a:solidFill>
-                <a:schemeClr val="dk1"/>
-              </a:solidFill>
-              <a:effectLst/>
-              <a:uFillTx/>
-              <a:latin typeface="Arial"/>
-            </a:endParaRPr>
-          </a:p>
-          <a:p>
-            <a:pPr lvl="4" marL="2057400" indent="-228600" defTabSz="914400">
-              <a:lnSpc>
-                <a:spcPct val="90000"/>
-              </a:lnSpc>
-              <a:spcBef>
-                <a:spcPts val="499"/>
-              </a:spcBef>
-              <a:buClr>
-                <a:srgbClr val="000000"/>
-              </a:buClr>
-              <a:buFont typeface="Arial"/>
-              <a:buChar char="•"/>
-            </a:pPr>
-            <a:r>
-              <a:rPr b="0" lang="en-US" sz="1800" strike="noStrike" u="none">
-                <a:solidFill>
-                  <a:schemeClr val="dk1"/>
-                </a:solidFill>
-                <a:effectLst/>
-                <a:uFillTx/>
-                <a:latin typeface="Arial"/>
-                <a:ea typeface="Arial"/>
-              </a:rPr>
-              <a:t>Fifth level</a:t>
-            </a:r>
-            <a:endParaRPr b="0" lang="en-US" sz="1800" strike="noStrike" u="none">
-              <a:solidFill>
-                <a:schemeClr val="dk1"/>
-              </a:solidFill>
-              <a:effectLst/>
-              <a:uFillTx/>
-              <a:latin typeface="Arial"/>
-            </a:endParaRPr>
-          </a:p>
-        </p:txBody>
-      </p:sp>
-      <p:sp>
-        <p:nvSpPr>
-          <p:cNvPr id="33" name="PlaceHolder 4"/>
-          <p:cNvSpPr>
-            <a:spLocks noGrp="1"/>
-          </p:cNvSpPr>
-          <p:nvPr>
-            <p:ph type="body"/>
-          </p:nvPr>
-        </p:nvSpPr>
-        <p:spPr>
-          <a:xfrm>
-            <a:off x="6172200" y="1681200"/>
-            <a:ext cx="5182920" cy="823680"/>
-          </a:xfrm>
-          <a:prstGeom prst="rect">
-            <a:avLst/>
-          </a:prstGeom>
-          <a:noFill/>
-          <a:ln w="0">
-            <a:noFill/>
-          </a:ln>
-        </p:spPr>
-        <p:txBody>
-          <a:bodyPr lIns="91440" rIns="91440" tIns="45720" bIns="45720" anchor="b">
-            <a:noAutofit/>
-          </a:bodyPr>
-          <a:p>
-            <a:pPr indent="0" defTabSz="914400">
-              <a:lnSpc>
-                <a:spcPct val="90000"/>
-              </a:lnSpc>
-              <a:spcBef>
-                <a:spcPts val="1001"/>
-              </a:spcBef>
-              <a:buNone/>
-              <a:tabLst>
-                <a:tab algn="l" pos="0"/>
-              </a:tabLst>
-            </a:pPr>
-            <a:r>
-              <a:rPr b="1" lang="en-US" sz="2400" strike="noStrike" u="none">
-                <a:solidFill>
-                  <a:schemeClr val="dk1"/>
-                </a:solidFill>
-                <a:effectLst/>
-                <a:uFillTx/>
-                <a:latin typeface="Arial"/>
-                <a:ea typeface="Arial"/>
-              </a:rPr>
-              <a:t>Click to edit Master text styles</a:t>
-            </a:r>
-            <a:endParaRPr b="0" lang="en-US" sz="2400" strike="noStrike" u="none">
-              <a:solidFill>
-                <a:schemeClr val="dk1"/>
-              </a:solidFill>
-              <a:effectLst/>
-              <a:uFillTx/>
-              <a:latin typeface="Arial"/>
-            </a:endParaRPr>
-          </a:p>
-        </p:txBody>
-      </p:sp>
-      <p:sp>
-        <p:nvSpPr>
-          <p:cNvPr id="34" name="PlaceHolder 5"/>
-          <p:cNvSpPr>
-            <a:spLocks noGrp="1"/>
-          </p:cNvSpPr>
-          <p:nvPr>
-            <p:ph type="body"/>
-          </p:nvPr>
-        </p:nvSpPr>
-        <p:spPr>
-          <a:xfrm>
-            <a:off x="6172200" y="2505240"/>
-            <a:ext cx="5182920" cy="3684240"/>
-          </a:xfrm>
-          <a:prstGeom prst="rect">
-            <a:avLst/>
-          </a:prstGeom>
-          <a:noFill/>
-          <a:ln w="0">
-            <a:noFill/>
-          </a:ln>
-        </p:spPr>
-        <p:txBody>
-          <a:bodyPr lIns="91440" rIns="91440" tIns="45720" bIns="45720" anchor="t">
-            <a:noAutofit/>
-          </a:bodyPr>
-          <a:p>
-            <a:pPr marL="228600" indent="-228600" defTabSz="914400">
-              <a:lnSpc>
-                <a:spcPct val="90000"/>
-              </a:lnSpc>
-              <a:spcBef>
-                <a:spcPts val="1001"/>
-              </a:spcBef>
-              <a:buClr>
-                <a:srgbClr val="000000"/>
-              </a:buClr>
-              <a:buFont typeface="Arial"/>
-              <a:buChar char="•"/>
-            </a:pPr>
-            <a:r>
-              <a:rPr b="0" lang="en-US" sz="2800" strike="noStrike" u="none">
-                <a:solidFill>
-                  <a:schemeClr val="dk1"/>
-                </a:solidFill>
-                <a:effectLst/>
-                <a:uFillTx/>
-                <a:latin typeface="Arial"/>
-                <a:ea typeface="Arial"/>
-              </a:rPr>
-              <a:t>Click to edit Master text styles</a:t>
-            </a:r>
-            <a:endParaRPr b="0" lang="en-US" sz="2800" strike="noStrike" u="none">
-              <a:solidFill>
-                <a:schemeClr val="dk1"/>
-              </a:solidFill>
-              <a:effectLst/>
-              <a:uFillTx/>
-              <a:latin typeface="Arial"/>
-            </a:endParaRPr>
-          </a:p>
-          <a:p>
-            <a:pPr lvl="1" marL="685800" indent="-228600" defTabSz="914400">
-              <a:lnSpc>
-                <a:spcPct val="90000"/>
-              </a:lnSpc>
-              <a:spcBef>
-                <a:spcPts val="499"/>
-              </a:spcBef>
-              <a:buClr>
-                <a:srgbClr val="000000"/>
-              </a:buClr>
-              <a:buFont typeface="Arial"/>
-              <a:buChar char="•"/>
-            </a:pPr>
-            <a:r>
-              <a:rPr b="0" lang="en-US" sz="2400" strike="noStrike" u="none">
-                <a:solidFill>
-                  <a:schemeClr val="dk1"/>
-                </a:solidFill>
-                <a:effectLst/>
-                <a:uFillTx/>
-                <a:latin typeface="Arial"/>
-                <a:ea typeface="Arial"/>
-              </a:rPr>
-              <a:t>Second level</a:t>
-            </a:r>
-            <a:endParaRPr b="0" lang="en-US" sz="2400" strike="noStrike" u="none">
-              <a:solidFill>
-                <a:schemeClr val="dk1"/>
-              </a:solidFill>
-              <a:effectLst/>
-              <a:uFillTx/>
-              <a:latin typeface="Arial"/>
-            </a:endParaRPr>
-          </a:p>
-          <a:p>
-            <a:pPr lvl="2" marL="1143000" indent="-228600" defTabSz="914400">
-              <a:lnSpc>
-                <a:spcPct val="90000"/>
-              </a:lnSpc>
-              <a:spcBef>
-                <a:spcPts val="499"/>
-              </a:spcBef>
-              <a:buClr>
-                <a:srgbClr val="000000"/>
-              </a:buClr>
-              <a:buFont typeface="Arial"/>
-              <a:buChar char="•"/>
-            </a:pPr>
-            <a:r>
-              <a:rPr b="0" lang="en-US" sz="2000" strike="noStrike" u="none">
-                <a:solidFill>
-                  <a:schemeClr val="dk1"/>
-                </a:solidFill>
-                <a:effectLst/>
-                <a:uFillTx/>
-                <a:latin typeface="Arial"/>
-                <a:ea typeface="Arial"/>
-              </a:rPr>
-              <a:t>Third level</a:t>
-            </a:r>
-            <a:endParaRPr b="0" lang="en-US" sz="2000" strike="noStrike" u="none">
-              <a:solidFill>
-                <a:schemeClr val="dk1"/>
-              </a:solidFill>
-              <a:effectLst/>
-              <a:uFillTx/>
-              <a:latin typeface="Arial"/>
-            </a:endParaRPr>
-          </a:p>
-          <a:p>
-            <a:pPr lvl="3" marL="1600200" indent="-228600" defTabSz="914400">
-              <a:lnSpc>
-                <a:spcPct val="90000"/>
-              </a:lnSpc>
-              <a:spcBef>
-                <a:spcPts val="499"/>
-              </a:spcBef>
-              <a:buClr>
-                <a:srgbClr val="000000"/>
-              </a:buClr>
-              <a:buFont typeface="Arial"/>
-              <a:buChar char="•"/>
-            </a:pPr>
-            <a:r>
-              <a:rPr b="0" lang="en-US" sz="1800" strike="noStrike" u="none">
-                <a:solidFill>
-                  <a:schemeClr val="dk1"/>
-                </a:solidFill>
-                <a:effectLst/>
-                <a:uFillTx/>
-                <a:latin typeface="Arial"/>
-                <a:ea typeface="Arial"/>
-              </a:rPr>
-              <a:t>Fourth level</a:t>
-            </a:r>
-            <a:endParaRPr b="0" lang="en-US" sz="1800" strike="noStrike" u="none">
-              <a:solidFill>
-                <a:schemeClr val="dk1"/>
-              </a:solidFill>
-              <a:effectLst/>
-              <a:uFillTx/>
-              <a:latin typeface="Arial"/>
-            </a:endParaRPr>
-          </a:p>
-          <a:p>
-            <a:pPr lvl="4" marL="2057400" indent="-228600" defTabSz="914400">
-              <a:lnSpc>
-                <a:spcPct val="90000"/>
-              </a:lnSpc>
-              <a:spcBef>
-                <a:spcPts val="499"/>
-              </a:spcBef>
-              <a:buClr>
-                <a:srgbClr val="000000"/>
-              </a:buClr>
-              <a:buFont typeface="Arial"/>
-              <a:buChar char="•"/>
-            </a:pPr>
-            <a:r>
-              <a:rPr b="0" lang="en-US" sz="1800" strike="noStrike" u="none">
-                <a:solidFill>
-                  <a:schemeClr val="dk1"/>
-                </a:solidFill>
-                <a:effectLst/>
-                <a:uFillTx/>
-                <a:latin typeface="Arial"/>
-                <a:ea typeface="Arial"/>
-              </a:rPr>
-              <a:t>Fifth level</a:t>
-            </a:r>
-            <a:endParaRPr b="0" lang="en-US" sz="1800" strike="noStrike" u="none">
-              <a:solidFill>
-                <a:schemeClr val="dk1"/>
-              </a:solidFill>
-              <a:effectLst/>
-              <a:uFillTx/>
-              <a:latin typeface="Arial"/>
-            </a:endParaRPr>
-          </a:p>
-        </p:txBody>
-      </p:sp>
-      <p:sp>
-        <p:nvSpPr>
-          <p:cNvPr id="35" name="PlaceHolder 6"/>
-          <p:cNvSpPr>
-            <a:spLocks noGrp="1"/>
-          </p:cNvSpPr>
-          <p:nvPr>
-            <p:ph type="dt" idx="19"/>
-          </p:nvPr>
-        </p:nvSpPr>
-        <p:spPr>
-          <a:xfrm>
-            <a:off x="838080" y="6356520"/>
-            <a:ext cx="2742840" cy="364680"/>
-          </a:xfrm>
-          <a:prstGeom prst="rect">
-            <a:avLst/>
-          </a:prstGeom>
-          <a:noFill/>
-          <a:ln w="0">
-            <a:noFill/>
-          </a:ln>
-        </p:spPr>
-        <p:txBody>
-          <a:bodyPr lIns="91440" rIns="91440" tIns="45720" bIns="45720" anchor="ctr">
-            <a:noAutofit/>
-          </a:bodyPr>
-          <a:lstStyle>
-            <a:lvl1pPr indent="0" defTabSz="914400">
-              <a:lnSpc>
-                <a:spcPct val="100000"/>
-              </a:lnSpc>
-              <a:buNone/>
-              <a:defRPr b="0" lang="en-US" sz="1200" strike="noStrike" u="none">
-                <a:solidFill>
-                  <a:schemeClr val="dk1">
-                    <a:tint val="75000"/>
-                  </a:schemeClr>
-                </a:solidFill>
-                <a:effectLst/>
-                <a:uFillTx/>
-                <a:latin typeface="Arial"/>
-                <a:ea typeface="Arial"/>
-              </a:defRPr>
-            </a:lvl1pPr>
-          </a:lstStyle>
-          <a:p>
-            <a:pPr indent="0" defTabSz="914400">
-              <a:lnSpc>
-                <a:spcPct val="100000"/>
-              </a:lnSpc>
-              <a:buNone/>
-            </a:pPr>
-            <a:r>
-              <a:rPr b="0" lang="en-US" sz="1200" strike="noStrike" u="none">
-                <a:solidFill>
-                  <a:schemeClr val="dk1">
-                    <a:tint val="75000"/>
-                  </a:schemeClr>
-                </a:solidFill>
-                <a:effectLst/>
-                <a:uFillTx/>
-                <a:latin typeface="Arial"/>
-                <a:ea typeface="Arial"/>
-              </a:rPr>
-              <a:t>&lt;date/time&gt;</a:t>
-            </a:r>
-            <a:endParaRPr b="0" lang="en-US" sz="1200" strike="noStrike" u="none">
-              <a:solidFill>
-                <a:srgbClr val="000000"/>
-              </a:solidFill>
-              <a:effectLst/>
-              <a:uFillTx/>
-              <a:latin typeface="Times New Roman"/>
-            </a:endParaRPr>
-          </a:p>
-        </p:txBody>
-      </p:sp>
-      <p:sp>
-        <p:nvSpPr>
-          <p:cNvPr id="36" name="PlaceHolder 7"/>
-          <p:cNvSpPr>
-            <a:spLocks noGrp="1"/>
-          </p:cNvSpPr>
-          <p:nvPr>
-            <p:ph type="ftr" idx="20"/>
-          </p:nvPr>
-        </p:nvSpPr>
-        <p:spPr>
-          <a:xfrm>
-            <a:off x="4038480" y="6356520"/>
-            <a:ext cx="4114440" cy="364680"/>
-          </a:xfrm>
-          <a:prstGeom prst="rect">
-            <a:avLst/>
-          </a:prstGeom>
-          <a:noFill/>
-          <a:ln w="0">
-            <a:noFill/>
-          </a:ln>
-        </p:spPr>
-        <p:txBody>
-          <a:bodyPr lIns="91440" rIns="91440" tIns="45720" bIns="45720" anchor="ctr">
-            <a:noAutofit/>
-          </a:bodyPr>
-          <a:lstStyle>
-            <a:lvl1pPr indent="0" algn="ctr">
-              <a:buNone/>
-              <a:defRPr b="0" lang="en-US" sz="1400" strike="noStrike" u="none">
-                <a:solidFill>
-                  <a:srgbClr val="000000"/>
-                </a:solidFill>
-                <a:effectLst/>
-                <a:uFillTx/>
-                <a:latin typeface="Times New Roman"/>
-              </a:defRPr>
-            </a:lvl1pPr>
-          </a:lstStyle>
-          <a:p>
-            <a:pPr indent="0" algn="ctr">
-              <a:buNone/>
-            </a:pPr>
-            <a:r>
-              <a:rPr b="0" lang="en-US" sz="1400" strike="noStrike" u="none">
-                <a:solidFill>
-                  <a:srgbClr val="000000"/>
-                </a:solidFill>
-                <a:effectLst/>
-                <a:uFillTx/>
-                <a:latin typeface="Times New Roman"/>
-              </a:rPr>
-              <a:t>&lt;footer&gt;</a:t>
-            </a:r>
-            <a:endParaRPr b="0" lang="en-US" sz="1400" strike="noStrike" u="none">
-              <a:solidFill>
-                <a:srgbClr val="000000"/>
-              </a:solidFill>
-              <a:effectLst/>
-              <a:uFillTx/>
-              <a:latin typeface="Times New Roman"/>
-            </a:endParaRPr>
-          </a:p>
-        </p:txBody>
-      </p:sp>
-      <p:sp>
-        <p:nvSpPr>
-          <p:cNvPr id="37" name="PlaceHolder 8"/>
-          <p:cNvSpPr>
-            <a:spLocks noGrp="1"/>
-          </p:cNvSpPr>
-          <p:nvPr>
-            <p:ph type="sldNum" idx="21"/>
-          </p:nvPr>
-        </p:nvSpPr>
-        <p:spPr>
-          <a:xfrm>
-            <a:off x="8610480" y="6356520"/>
-            <a:ext cx="2742840" cy="364680"/>
-          </a:xfrm>
-          <a:prstGeom prst="rect">
-            <a:avLst/>
-          </a:prstGeom>
-          <a:noFill/>
-          <a:ln w="0">
-            <a:noFill/>
-          </a:ln>
-        </p:spPr>
-        <p:txBody>
-          <a:bodyPr lIns="91440" rIns="91440" tIns="45720" bIns="45720" anchor="ctr">
-            <a:noAutofit/>
-          </a:bodyPr>
-          <a:lstStyle>
-            <a:lvl1pPr indent="0" algn="r" defTabSz="914400">
-              <a:lnSpc>
-                <a:spcPct val="100000"/>
-              </a:lnSpc>
-              <a:buNone/>
-              <a:defRPr b="0" lang="en-US" sz="1200" strike="noStrike" u="none">
-                <a:solidFill>
-                  <a:schemeClr val="dk1">
-                    <a:tint val="75000"/>
-                  </a:schemeClr>
-                </a:solidFill>
-                <a:effectLst/>
-                <a:uFillTx/>
-                <a:latin typeface="Arial"/>
-                <a:ea typeface="Arial"/>
-              </a:defRPr>
-            </a:lvl1pPr>
-          </a:lstStyle>
-          <a:p>
-            <a:pPr indent="0" algn="r" defTabSz="914400">
-              <a:lnSpc>
-                <a:spcPct val="100000"/>
-              </a:lnSpc>
-              <a:buNone/>
-            </a:pPr>
-            <a:fld id="{FAEBE6AD-1755-4172-8588-0CD852640B91}" type="slidenum">
-              <a:rPr b="0" lang="en-US" sz="1200" strike="noStrike" u="none">
-                <a:solidFill>
-                  <a:schemeClr val="dk1">
-                    <a:tint val="75000"/>
-                  </a:schemeClr>
-                </a:solidFill>
-                <a:effectLst/>
-                <a:uFillTx/>
-                <a:latin typeface="Arial"/>
-                <a:ea typeface="Arial"/>
-              </a:rPr>
-              <a:t>&lt;number&gt;</a:t>
-            </a:fld>
-            <a:endParaRPr b="0" lang="en-US" sz="1200" strike="noStrike" u="none">
-              <a:solidFill>
-                <a:srgbClr val="000000"/>
-              </a:solidFill>
-              <a:effectLst/>
-              <a:uFillTx/>
-              <a:latin typeface="Times New Roman"/>
-            </a:endParaRPr>
-          </a:p>
-        </p:txBody>
-      </p:sp>
-    </p:spTree>
-  </p:cSld>
-</p:sldLayout>
-</file>
-
-<file path=ppt/slideLayouts/slideLayout8.xml><?xml version="1.0" encoding="utf-8"?>
-<p:sldLayout xmlns:a="http://schemas.openxmlformats.org/drawingml/2006/main" xmlns:p="http://schemas.openxmlformats.org/presentationml/2006/main" xmlns:r="http://schemas.openxmlformats.org/officeDocument/2006/relationships" xmlns:p14="http://schemas.microsoft.com/office/powerpoint/2010/main" xmlns:p15="http://schemas.microsoft.com/office/powerpoint/2012/main" xmlns:mc="http://schemas.openxmlformats.org/markup-compatibility/2006" type="titleOnly" preserve="1">
-  <p:cSld name="Title Only">
-    <p:bg>
-      <p:bgPr>
-        <a:solidFill>
-          <a:srgbClr val="ffffff"/>
-        </a:solidFill>
-      </p:bgPr>
-    </p:bg>
-    <p:spTree>
-      <p:nvGrpSpPr>
-        <p:cNvPr id="1" name=""/>
-        <p:cNvGrpSpPr/>
-        <p:nvPr/>
-      </p:nvGrpSpPr>
-      <p:grpSpPr>
-        <a:xfrm>
-          <a:off x="0" y="0"/>
-          <a:ext cx="0" cy="0"/>
-          <a:chOff x="0" y="0"/>
-          <a:chExt cx="0" cy="0"/>
-        </a:xfrm>
-      </p:grpSpPr>
-      <p:sp>
-        <p:nvSpPr>
-          <p:cNvPr id="38" name="PlaceHolder 1"/>
-          <p:cNvSpPr>
-            <a:spLocks noGrp="1"/>
-          </p:cNvSpPr>
-          <p:nvPr>
-            <p:ph type="title"/>
-          </p:nvPr>
-        </p:nvSpPr>
-        <p:spPr>
-          <a:xfrm>
-            <a:off x="838080" y="365040"/>
-            <a:ext cx="10515240" cy="1325160"/>
-          </a:xfrm>
-          <a:prstGeom prst="rect">
-            <a:avLst/>
-          </a:prstGeom>
-          <a:noFill/>
-          <a:ln w="0">
-            <a:noFill/>
-          </a:ln>
-        </p:spPr>
-        <p:txBody>
-          <a:bodyPr lIns="91440" rIns="91440" tIns="45720" bIns="45720" anchor="ctr">
-            <a:noAutofit/>
-          </a:bodyPr>
-          <a:p>
-            <a:pPr indent="0" defTabSz="914400">
-              <a:lnSpc>
-                <a:spcPct val="90000"/>
-              </a:lnSpc>
-              <a:buNone/>
-            </a:pPr>
-            <a:r>
-              <a:rPr b="0" lang="en-US" sz="4400" strike="noStrike" u="none">
-                <a:solidFill>
-                  <a:schemeClr val="dk1"/>
-                </a:solidFill>
-                <a:effectLst/>
-                <a:uFillTx/>
-                <a:latin typeface="Arial"/>
-                <a:ea typeface="Arial"/>
-              </a:rPr>
-              <a:t>Click to edit Master title style</a:t>
-            </a:r>
-            <a:endParaRPr b="0" lang="en-US" sz="4400" strike="noStrike" u="none">
-              <a:solidFill>
-                <a:schemeClr val="dk1"/>
-              </a:solidFill>
-              <a:effectLst/>
-              <a:uFillTx/>
-              <a:latin typeface="Arial"/>
-            </a:endParaRPr>
-          </a:p>
-        </p:txBody>
-      </p:sp>
-      <p:sp>
-        <p:nvSpPr>
-          <p:cNvPr id="39" name="PlaceHolder 2"/>
-          <p:cNvSpPr>
-            <a:spLocks noGrp="1"/>
-          </p:cNvSpPr>
-          <p:nvPr>
-            <p:ph type="dt" idx="22"/>
-          </p:nvPr>
-        </p:nvSpPr>
-        <p:spPr>
-          <a:xfrm>
-            <a:off x="838080" y="6356520"/>
-            <a:ext cx="2742840" cy="364680"/>
-          </a:xfrm>
-          <a:prstGeom prst="rect">
-            <a:avLst/>
-          </a:prstGeom>
-          <a:noFill/>
-          <a:ln w="0">
-            <a:noFill/>
-          </a:ln>
-        </p:spPr>
-        <p:txBody>
-          <a:bodyPr lIns="91440" rIns="91440" tIns="45720" bIns="45720" anchor="ctr">
-            <a:noAutofit/>
-          </a:bodyPr>
-          <a:lstStyle>
-            <a:lvl1pPr indent="0" defTabSz="914400">
-              <a:lnSpc>
-                <a:spcPct val="100000"/>
-              </a:lnSpc>
-              <a:buNone/>
-              <a:defRPr b="0" lang="en-US" sz="1200" strike="noStrike" u="none">
-                <a:solidFill>
-                  <a:schemeClr val="dk1">
-                    <a:tint val="75000"/>
-                  </a:schemeClr>
-                </a:solidFill>
-                <a:effectLst/>
-                <a:uFillTx/>
-                <a:latin typeface="Arial"/>
-                <a:ea typeface="Arial"/>
-              </a:defRPr>
-            </a:lvl1pPr>
-          </a:lstStyle>
-          <a:p>
-            <a:pPr indent="0" defTabSz="914400">
-              <a:lnSpc>
-                <a:spcPct val="100000"/>
-              </a:lnSpc>
-              <a:buNone/>
-            </a:pPr>
-            <a:r>
-              <a:rPr b="0" lang="en-US" sz="1200" strike="noStrike" u="none">
-                <a:solidFill>
-                  <a:schemeClr val="dk1">
-                    <a:tint val="75000"/>
-                  </a:schemeClr>
-                </a:solidFill>
-                <a:effectLst/>
-                <a:uFillTx/>
-                <a:latin typeface="Arial"/>
-                <a:ea typeface="Arial"/>
-              </a:rPr>
-              <a:t>&lt;date/time&gt;</a:t>
-            </a:r>
-            <a:endParaRPr b="0" lang="en-US" sz="1200" strike="noStrike" u="none">
-              <a:solidFill>
-                <a:srgbClr val="000000"/>
-              </a:solidFill>
-              <a:effectLst/>
-              <a:uFillTx/>
-              <a:latin typeface="Times New Roman"/>
-            </a:endParaRPr>
-          </a:p>
-        </p:txBody>
-      </p:sp>
-      <p:sp>
-        <p:nvSpPr>
-          <p:cNvPr id="40" name="PlaceHolder 3"/>
-          <p:cNvSpPr>
-            <a:spLocks noGrp="1"/>
-          </p:cNvSpPr>
-          <p:nvPr>
-            <p:ph type="ftr" idx="23"/>
-          </p:nvPr>
-        </p:nvSpPr>
-        <p:spPr>
-          <a:xfrm>
-            <a:off x="4038480" y="6356520"/>
-            <a:ext cx="4114440" cy="364680"/>
-          </a:xfrm>
-          <a:prstGeom prst="rect">
-            <a:avLst/>
-          </a:prstGeom>
-          <a:noFill/>
-          <a:ln w="0">
-            <a:noFill/>
-          </a:ln>
-        </p:spPr>
-        <p:txBody>
-          <a:bodyPr lIns="91440" rIns="91440" tIns="45720" bIns="45720" anchor="ctr">
-            <a:noAutofit/>
-          </a:bodyPr>
-          <a:lstStyle>
-            <a:lvl1pPr indent="0" algn="ctr">
-              <a:buNone/>
-              <a:defRPr b="0" lang="en-US" sz="1400" strike="noStrike" u="none">
-                <a:solidFill>
-                  <a:srgbClr val="000000"/>
-                </a:solidFill>
-                <a:effectLst/>
-                <a:uFillTx/>
-                <a:latin typeface="Times New Roman"/>
-              </a:defRPr>
-            </a:lvl1pPr>
-          </a:lstStyle>
-          <a:p>
-            <a:pPr indent="0" algn="ctr">
-              <a:buNone/>
-            </a:pPr>
-            <a:r>
-              <a:rPr b="0" lang="en-US" sz="1400" strike="noStrike" u="none">
-                <a:solidFill>
-                  <a:srgbClr val="000000"/>
-                </a:solidFill>
-                <a:effectLst/>
-                <a:uFillTx/>
-                <a:latin typeface="Times New Roman"/>
-              </a:rPr>
-              <a:t>&lt;footer&gt;</a:t>
-            </a:r>
-            <a:endParaRPr b="0" lang="en-US" sz="1400" strike="noStrike" u="none">
-              <a:solidFill>
-                <a:srgbClr val="000000"/>
-              </a:solidFill>
-              <a:effectLst/>
-              <a:uFillTx/>
-              <a:latin typeface="Times New Roman"/>
-            </a:endParaRPr>
-          </a:p>
-        </p:txBody>
-      </p:sp>
-      <p:sp>
-        <p:nvSpPr>
-          <p:cNvPr id="41" name="PlaceHolder 4"/>
-          <p:cNvSpPr>
-            <a:spLocks noGrp="1"/>
-          </p:cNvSpPr>
-          <p:nvPr>
-            <p:ph type="sldNum" idx="24"/>
-          </p:nvPr>
-        </p:nvSpPr>
-        <p:spPr>
-          <a:xfrm>
-            <a:off x="8610480" y="6356520"/>
-            <a:ext cx="2742840" cy="364680"/>
-          </a:xfrm>
-          <a:prstGeom prst="rect">
-            <a:avLst/>
-          </a:prstGeom>
-          <a:noFill/>
-          <a:ln w="0">
-            <a:noFill/>
-          </a:ln>
-        </p:spPr>
-        <p:txBody>
-          <a:bodyPr lIns="91440" rIns="91440" tIns="45720" bIns="45720" anchor="ctr">
-            <a:noAutofit/>
-          </a:bodyPr>
-          <a:lstStyle>
-            <a:lvl1pPr indent="0" algn="r" defTabSz="914400">
-              <a:lnSpc>
-                <a:spcPct val="100000"/>
-              </a:lnSpc>
-              <a:buNone/>
-              <a:defRPr b="0" lang="en-US" sz="1200" strike="noStrike" u="none">
-                <a:solidFill>
-                  <a:schemeClr val="dk1">
-                    <a:tint val="75000"/>
-                  </a:schemeClr>
-                </a:solidFill>
-                <a:effectLst/>
-                <a:uFillTx/>
-                <a:latin typeface="Arial"/>
-                <a:ea typeface="Arial"/>
-              </a:defRPr>
-            </a:lvl1pPr>
-          </a:lstStyle>
-          <a:p>
-            <a:pPr indent="0" algn="r" defTabSz="914400">
-              <a:lnSpc>
-                <a:spcPct val="100000"/>
-              </a:lnSpc>
-              <a:buNone/>
-            </a:pPr>
-            <a:fld id="{E3A4B3FC-7DD8-4961-A5F5-464F44BFC6FD}" type="slidenum">
-              <a:rPr b="0" lang="en-US" sz="1200" strike="noStrike" u="none">
-                <a:solidFill>
-                  <a:schemeClr val="dk1">
-                    <a:tint val="75000"/>
-                  </a:schemeClr>
-                </a:solidFill>
-                <a:effectLst/>
-                <a:uFillTx/>
-                <a:latin typeface="Arial"/>
-                <a:ea typeface="Arial"/>
-              </a:rPr>
-              <a:t>&lt;number&gt;</a:t>
-            </a:fld>
-            <a:endParaRPr b="0" lang="en-US" sz="1200" strike="noStrike" u="none">
-              <a:solidFill>
-                <a:srgbClr val="000000"/>
-              </a:solidFill>
-              <a:effectLst/>
-              <a:uFillTx/>
-              <a:latin typeface="Times New Roman"/>
-            </a:endParaRPr>
-          </a:p>
-        </p:txBody>
-      </p:sp>
-    </p:spTree>
-  </p:cSld>
-</p:sldLayout>
-</file>
-
-<file path=ppt/slideLayouts/slideLayout9.xml><?xml version="1.0" encoding="utf-8"?>
-<p:sldLayout xmlns:a="http://schemas.openxmlformats.org/drawingml/2006/main" xmlns:p="http://schemas.openxmlformats.org/presentationml/2006/main" xmlns:r="http://schemas.openxmlformats.org/officeDocument/2006/relationships" xmlns:p14="http://schemas.microsoft.com/office/powerpoint/2010/main" xmlns:p15="http://schemas.microsoft.com/office/powerpoint/2012/main" xmlns:mc="http://schemas.openxmlformats.org/markup-compatibility/2006" type="blank" preserve="1">
-  <p:cSld name="Blank">
-    <p:bg>
-      <p:bgPr>
-        <a:solidFill>
-          <a:srgbClr val="ffffff"/>
-        </a:solidFill>
-      </p:bgPr>
-    </p:bg>
-    <p:spTree>
-      <p:nvGrpSpPr>
-        <p:cNvPr id="1" name=""/>
-        <p:cNvGrpSpPr/>
-        <p:nvPr/>
-      </p:nvGrpSpPr>
-      <p:grpSpPr>
-        <a:xfrm>
-          <a:off x="0" y="0"/>
-          <a:ext cx="0" cy="0"/>
-          <a:chOff x="0" y="0"/>
-          <a:chExt cx="0" cy="0"/>
-        </a:xfrm>
-      </p:grpSpPr>
-      <p:sp>
-        <p:nvSpPr>
-          <p:cNvPr id="42" name="PlaceHolder 1"/>
+          <p:cNvPr id="42" name="PlaceHolder 4"/>
           <p:cNvSpPr>
             <a:spLocks noGrp="1"/>
           </p:cNvSpPr>
@@ -5677,7 +5954,7 @@
         <p:spPr>
           <a:xfrm>
             <a:off x="838080" y="6356520"/>
-            <a:ext cx="2742840" cy="364680"/>
+            <a:ext cx="2742480" cy="364320"/>
           </a:xfrm>
           <a:prstGeom prst="rect">
             <a:avLst/>
@@ -5697,6 +5974,9 @@
                 <a:spcPct val="100000"/>
               </a:lnSpc>
               <a:buNone/>
+              <a:tabLst>
+                <a:tab algn="l" pos="0"/>
+              </a:tabLst>
               <a:defRPr b="0" lang="en-US" sz="1200" strike="noStrike" u="none">
                 <a:solidFill>
                   <a:schemeClr val="dk1">
@@ -5716,6 +5996,9 @@
                 <a:spcPct val="100000"/>
               </a:lnSpc>
               <a:buNone/>
+              <a:tabLst>
+                <a:tab algn="l" pos="0"/>
+              </a:tabLst>
             </a:pPr>
             <a:r>
               <a:rPr b="0" lang="en-US" sz="1200" strike="noStrike" u="none">
@@ -5744,7 +6027,7 @@
       </p:sp>
       <p:sp>
         <p:nvSpPr>
-          <p:cNvPr id="43" name="PlaceHolder 2"/>
+          <p:cNvPr id="43" name="PlaceHolder 5"/>
           <p:cNvSpPr>
             <a:spLocks noGrp="1"/>
           </p:cNvSpPr>
@@ -5755,7 +6038,7 @@
         <p:spPr>
           <a:xfrm>
             <a:off x="4038480" y="6356520"/>
-            <a:ext cx="4114440" cy="364680"/>
+            <a:ext cx="4114080" cy="364320"/>
           </a:xfrm>
           <a:prstGeom prst="rect">
             <a:avLst/>
@@ -5771,7 +6054,13 @@
           </a:bodyPr>
           <a:lstStyle>
             <a:lvl1pPr indent="0" algn="ctr">
-              <a:buNone/>
+              <a:lnSpc>
+                <a:spcPct val="100000"/>
+              </a:lnSpc>
+              <a:buNone/>
+              <a:tabLst>
+                <a:tab algn="l" pos="0"/>
+              </a:tabLst>
               <a:defRPr b="0" lang="en-US" sz="1400" strike="noStrike" u="none">
                 <a:solidFill>
                   <a:srgbClr val="000000"/>
@@ -5784,7 +6073,13 @@
           </a:lstStyle>
           <a:p>
             <a:pPr indent="0" algn="ctr">
-              <a:buNone/>
+              <a:lnSpc>
+                <a:spcPct val="100000"/>
+              </a:lnSpc>
+              <a:buNone/>
+              <a:tabLst>
+                <a:tab algn="l" pos="0"/>
+              </a:tabLst>
             </a:pPr>
             <a:r>
               <a:rPr b="0" lang="en-US" sz="1400" strike="noStrike" u="none">
@@ -5810,7 +6105,7 @@
       </p:sp>
       <p:sp>
         <p:nvSpPr>
-          <p:cNvPr id="44" name="PlaceHolder 3"/>
+          <p:cNvPr id="44" name="PlaceHolder 6"/>
           <p:cNvSpPr>
             <a:spLocks noGrp="1"/>
           </p:cNvSpPr>
@@ -5821,7 +6116,7 @@
         <p:spPr>
           <a:xfrm>
             <a:off x="8610480" y="6356520"/>
-            <a:ext cx="2742840" cy="364680"/>
+            <a:ext cx="2742480" cy="364320"/>
           </a:xfrm>
           <a:prstGeom prst="rect">
             <a:avLst/>
@@ -5841,6 +6136,9 @@
                 <a:spcPct val="100000"/>
               </a:lnSpc>
               <a:buNone/>
+              <a:tabLst>
+                <a:tab algn="l" pos="0"/>
+              </a:tabLst>
               <a:defRPr b="0" lang="en-US" sz="1200" strike="noStrike" u="none">
                 <a:solidFill>
                   <a:schemeClr val="dk1">
@@ -5860,8 +6158,11 @@
                 <a:spcPct val="100000"/>
               </a:lnSpc>
               <a:buNone/>
-            </a:pPr>
-            <a:fld id="{8B83F22C-6F24-4384-AAF0-56467ECADF40}" type="slidenum">
+              <a:tabLst>
+                <a:tab algn="l" pos="0"/>
+              </a:tabLst>
+            </a:pPr>
+            <a:fld id="{90B87A0E-2934-49C0-B04F-670D6AB79833}" type="slidenum">
               <a:rPr b="0" lang="en-US" sz="1200" strike="noStrike" u="none">
                 <a:solidFill>
                   <a:schemeClr val="dk1">
@@ -5960,7 +6261,7 @@
         <p:spPr>
           <a:xfrm>
             <a:off x="1003320" y="1634400"/>
-            <a:ext cx="10185120" cy="4393440"/>
+            <a:ext cx="10184760" cy="4393080"/>
           </a:xfrm>
           <a:prstGeom prst="roundRect">
             <a:avLst>
@@ -5976,7 +6277,7 @@
             <a:noFill/>
           </a:ln>
           <a:effectLst>
-            <a:outerShdw algn="t" blurRad="1270080" dir="7197520" dist="418843" rotWithShape="0" sx="96000" sy="96000">
+            <a:outerShdw algn="t" blurRad="1270080" dir="7196434" dist="418351" rotWithShape="0" sx="96000" sy="96000">
               <a:schemeClr val="tx1">
                 <a:alpha val="15000"/>
               </a:schemeClr>
@@ -6028,7 +6329,7 @@
         <p:spPr>
           <a:xfrm>
             <a:off x="132120" y="510840"/>
-            <a:ext cx="5123160" cy="707400"/>
+            <a:ext cx="5122800" cy="707040"/>
           </a:xfrm>
           <a:prstGeom prst="rect">
             <a:avLst/>
@@ -6098,7 +6399,7 @@
         <p:spPr>
           <a:xfrm>
             <a:off x="1352520" y="1880640"/>
-            <a:ext cx="2643840" cy="384120"/>
+            <a:ext cx="2643480" cy="383760"/>
           </a:xfrm>
           <a:prstGeom prst="rect">
             <a:avLst/>
@@ -6159,7 +6460,7 @@
         <p:spPr>
           <a:xfrm>
             <a:off x="1352520" y="2270160"/>
-            <a:ext cx="2640600" cy="1777680"/>
+            <a:ext cx="2640240" cy="3362040"/>
           </a:xfrm>
           <a:prstGeom prst="rect">
             <a:avLst/>
@@ -6203,7 +6504,19 @@
                 <a:latin typeface="Arial"/>
                 <a:ea typeface="Arial"/>
               </a:rPr>
-              <a:t>Setup basic calculator MCP server in local with basic mathematics operations  </a:t>
+              <a:t>Setup basic calculator MCP server in local with basic mathematics operations, and c</a:t>
+            </a:r>
+            <a:r>
+              <a:rPr b="0" lang="en-US" sz="1400" strike="noStrike" u="none">
+                <a:solidFill>
+                  <a:schemeClr val="lt1"/>
+                </a:solidFill>
+                <a:effectLst/>
+                <a:uFillTx/>
+                <a:latin typeface="Arial"/>
+                <a:ea typeface="Arial"/>
+              </a:rPr>
+              <a:t>onnect with csv file to demonstrate the database behavior </a:t>
             </a:r>
             <a:endParaRPr b="0" lang="en-US" sz="1400" strike="noStrike" u="none">
               <a:solidFill>
@@ -6238,7 +6551,77 @@
                 <a:latin typeface="Arial"/>
                 <a:ea typeface="Arial"/>
               </a:rPr>
-              <a:t>Connect MCP serve with csv file to demonstrate the database behavior  </a:t>
+              <a:t>  Read the redox api format and have a very simple version of mcp for it</a:t>
+            </a:r>
+            <a:endParaRPr b="0" lang="en-US" sz="1400" strike="noStrike" u="none">
+              <a:solidFill>
+                <a:srgbClr val="ffffff"/>
+              </a:solidFill>
+              <a:effectLst/>
+              <a:uFillTx/>
+              <a:latin typeface="Arial"/>
+            </a:endParaRPr>
+          </a:p>
+          <a:p>
+            <a:pPr marL="239760" indent="-239760" defTabSz="914400">
+              <a:lnSpc>
+                <a:spcPct val="120000"/>
+              </a:lnSpc>
+              <a:spcBef>
+                <a:spcPts val="1199"/>
+              </a:spcBef>
+              <a:buClr>
+                <a:srgbClr val="ffffff"/>
+              </a:buClr>
+              <a:buFont typeface="Wingdings" charset="2"/>
+              <a:buChar char=""/>
+            </a:pPr>
+            <a:r>
+              <a:rPr b="0" lang="en-US" sz="1400" strike="noStrike" u="none">
+                <a:solidFill>
+                  <a:schemeClr val="lt1"/>
+                </a:solidFill>
+                <a:effectLst/>
+                <a:uFillTx/>
+                <a:latin typeface="Arial"/>
+                <a:ea typeface="Arial"/>
+              </a:rPr>
+              <a:t>Setup helloword in playwirte</a:t>
+            </a:r>
+            <a:endParaRPr b="0" lang="en-US" sz="1400" strike="noStrike" u="none">
+              <a:solidFill>
+                <a:srgbClr val="ffffff"/>
+              </a:solidFill>
+              <a:effectLst/>
+              <a:uFillTx/>
+              <a:latin typeface="Arial"/>
+            </a:endParaRPr>
+          </a:p>
+          <a:p>
+            <a:pPr marL="239760" indent="-239760" defTabSz="914400">
+              <a:lnSpc>
+                <a:spcPct val="120000"/>
+              </a:lnSpc>
+              <a:spcBef>
+                <a:spcPts val="1199"/>
+              </a:spcBef>
+              <a:buClr>
+                <a:srgbClr val="ffffff"/>
+              </a:buClr>
+              <a:buFont typeface="Wingdings" charset="2"/>
+              <a:buChar char=""/>
+            </a:pPr>
+            <a:r>
+              <a:rPr b="0" lang="en-US" sz="1400" strike="noStrike" u="none">
+                <a:solidFill>
+                  <a:schemeClr val="lt1"/>
+                </a:solidFill>
+                <a:effectLst/>
+                <a:uFillTx/>
+                <a:latin typeface="Arial"/>
+                <a:ea typeface="Arial"/>
+              </a:rPr>
+              <a:t>Setup CI/CD for demo</a:t>
             </a:r>
             <a:endParaRPr b="0" lang="en-US" sz="1400" strike="noStrike" u="none">
               <a:solidFill>
@@ -6260,7 +6643,7 @@
         <p:spPr>
           <a:xfrm>
             <a:off x="132120" y="174960"/>
-            <a:ext cx="3583800" cy="335160"/>
+            <a:ext cx="3583440" cy="334080"/>
           </a:xfrm>
           <a:prstGeom prst="rect">
             <a:avLst/>
@@ -6298,7 +6681,7 @@
                 <a:latin typeface="Arial"/>
                 <a:ea typeface="Arial"/>
               </a:rPr>
-              <a:t>&lt;Project Title&gt; + &lt;Date&gt;</a:t>
+              <a:t>&lt;MCP project&gt; + &lt;17/11-23/11&gt;</a:t>
             </a:r>
             <a:endParaRPr b="0" lang="en-US" sz="1600" strike="noStrike" u="none">
               <a:solidFill>
@@ -6324,7 +6707,7 @@
         <p:spPr>
           <a:xfrm>
             <a:off x="10847160" y="6417360"/>
-            <a:ext cx="1243440" cy="354600"/>
+            <a:ext cx="1243080" cy="354240"/>
           </a:xfrm>
           <a:prstGeom prst="rect">
             <a:avLst/>
@@ -6344,7 +6727,7 @@
         <p:spPr>
           <a:xfrm>
             <a:off x="4549680" y="1886040"/>
-            <a:ext cx="2649960" cy="384120"/>
+            <a:ext cx="2649600" cy="383760"/>
           </a:xfrm>
           <a:prstGeom prst="rect">
             <a:avLst/>
@@ -6405,7 +6788,7 @@
         <p:spPr>
           <a:xfrm>
             <a:off x="7993800" y="1841040"/>
-            <a:ext cx="2652120" cy="384120"/>
+            <a:ext cx="2651760" cy="383760"/>
           </a:xfrm>
           <a:prstGeom prst="rect">
             <a:avLst/>
@@ -6466,7 +6849,7 @@
         <p:spPr>
           <a:xfrm>
             <a:off x="4553640" y="2270160"/>
-            <a:ext cx="2640960" cy="1010520"/>
+            <a:ext cx="2640600" cy="1521720"/>
           </a:xfrm>
           <a:prstGeom prst="rect">
             <a:avLst/>
@@ -6510,7 +6893,7 @@
                 <a:latin typeface="Arial"/>
                 <a:ea typeface="Arial"/>
               </a:rPr>
-              <a:t>No experience with postgreSQL in linux system</a:t>
+              <a:t>No experience with PostgreSQL in Linux system</a:t>
             </a:r>
             <a:endParaRPr b="0" lang="en-US" sz="1400" strike="noStrike" u="none">
               <a:solidFill>
@@ -6545,7 +6928,7 @@
                 <a:latin typeface="Arial"/>
                 <a:ea typeface="Arial"/>
               </a:rPr>
-              <a:t> </a:t>
+              <a:t> A lot of confusions about MCP from online source</a:t>
             </a:r>
             <a:endParaRPr b="0" lang="en-US" sz="1400" strike="noStrike" u="none">
               <a:solidFill>
@@ -6567,7 +6950,7 @@
         <p:spPr>
           <a:xfrm>
             <a:off x="7845480" y="2270160"/>
-            <a:ext cx="2641320" cy="1267920"/>
+            <a:ext cx="2640960" cy="857520"/>
           </a:xfrm>
           <a:prstGeom prst="rect">
             <a:avLst/>
@@ -6611,42 +6994,7 @@
                 <a:latin typeface="Arial"/>
                 <a:ea typeface="Arial"/>
               </a:rPr>
-              <a:t>Lorem ipsum dolor sit amet. </a:t>
-            </a:r>
-            <a:endParaRPr b="0" lang="en-US" sz="1400" strike="noStrike" u="none">
-              <a:solidFill>
-                <a:srgbClr val="ffffff"/>
-              </a:solidFill>
-              <a:effectLst/>
-              <a:uFillTx/>
-              <a:latin typeface="Arial"/>
-            </a:endParaRPr>
-          </a:p>
-          <a:p>
-            <a:pPr marL="239760" indent="-239760" defTabSz="914400">
-              <a:lnSpc>
-                <a:spcPct val="120000"/>
-              </a:lnSpc>
-              <a:spcBef>
-                <a:spcPts val="1199"/>
-              </a:spcBef>
-              <a:buClr>
-                <a:srgbClr val="ffffff"/>
-              </a:buClr>
-              <a:buFont typeface="Wingdings" charset="2"/>
-              <a:buChar char=""/>
-            </a:pPr>
-            <a:r>
-              <a:rPr b="0" lang="en-US" sz="1400" strike="noStrike" u="none">
-                <a:solidFill>
-                  <a:schemeClr val="lt1"/>
-                </a:solidFill>
-                <a:effectLst/>
-                <a:uFillTx/>
-                <a:latin typeface="Arial"/>
-                <a:ea typeface="Arial"/>
-              </a:rPr>
-              <a:t>Qui sint neque a velit modi quo numquam. </a:t>
+              <a:t>Register in Redox and try to do some domo without playwrite </a:t>
             </a:r>
             <a:endParaRPr b="0" lang="en-US" sz="1400" strike="noStrike" u="none">
               <a:solidFill>
